--- a/20230612_Lattice_intro.pptx
+++ b/20230612_Lattice_intro.pptx
@@ -7,10 +7,10 @@
     <p:sldMasterId id="2147483772" r:id="rId3"/>
   </p:sldMasterIdLst>
   <p:notesMasterIdLst>
-    <p:notesMasterId r:id="rId35"/>
+    <p:notesMasterId r:id="rId36"/>
   </p:notesMasterIdLst>
   <p:handoutMasterIdLst>
-    <p:handoutMasterId r:id="rId36"/>
+    <p:handoutMasterId r:id="rId37"/>
   </p:handoutMasterIdLst>
   <p:sldIdLst>
     <p:sldId id="269" r:id="rId4"/>
@@ -24,26 +24,27 @@
     <p:sldId id="550" r:id="rId12"/>
     <p:sldId id="620" r:id="rId13"/>
     <p:sldId id="622" r:id="rId14"/>
-    <p:sldId id="621" r:id="rId15"/>
-    <p:sldId id="623" r:id="rId16"/>
-    <p:sldId id="624" r:id="rId17"/>
-    <p:sldId id="625" r:id="rId18"/>
-    <p:sldId id="559" r:id="rId19"/>
-    <p:sldId id="627" r:id="rId20"/>
-    <p:sldId id="626" r:id="rId21"/>
-    <p:sldId id="628" r:id="rId22"/>
-    <p:sldId id="561" r:id="rId23"/>
-    <p:sldId id="589" r:id="rId24"/>
-    <p:sldId id="590" r:id="rId25"/>
-    <p:sldId id="591" r:id="rId26"/>
-    <p:sldId id="592" r:id="rId27"/>
-    <p:sldId id="596" r:id="rId28"/>
-    <p:sldId id="597" r:id="rId29"/>
-    <p:sldId id="536" r:id="rId30"/>
-    <p:sldId id="580" r:id="rId31"/>
-    <p:sldId id="581" r:id="rId32"/>
-    <p:sldId id="611" r:id="rId33"/>
-    <p:sldId id="544" r:id="rId34"/>
+    <p:sldId id="629" r:id="rId15"/>
+    <p:sldId id="621" r:id="rId16"/>
+    <p:sldId id="623" r:id="rId17"/>
+    <p:sldId id="624" r:id="rId18"/>
+    <p:sldId id="625" r:id="rId19"/>
+    <p:sldId id="559" r:id="rId20"/>
+    <p:sldId id="627" r:id="rId21"/>
+    <p:sldId id="626" r:id="rId22"/>
+    <p:sldId id="628" r:id="rId23"/>
+    <p:sldId id="561" r:id="rId24"/>
+    <p:sldId id="589" r:id="rId25"/>
+    <p:sldId id="590" r:id="rId26"/>
+    <p:sldId id="591" r:id="rId27"/>
+    <p:sldId id="592" r:id="rId28"/>
+    <p:sldId id="596" r:id="rId29"/>
+    <p:sldId id="597" r:id="rId30"/>
+    <p:sldId id="536" r:id="rId31"/>
+    <p:sldId id="580" r:id="rId32"/>
+    <p:sldId id="581" r:id="rId33"/>
+    <p:sldId id="611" r:id="rId34"/>
+    <p:sldId id="544" r:id="rId35"/>
   </p:sldIdLst>
   <p:sldSz cx="9906000" cy="6858000" type="A4"/>
   <p:notesSz cx="6735763" cy="9866313"/>
@@ -158,6 +159,7 @@
             <p14:sldId id="550"/>
             <p14:sldId id="620"/>
             <p14:sldId id="622"/>
+            <p14:sldId id="629"/>
             <p14:sldId id="621"/>
             <p14:sldId id="623"/>
             <p14:sldId id="624"/>
@@ -345,7 +347,7 @@
           <a:p>
             <a:fld id="{46F42610-14FF-4B40-B4B6-786DE4FB8FEA}" type="datetime1">
               <a:rPr lang="ko-KR" altLang="en-US" smtClean="0"/>
-              <a:t>2023-06-09</a:t>
+              <a:t>2023-06-12</a:t>
             </a:fld>
             <a:endParaRPr lang="ko-KR" altLang="en-US"/>
           </a:p>
@@ -511,7 +513,7 @@
           <a:p>
             <a:fld id="{513A899E-F476-4791-9F16-0B14047B11F2}" type="datetime1">
               <a:rPr lang="ko-KR" altLang="en-US" smtClean="0"/>
-              <a:t>2023-06-09</a:t>
+              <a:t>2023-06-12</a:t>
             </a:fld>
             <a:endParaRPr lang="ko-KR" altLang="en-US"/>
           </a:p>
@@ -977,7 +979,7 @@
           <a:p>
             <a:fld id="{D5BB7A41-6D90-4371-844A-87EC379C3D06}" type="datetimeFigureOut">
               <a:rPr lang="ko-KR" altLang="en-US" smtClean="0"/>
-              <a:t>2023-06-09</a:t>
+              <a:t>2023-06-12</a:t>
             </a:fld>
             <a:endParaRPr lang="ko-KR" altLang="en-US"/>
           </a:p>
@@ -1035,13 +1037,6 @@
   <p:clrMapOvr>
     <a:masterClrMapping/>
   </p:clrMapOvr>
-  <p:timing>
-    <p:tnLst>
-      <p:par>
-        <p:cTn id="1" dur="indefinite" restart="never" nodeType="tmRoot"/>
-      </p:par>
-    </p:tnLst>
-  </p:timing>
 </p:sldLayout>
 </file>
 
@@ -1179,7 +1174,7 @@
           </a:lstStyle>
           <a:p>
             <a:r>
-              <a:rPr lang="en-US" smtClean="0"/>
+              <a:rPr lang="en-US"/>
               <a:t>Click to edit Master title style</a:t>
             </a:r>
             <a:endParaRPr lang="en-US" dirty="0"/>
@@ -1299,7 +1294,7 @@
           </a:lstStyle>
           <a:p>
             <a:r>
-              <a:rPr lang="en-US" smtClean="0"/>
+              <a:rPr lang="en-US"/>
               <a:t>Click to edit Master subtitle style</a:t>
             </a:r>
             <a:endParaRPr lang="en-US" dirty="0"/>
@@ -1325,7 +1320,7 @@
             <a:fld id="{1D8BD707-D9CF-40AE-B4C6-C98DA3205C09}" type="datetimeFigureOut">
               <a:rPr lang="en-US" smtClean="0"/>
               <a:pPr defTabSz="914400" latinLnBrk="0"/>
-              <a:t>6/9/2023</a:t>
+              <a:t>6/12/2023</a:t>
             </a:fld>
             <a:endParaRPr lang="en-US"/>
           </a:p>
@@ -1457,10 +1452,9 @@
           <a:lstStyle/>
           <a:p>
             <a:r>
-              <a:rPr lang="en-US" smtClean="0"/>
+              <a:rPr lang="en-US"/>
               <a:t>Click to edit Master title style</a:t>
             </a:r>
-            <a:endParaRPr lang="en-US"/>
           </a:p>
         </p:txBody>
       </p:sp>
@@ -1481,38 +1475,37 @@
           <a:p>
             <a:pPr lvl="0"/>
             <a:r>
-              <a:rPr lang="en-US" smtClean="0"/>
+              <a:rPr lang="en-US"/>
               <a:t>Click to edit Master text styles</a:t>
             </a:r>
           </a:p>
           <a:p>
             <a:pPr lvl="1"/>
             <a:r>
-              <a:rPr lang="en-US" smtClean="0"/>
+              <a:rPr lang="en-US"/>
               <a:t>Second level</a:t>
             </a:r>
           </a:p>
           <a:p>
             <a:pPr lvl="2"/>
             <a:r>
-              <a:rPr lang="en-US" smtClean="0"/>
+              <a:rPr lang="en-US"/>
               <a:t>Third level</a:t>
             </a:r>
           </a:p>
           <a:p>
             <a:pPr lvl="3"/>
             <a:r>
-              <a:rPr lang="en-US" smtClean="0"/>
+              <a:rPr lang="en-US"/>
               <a:t>Fourth level</a:t>
             </a:r>
           </a:p>
           <a:p>
             <a:pPr lvl="4"/>
             <a:r>
-              <a:rPr lang="en-US" smtClean="0"/>
+              <a:rPr lang="en-US"/>
               <a:t>Fifth level</a:t>
             </a:r>
-            <a:endParaRPr lang="en-US"/>
           </a:p>
         </p:txBody>
       </p:sp>
@@ -1535,7 +1528,7 @@
             <a:fld id="{1D8BD707-D9CF-40AE-B4C6-C98DA3205C09}" type="datetimeFigureOut">
               <a:rPr lang="en-US" smtClean="0"/>
               <a:pPr defTabSz="914400" latinLnBrk="0"/>
-              <a:t>6/9/2023</a:t>
+              <a:t>6/12/2023</a:t>
             </a:fld>
             <a:endParaRPr lang="en-US"/>
           </a:p>
@@ -1648,7 +1641,7 @@
           </a:lstStyle>
           <a:p>
             <a:r>
-              <a:rPr lang="en-US" smtClean="0"/>
+              <a:rPr lang="en-US"/>
               <a:t>Click to edit Master title style</a:t>
             </a:r>
             <a:endParaRPr lang="en-US" dirty="0"/>
@@ -1768,7 +1761,7 @@
           <a:p>
             <a:pPr lvl="0"/>
             <a:r>
-              <a:rPr lang="en-US" smtClean="0"/>
+              <a:rPr lang="en-US"/>
               <a:t>Click to edit Master text styles</a:t>
             </a:r>
           </a:p>
@@ -1793,7 +1786,7 @@
             <a:fld id="{1D8BD707-D9CF-40AE-B4C6-C98DA3205C09}" type="datetimeFigureOut">
               <a:rPr lang="en-US" smtClean="0"/>
               <a:pPr defTabSz="914400" latinLnBrk="0"/>
-              <a:t>6/9/2023</a:t>
+              <a:t>6/12/2023</a:t>
             </a:fld>
             <a:endParaRPr lang="en-US"/>
           </a:p>
@@ -1925,10 +1918,9 @@
           <a:lstStyle/>
           <a:p>
             <a:r>
-              <a:rPr lang="en-US" smtClean="0"/>
+              <a:rPr lang="en-US"/>
               <a:t>Click to edit Master title style</a:t>
             </a:r>
-            <a:endParaRPr lang="en-US"/>
           </a:p>
         </p:txBody>
       </p:sp>
@@ -1982,35 +1974,35 @@
           <a:p>
             <a:pPr lvl="0"/>
             <a:r>
-              <a:rPr lang="en-US" smtClean="0"/>
+              <a:rPr lang="en-US"/>
               <a:t>Click to edit Master text styles</a:t>
             </a:r>
           </a:p>
           <a:p>
             <a:pPr lvl="1"/>
             <a:r>
-              <a:rPr lang="en-US" smtClean="0"/>
+              <a:rPr lang="en-US"/>
               <a:t>Second level</a:t>
             </a:r>
           </a:p>
           <a:p>
             <a:pPr lvl="2"/>
             <a:r>
-              <a:rPr lang="en-US" smtClean="0"/>
+              <a:rPr lang="en-US"/>
               <a:t>Third level</a:t>
             </a:r>
           </a:p>
           <a:p>
             <a:pPr lvl="3"/>
             <a:r>
-              <a:rPr lang="en-US" smtClean="0"/>
+              <a:rPr lang="en-US"/>
               <a:t>Fourth level</a:t>
             </a:r>
           </a:p>
           <a:p>
             <a:pPr lvl="4"/>
             <a:r>
-              <a:rPr lang="en-US" smtClean="0"/>
+              <a:rPr lang="en-US"/>
               <a:t>Fifth level</a:t>
             </a:r>
             <a:endParaRPr lang="en-US" dirty="0"/>
@@ -2067,35 +2059,35 @@
           <a:p>
             <a:pPr lvl="0"/>
             <a:r>
-              <a:rPr lang="en-US" smtClean="0"/>
+              <a:rPr lang="en-US"/>
               <a:t>Click to edit Master text styles</a:t>
             </a:r>
           </a:p>
           <a:p>
             <a:pPr lvl="1"/>
             <a:r>
-              <a:rPr lang="en-US" smtClean="0"/>
+              <a:rPr lang="en-US"/>
               <a:t>Second level</a:t>
             </a:r>
           </a:p>
           <a:p>
             <a:pPr lvl="2"/>
             <a:r>
-              <a:rPr lang="en-US" smtClean="0"/>
+              <a:rPr lang="en-US"/>
               <a:t>Third level</a:t>
             </a:r>
           </a:p>
           <a:p>
             <a:pPr lvl="3"/>
             <a:r>
-              <a:rPr lang="en-US" smtClean="0"/>
+              <a:rPr lang="en-US"/>
               <a:t>Fourth level</a:t>
             </a:r>
           </a:p>
           <a:p>
             <a:pPr lvl="4"/>
             <a:r>
-              <a:rPr lang="en-US" smtClean="0"/>
+              <a:rPr lang="en-US"/>
               <a:t>Fifth level</a:t>
             </a:r>
             <a:endParaRPr lang="en-US" dirty="0"/>
@@ -2121,7 +2113,7 @@
             <a:fld id="{1D8BD707-D9CF-40AE-B4C6-C98DA3205C09}" type="datetimeFigureOut">
               <a:rPr lang="en-US" smtClean="0"/>
               <a:pPr defTabSz="914400" latinLnBrk="0"/>
-              <a:t>6/9/2023</a:t>
+              <a:t>6/12/2023</a:t>
             </a:fld>
             <a:endParaRPr lang="en-US"/>
           </a:p>
@@ -2222,7 +2214,7 @@
           </a:lstStyle>
           <a:p>
             <a:r>
-              <a:rPr lang="en-US" smtClean="0"/>
+              <a:rPr lang="en-US"/>
               <a:t>Click to edit Master title style</a:t>
             </a:r>
             <a:endParaRPr lang="en-US" dirty="0"/>
@@ -2311,7 +2303,7 @@
           <a:p>
             <a:pPr lvl="0"/>
             <a:r>
-              <a:rPr lang="en-US" smtClean="0"/>
+              <a:rPr lang="en-US"/>
               <a:t>Click to edit Master text styles</a:t>
             </a:r>
           </a:p>
@@ -2367,35 +2359,35 @@
           <a:p>
             <a:pPr lvl="0"/>
             <a:r>
-              <a:rPr lang="en-US" smtClean="0"/>
+              <a:rPr lang="en-US"/>
               <a:t>Click to edit Master text styles</a:t>
             </a:r>
           </a:p>
           <a:p>
             <a:pPr lvl="1"/>
             <a:r>
-              <a:rPr lang="en-US" smtClean="0"/>
+              <a:rPr lang="en-US"/>
               <a:t>Second level</a:t>
             </a:r>
           </a:p>
           <a:p>
             <a:pPr lvl="2"/>
             <a:r>
-              <a:rPr lang="en-US" smtClean="0"/>
+              <a:rPr lang="en-US"/>
               <a:t>Third level</a:t>
             </a:r>
           </a:p>
           <a:p>
             <a:pPr lvl="3"/>
             <a:r>
-              <a:rPr lang="en-US" smtClean="0"/>
+              <a:rPr lang="en-US"/>
               <a:t>Fourth level</a:t>
             </a:r>
           </a:p>
           <a:p>
             <a:pPr lvl="4"/>
             <a:r>
-              <a:rPr lang="en-US" smtClean="0"/>
+              <a:rPr lang="en-US"/>
               <a:t>Fifth level</a:t>
             </a:r>
             <a:endParaRPr lang="en-US" dirty="0"/>
@@ -2487,7 +2479,7 @@
           <a:p>
             <a:pPr lvl="0"/>
             <a:r>
-              <a:rPr lang="en-US" smtClean="0"/>
+              <a:rPr lang="en-US"/>
               <a:t>Click to edit Master text styles</a:t>
             </a:r>
           </a:p>
@@ -2543,35 +2535,35 @@
           <a:p>
             <a:pPr lvl="0"/>
             <a:r>
-              <a:rPr lang="en-US" smtClean="0"/>
+              <a:rPr lang="en-US"/>
               <a:t>Click to edit Master text styles</a:t>
             </a:r>
           </a:p>
           <a:p>
             <a:pPr lvl="1"/>
             <a:r>
-              <a:rPr lang="en-US" smtClean="0"/>
+              <a:rPr lang="en-US"/>
               <a:t>Second level</a:t>
             </a:r>
           </a:p>
           <a:p>
             <a:pPr lvl="2"/>
             <a:r>
-              <a:rPr lang="en-US" smtClean="0"/>
+              <a:rPr lang="en-US"/>
               <a:t>Third level</a:t>
             </a:r>
           </a:p>
           <a:p>
             <a:pPr lvl="3"/>
             <a:r>
-              <a:rPr lang="en-US" smtClean="0"/>
+              <a:rPr lang="en-US"/>
               <a:t>Fourth level</a:t>
             </a:r>
           </a:p>
           <a:p>
             <a:pPr lvl="4"/>
             <a:r>
-              <a:rPr lang="en-US" smtClean="0"/>
+              <a:rPr lang="en-US"/>
               <a:t>Fifth level</a:t>
             </a:r>
             <a:endParaRPr lang="en-US" dirty="0"/>
@@ -2597,7 +2589,7 @@
             <a:fld id="{1D8BD707-D9CF-40AE-B4C6-C98DA3205C09}" type="datetimeFigureOut">
               <a:rPr lang="en-US" smtClean="0"/>
               <a:pPr defTabSz="914400" latinLnBrk="0"/>
-              <a:t>6/9/2023</a:t>
+              <a:t>6/12/2023</a:t>
             </a:fld>
             <a:endParaRPr lang="en-US"/>
           </a:p>
@@ -2729,10 +2721,9 @@
           <a:lstStyle/>
           <a:p>
             <a:r>
-              <a:rPr lang="en-US" smtClean="0"/>
+              <a:rPr lang="en-US"/>
               <a:t>Click to edit Master title style</a:t>
             </a:r>
-            <a:endParaRPr lang="en-US"/>
           </a:p>
         </p:txBody>
       </p:sp>
@@ -2755,7 +2746,7 @@
             <a:fld id="{1D8BD707-D9CF-40AE-B4C6-C98DA3205C09}" type="datetimeFigureOut">
               <a:rPr lang="en-US" smtClean="0"/>
               <a:pPr defTabSz="914400" latinLnBrk="0"/>
-              <a:t>6/9/2023</a:t>
+              <a:t>6/12/2023</a:t>
             </a:fld>
             <a:endParaRPr lang="en-US"/>
           </a:p>
@@ -2855,7 +2846,7 @@
             <a:fld id="{1D8BD707-D9CF-40AE-B4C6-C98DA3205C09}" type="datetimeFigureOut">
               <a:rPr lang="en-US" smtClean="0"/>
               <a:pPr defTabSz="914400" latinLnBrk="0"/>
-              <a:t>6/9/2023</a:t>
+              <a:t>6/12/2023</a:t>
             </a:fld>
             <a:endParaRPr lang="en-US"/>
           </a:p>
@@ -3013,7 +3004,7 @@
           <a:p>
             <a:fld id="{D5BB7A41-6D90-4371-844A-87EC379C3D06}" type="datetimeFigureOut">
               <a:rPr lang="ko-KR" altLang="en-US" smtClean="0"/>
-              <a:t>2023-06-09</a:t>
+              <a:t>2023-06-12</a:t>
             </a:fld>
             <a:endParaRPr lang="ko-KR" altLang="en-US"/>
           </a:p>
@@ -3118,7 +3109,7 @@
           </a:lstStyle>
           <a:p>
             <a:r>
-              <a:rPr lang="en-US" smtClean="0"/>
+              <a:rPr lang="en-US"/>
               <a:t>Click to edit Master title style</a:t>
             </a:r>
             <a:endParaRPr lang="en-US" dirty="0"/>
@@ -3175,35 +3166,35 @@
           <a:p>
             <a:pPr lvl="0"/>
             <a:r>
-              <a:rPr lang="en-US" smtClean="0"/>
+              <a:rPr lang="en-US"/>
               <a:t>Click to edit Master text styles</a:t>
             </a:r>
           </a:p>
           <a:p>
             <a:pPr lvl="1"/>
             <a:r>
-              <a:rPr lang="en-US" smtClean="0"/>
+              <a:rPr lang="en-US"/>
               <a:t>Second level</a:t>
             </a:r>
           </a:p>
           <a:p>
             <a:pPr lvl="2"/>
             <a:r>
-              <a:rPr lang="en-US" smtClean="0"/>
+              <a:rPr lang="en-US"/>
               <a:t>Third level</a:t>
             </a:r>
           </a:p>
           <a:p>
             <a:pPr lvl="3"/>
             <a:r>
-              <a:rPr lang="en-US" smtClean="0"/>
+              <a:rPr lang="en-US"/>
               <a:t>Fourth level</a:t>
             </a:r>
           </a:p>
           <a:p>
             <a:pPr lvl="4"/>
             <a:r>
-              <a:rPr lang="en-US" smtClean="0"/>
+              <a:rPr lang="en-US"/>
               <a:t>Fifth level</a:t>
             </a:r>
             <a:endParaRPr lang="en-US" dirty="0"/>
@@ -3269,7 +3260,7 @@
           <a:p>
             <a:pPr lvl="0"/>
             <a:r>
-              <a:rPr lang="en-US" smtClean="0"/>
+              <a:rPr lang="en-US"/>
               <a:t>Click to edit Master text styles</a:t>
             </a:r>
           </a:p>
@@ -3294,7 +3285,7 @@
             <a:fld id="{1D8BD707-D9CF-40AE-B4C6-C98DA3205C09}" type="datetimeFigureOut">
               <a:rPr lang="en-US" smtClean="0"/>
               <a:pPr defTabSz="914400" latinLnBrk="0"/>
-              <a:t>6/9/2023</a:t>
+              <a:t>6/12/2023</a:t>
             </a:fld>
             <a:endParaRPr lang="en-US"/>
           </a:p>
@@ -3437,7 +3428,7 @@
           </a:lstStyle>
           <a:p>
             <a:r>
-              <a:rPr lang="en-US" smtClean="0"/>
+              <a:rPr lang="en-US"/>
               <a:t>Click to edit Master title style</a:t>
             </a:r>
             <a:endParaRPr lang="en-US" dirty="0"/>
@@ -3518,7 +3509,7 @@
           </a:lstStyle>
           <a:p>
             <a:r>
-              <a:rPr lang="en-US" smtClean="0"/>
+              <a:rPr lang="en-US"/>
               <a:t>Click icon to add picture</a:t>
             </a:r>
             <a:endParaRPr lang="en-US" dirty="0"/>
@@ -3584,7 +3575,7 @@
           <a:p>
             <a:pPr lvl="0"/>
             <a:r>
-              <a:rPr lang="en-US" smtClean="0"/>
+              <a:rPr lang="en-US"/>
               <a:t>Click to edit Master text styles</a:t>
             </a:r>
           </a:p>
@@ -3609,7 +3600,7 @@
             <a:fld id="{1D8BD707-D9CF-40AE-B4C6-C98DA3205C09}" type="datetimeFigureOut">
               <a:rPr lang="en-US" smtClean="0"/>
               <a:pPr defTabSz="914400" latinLnBrk="0"/>
-              <a:t>6/9/2023</a:t>
+              <a:t>6/12/2023</a:t>
             </a:fld>
             <a:endParaRPr lang="en-US"/>
           </a:p>
@@ -3706,10 +3697,9 @@
           <a:lstStyle/>
           <a:p>
             <a:r>
-              <a:rPr lang="en-US" smtClean="0"/>
+              <a:rPr lang="en-US"/>
               <a:t>Click to edit Master title style</a:t>
             </a:r>
-            <a:endParaRPr lang="en-US"/>
           </a:p>
         </p:txBody>
       </p:sp>
@@ -3730,38 +3720,37 @@
           <a:p>
             <a:pPr lvl="0"/>
             <a:r>
-              <a:rPr lang="en-US" smtClean="0"/>
+              <a:rPr lang="en-US"/>
               <a:t>Click to edit Master text styles</a:t>
             </a:r>
           </a:p>
           <a:p>
             <a:pPr lvl="1"/>
             <a:r>
-              <a:rPr lang="en-US" smtClean="0"/>
+              <a:rPr lang="en-US"/>
               <a:t>Second level</a:t>
             </a:r>
           </a:p>
           <a:p>
             <a:pPr lvl="2"/>
             <a:r>
-              <a:rPr lang="en-US" smtClean="0"/>
+              <a:rPr lang="en-US"/>
               <a:t>Third level</a:t>
             </a:r>
           </a:p>
           <a:p>
             <a:pPr lvl="3"/>
             <a:r>
-              <a:rPr lang="en-US" smtClean="0"/>
+              <a:rPr lang="en-US"/>
               <a:t>Fourth level</a:t>
             </a:r>
           </a:p>
           <a:p>
             <a:pPr lvl="4"/>
             <a:r>
-              <a:rPr lang="en-US" smtClean="0"/>
+              <a:rPr lang="en-US"/>
               <a:t>Fifth level</a:t>
             </a:r>
-            <a:endParaRPr lang="en-US"/>
           </a:p>
         </p:txBody>
       </p:sp>
@@ -3784,7 +3773,7 @@
             <a:fld id="{1D8BD707-D9CF-40AE-B4C6-C98DA3205C09}" type="datetimeFigureOut">
               <a:rPr lang="en-US" smtClean="0"/>
               <a:pPr defTabSz="914400" latinLnBrk="0"/>
-              <a:t>6/9/2023</a:t>
+              <a:t>6/12/2023</a:t>
             </a:fld>
             <a:endParaRPr lang="en-US"/>
           </a:p>
@@ -3886,7 +3875,7 @@
           <a:lstStyle/>
           <a:p>
             <a:r>
-              <a:rPr lang="en-US" smtClean="0"/>
+              <a:rPr lang="en-US"/>
               <a:t>Click to edit Master title style</a:t>
             </a:r>
             <a:endParaRPr lang="en-US" dirty="0"/>
@@ -3915,35 +3904,35 @@
           <a:p>
             <a:pPr lvl="0"/>
             <a:r>
-              <a:rPr lang="en-US" smtClean="0"/>
+              <a:rPr lang="en-US"/>
               <a:t>Click to edit Master text styles</a:t>
             </a:r>
           </a:p>
           <a:p>
             <a:pPr lvl="1"/>
             <a:r>
-              <a:rPr lang="en-US" smtClean="0"/>
+              <a:rPr lang="en-US"/>
               <a:t>Second level</a:t>
             </a:r>
           </a:p>
           <a:p>
             <a:pPr lvl="2"/>
             <a:r>
-              <a:rPr lang="en-US" smtClean="0"/>
+              <a:rPr lang="en-US"/>
               <a:t>Third level</a:t>
             </a:r>
           </a:p>
           <a:p>
             <a:pPr lvl="3"/>
             <a:r>
-              <a:rPr lang="en-US" smtClean="0"/>
+              <a:rPr lang="en-US"/>
               <a:t>Fourth level</a:t>
             </a:r>
           </a:p>
           <a:p>
             <a:pPr lvl="4"/>
             <a:r>
-              <a:rPr lang="en-US" smtClean="0"/>
+              <a:rPr lang="en-US"/>
               <a:t>Fifth level</a:t>
             </a:r>
             <a:endParaRPr lang="en-US" dirty="0"/>
@@ -3969,7 +3958,7 @@
             <a:fld id="{1D8BD707-D9CF-40AE-B4C6-C98DA3205C09}" type="datetimeFigureOut">
               <a:rPr lang="en-US" smtClean="0"/>
               <a:pPr defTabSz="914400" latinLnBrk="0"/>
-              <a:t>6/9/2023</a:t>
+              <a:t>6/12/2023</a:t>
             </a:fld>
             <a:endParaRPr lang="en-US"/>
           </a:p>
@@ -4077,7 +4066,7 @@
           </a:lstStyle>
           <a:p>
             <a:r>
-              <a:rPr lang="en-US" smtClean="0"/>
+              <a:rPr lang="en-US"/>
               <a:t>Click to edit Master title style</a:t>
             </a:r>
             <a:endParaRPr lang="en-US" dirty="0"/>
@@ -4197,7 +4186,7 @@
           </a:lstStyle>
           <a:p>
             <a:r>
-              <a:rPr lang="en-US" smtClean="0"/>
+              <a:rPr lang="en-US"/>
               <a:t>Click to edit Master subtitle style</a:t>
             </a:r>
             <a:endParaRPr lang="en-US" dirty="0"/>
@@ -4223,7 +4212,7 @@
             <a:fld id="{1D8BD707-D9CF-40AE-B4C6-C98DA3205C09}" type="datetimeFigureOut">
               <a:rPr lang="en-US" smtClean="0"/>
               <a:pPr defTabSz="914400" latinLnBrk="0"/>
-              <a:t>6/9/2023</a:t>
+              <a:t>6/12/2023</a:t>
             </a:fld>
             <a:endParaRPr lang="en-US"/>
           </a:p>
@@ -4355,10 +4344,9 @@
           <a:lstStyle/>
           <a:p>
             <a:r>
-              <a:rPr lang="en-US" smtClean="0"/>
+              <a:rPr lang="en-US"/>
               <a:t>Click to edit Master title style</a:t>
             </a:r>
-            <a:endParaRPr lang="en-US"/>
           </a:p>
         </p:txBody>
       </p:sp>
@@ -4379,38 +4367,37 @@
           <a:p>
             <a:pPr lvl="0"/>
             <a:r>
-              <a:rPr lang="en-US" smtClean="0"/>
+              <a:rPr lang="en-US"/>
               <a:t>Click to edit Master text styles</a:t>
             </a:r>
           </a:p>
           <a:p>
             <a:pPr lvl="1"/>
             <a:r>
-              <a:rPr lang="en-US" smtClean="0"/>
+              <a:rPr lang="en-US"/>
               <a:t>Second level</a:t>
             </a:r>
           </a:p>
           <a:p>
             <a:pPr lvl="2"/>
             <a:r>
-              <a:rPr lang="en-US" smtClean="0"/>
+              <a:rPr lang="en-US"/>
               <a:t>Third level</a:t>
             </a:r>
           </a:p>
           <a:p>
             <a:pPr lvl="3"/>
             <a:r>
-              <a:rPr lang="en-US" smtClean="0"/>
+              <a:rPr lang="en-US"/>
               <a:t>Fourth level</a:t>
             </a:r>
           </a:p>
           <a:p>
             <a:pPr lvl="4"/>
             <a:r>
-              <a:rPr lang="en-US" smtClean="0"/>
+              <a:rPr lang="en-US"/>
               <a:t>Fifth level</a:t>
             </a:r>
-            <a:endParaRPr lang="en-US"/>
           </a:p>
         </p:txBody>
       </p:sp>
@@ -4433,7 +4420,7 @@
             <a:fld id="{1D8BD707-D9CF-40AE-B4C6-C98DA3205C09}" type="datetimeFigureOut">
               <a:rPr lang="en-US" smtClean="0"/>
               <a:pPr defTabSz="914400" latinLnBrk="0"/>
-              <a:t>6/9/2023</a:t>
+              <a:t>6/12/2023</a:t>
             </a:fld>
             <a:endParaRPr lang="en-US"/>
           </a:p>
@@ -4546,7 +4533,7 @@
           </a:lstStyle>
           <a:p>
             <a:r>
-              <a:rPr lang="en-US" smtClean="0"/>
+              <a:rPr lang="en-US"/>
               <a:t>Click to edit Master title style</a:t>
             </a:r>
             <a:endParaRPr lang="en-US" dirty="0"/>
@@ -4666,7 +4653,7 @@
           <a:p>
             <a:pPr lvl="0"/>
             <a:r>
-              <a:rPr lang="en-US" smtClean="0"/>
+              <a:rPr lang="en-US"/>
               <a:t>Click to edit Master text styles</a:t>
             </a:r>
           </a:p>
@@ -4691,7 +4678,7 @@
             <a:fld id="{1D8BD707-D9CF-40AE-B4C6-C98DA3205C09}" type="datetimeFigureOut">
               <a:rPr lang="en-US" smtClean="0"/>
               <a:pPr defTabSz="914400" latinLnBrk="0"/>
-              <a:t>6/9/2023</a:t>
+              <a:t>6/12/2023</a:t>
             </a:fld>
             <a:endParaRPr lang="en-US"/>
           </a:p>
@@ -4823,10 +4810,9 @@
           <a:lstStyle/>
           <a:p>
             <a:r>
-              <a:rPr lang="en-US" smtClean="0"/>
+              <a:rPr lang="en-US"/>
               <a:t>Click to edit Master title style</a:t>
             </a:r>
-            <a:endParaRPr lang="en-US"/>
           </a:p>
         </p:txBody>
       </p:sp>
@@ -4880,35 +4866,35 @@
           <a:p>
             <a:pPr lvl="0"/>
             <a:r>
-              <a:rPr lang="en-US" smtClean="0"/>
+              <a:rPr lang="en-US"/>
               <a:t>Click to edit Master text styles</a:t>
             </a:r>
           </a:p>
           <a:p>
             <a:pPr lvl="1"/>
             <a:r>
-              <a:rPr lang="en-US" smtClean="0"/>
+              <a:rPr lang="en-US"/>
               <a:t>Second level</a:t>
             </a:r>
           </a:p>
           <a:p>
             <a:pPr lvl="2"/>
             <a:r>
-              <a:rPr lang="en-US" smtClean="0"/>
+              <a:rPr lang="en-US"/>
               <a:t>Third level</a:t>
             </a:r>
           </a:p>
           <a:p>
             <a:pPr lvl="3"/>
             <a:r>
-              <a:rPr lang="en-US" smtClean="0"/>
+              <a:rPr lang="en-US"/>
               <a:t>Fourth level</a:t>
             </a:r>
           </a:p>
           <a:p>
             <a:pPr lvl="4"/>
             <a:r>
-              <a:rPr lang="en-US" smtClean="0"/>
+              <a:rPr lang="en-US"/>
               <a:t>Fifth level</a:t>
             </a:r>
             <a:endParaRPr lang="en-US" dirty="0"/>
@@ -4965,35 +4951,35 @@
           <a:p>
             <a:pPr lvl="0"/>
             <a:r>
-              <a:rPr lang="en-US" smtClean="0"/>
+              <a:rPr lang="en-US"/>
               <a:t>Click to edit Master text styles</a:t>
             </a:r>
           </a:p>
           <a:p>
             <a:pPr lvl="1"/>
             <a:r>
-              <a:rPr lang="en-US" smtClean="0"/>
+              <a:rPr lang="en-US"/>
               <a:t>Second level</a:t>
             </a:r>
           </a:p>
           <a:p>
             <a:pPr lvl="2"/>
             <a:r>
-              <a:rPr lang="en-US" smtClean="0"/>
+              <a:rPr lang="en-US"/>
               <a:t>Third level</a:t>
             </a:r>
           </a:p>
           <a:p>
             <a:pPr lvl="3"/>
             <a:r>
-              <a:rPr lang="en-US" smtClean="0"/>
+              <a:rPr lang="en-US"/>
               <a:t>Fourth level</a:t>
             </a:r>
           </a:p>
           <a:p>
             <a:pPr lvl="4"/>
             <a:r>
-              <a:rPr lang="en-US" smtClean="0"/>
+              <a:rPr lang="en-US"/>
               <a:t>Fifth level</a:t>
             </a:r>
             <a:endParaRPr lang="en-US" dirty="0"/>
@@ -5019,7 +5005,7 @@
             <a:fld id="{1D8BD707-D9CF-40AE-B4C6-C98DA3205C09}" type="datetimeFigureOut">
               <a:rPr lang="en-US" smtClean="0"/>
               <a:pPr defTabSz="914400" latinLnBrk="0"/>
-              <a:t>6/9/2023</a:t>
+              <a:t>6/12/2023</a:t>
             </a:fld>
             <a:endParaRPr lang="en-US"/>
           </a:p>
@@ -5120,7 +5106,7 @@
           </a:lstStyle>
           <a:p>
             <a:r>
-              <a:rPr lang="en-US" smtClean="0"/>
+              <a:rPr lang="en-US"/>
               <a:t>Click to edit Master title style</a:t>
             </a:r>
             <a:endParaRPr lang="en-US" dirty="0"/>
@@ -5209,7 +5195,7 @@
           <a:p>
             <a:pPr lvl="0"/>
             <a:r>
-              <a:rPr lang="en-US" smtClean="0"/>
+              <a:rPr lang="en-US"/>
               <a:t>Click to edit Master text styles</a:t>
             </a:r>
           </a:p>
@@ -5265,35 +5251,35 @@
           <a:p>
             <a:pPr lvl="0"/>
             <a:r>
-              <a:rPr lang="en-US" smtClean="0"/>
+              <a:rPr lang="en-US"/>
               <a:t>Click to edit Master text styles</a:t>
             </a:r>
           </a:p>
           <a:p>
             <a:pPr lvl="1"/>
             <a:r>
-              <a:rPr lang="en-US" smtClean="0"/>
+              <a:rPr lang="en-US"/>
               <a:t>Second level</a:t>
             </a:r>
           </a:p>
           <a:p>
             <a:pPr lvl="2"/>
             <a:r>
-              <a:rPr lang="en-US" smtClean="0"/>
+              <a:rPr lang="en-US"/>
               <a:t>Third level</a:t>
             </a:r>
           </a:p>
           <a:p>
             <a:pPr lvl="3"/>
             <a:r>
-              <a:rPr lang="en-US" smtClean="0"/>
+              <a:rPr lang="en-US"/>
               <a:t>Fourth level</a:t>
             </a:r>
           </a:p>
           <a:p>
             <a:pPr lvl="4"/>
             <a:r>
-              <a:rPr lang="en-US" smtClean="0"/>
+              <a:rPr lang="en-US"/>
               <a:t>Fifth level</a:t>
             </a:r>
             <a:endParaRPr lang="en-US" dirty="0"/>
@@ -5385,7 +5371,7 @@
           <a:p>
             <a:pPr lvl="0"/>
             <a:r>
-              <a:rPr lang="en-US" smtClean="0"/>
+              <a:rPr lang="en-US"/>
               <a:t>Click to edit Master text styles</a:t>
             </a:r>
           </a:p>
@@ -5441,35 +5427,35 @@
           <a:p>
             <a:pPr lvl="0"/>
             <a:r>
-              <a:rPr lang="en-US" smtClean="0"/>
+              <a:rPr lang="en-US"/>
               <a:t>Click to edit Master text styles</a:t>
             </a:r>
           </a:p>
           <a:p>
             <a:pPr lvl="1"/>
             <a:r>
-              <a:rPr lang="en-US" smtClean="0"/>
+              <a:rPr lang="en-US"/>
               <a:t>Second level</a:t>
             </a:r>
           </a:p>
           <a:p>
             <a:pPr lvl="2"/>
             <a:r>
-              <a:rPr lang="en-US" smtClean="0"/>
+              <a:rPr lang="en-US"/>
               <a:t>Third level</a:t>
             </a:r>
           </a:p>
           <a:p>
             <a:pPr lvl="3"/>
             <a:r>
-              <a:rPr lang="en-US" smtClean="0"/>
+              <a:rPr lang="en-US"/>
               <a:t>Fourth level</a:t>
             </a:r>
           </a:p>
           <a:p>
             <a:pPr lvl="4"/>
             <a:r>
-              <a:rPr lang="en-US" smtClean="0"/>
+              <a:rPr lang="en-US"/>
               <a:t>Fifth level</a:t>
             </a:r>
             <a:endParaRPr lang="en-US" dirty="0"/>
@@ -5495,7 +5481,7 @@
             <a:fld id="{1D8BD707-D9CF-40AE-B4C6-C98DA3205C09}" type="datetimeFigureOut">
               <a:rPr lang="en-US" smtClean="0"/>
               <a:pPr defTabSz="914400" latinLnBrk="0"/>
-              <a:t>6/9/2023</a:t>
+              <a:t>6/12/2023</a:t>
             </a:fld>
             <a:endParaRPr lang="en-US"/>
           </a:p>
@@ -5627,10 +5613,9 @@
           <a:lstStyle/>
           <a:p>
             <a:r>
-              <a:rPr lang="en-US" smtClean="0"/>
+              <a:rPr lang="en-US"/>
               <a:t>Click to edit Master title style</a:t>
             </a:r>
-            <a:endParaRPr lang="en-US"/>
           </a:p>
         </p:txBody>
       </p:sp>
@@ -5653,7 +5638,7 @@
             <a:fld id="{1D8BD707-D9CF-40AE-B4C6-C98DA3205C09}" type="datetimeFigureOut">
               <a:rPr lang="en-US" smtClean="0"/>
               <a:pPr defTabSz="914400" latinLnBrk="0"/>
-              <a:t>6/9/2023</a:t>
+              <a:t>6/12/2023</a:t>
             </a:fld>
             <a:endParaRPr lang="en-US"/>
           </a:p>
@@ -5906,7 +5891,7 @@
           <a:p>
             <a:fld id="{D5BB7A41-6D90-4371-844A-87EC379C3D06}" type="datetimeFigureOut">
               <a:rPr lang="ko-KR" altLang="en-US" smtClean="0"/>
-              <a:t>2023-06-09</a:t>
+              <a:t>2023-06-12</a:t>
             </a:fld>
             <a:endParaRPr lang="ko-KR" altLang="en-US"/>
           </a:p>
@@ -6003,7 +5988,7 @@
             <a:fld id="{1D8BD707-D9CF-40AE-B4C6-C98DA3205C09}" type="datetimeFigureOut">
               <a:rPr lang="en-US" smtClean="0"/>
               <a:pPr defTabSz="914400" latinLnBrk="0"/>
-              <a:t>6/9/2023</a:t>
+              <a:t>6/12/2023</a:t>
             </a:fld>
             <a:endParaRPr lang="en-US"/>
           </a:p>
@@ -6111,7 +6096,7 @@
           </a:lstStyle>
           <a:p>
             <a:r>
-              <a:rPr lang="en-US" smtClean="0"/>
+              <a:rPr lang="en-US"/>
               <a:t>Click to edit Master title style</a:t>
             </a:r>
             <a:endParaRPr lang="en-US" dirty="0"/>
@@ -6168,35 +6153,35 @@
           <a:p>
             <a:pPr lvl="0"/>
             <a:r>
-              <a:rPr lang="en-US" smtClean="0"/>
+              <a:rPr lang="en-US"/>
               <a:t>Click to edit Master text styles</a:t>
             </a:r>
           </a:p>
           <a:p>
             <a:pPr lvl="1"/>
             <a:r>
-              <a:rPr lang="en-US" smtClean="0"/>
+              <a:rPr lang="en-US"/>
               <a:t>Second level</a:t>
             </a:r>
           </a:p>
           <a:p>
             <a:pPr lvl="2"/>
             <a:r>
-              <a:rPr lang="en-US" smtClean="0"/>
+              <a:rPr lang="en-US"/>
               <a:t>Third level</a:t>
             </a:r>
           </a:p>
           <a:p>
             <a:pPr lvl="3"/>
             <a:r>
-              <a:rPr lang="en-US" smtClean="0"/>
+              <a:rPr lang="en-US"/>
               <a:t>Fourth level</a:t>
             </a:r>
           </a:p>
           <a:p>
             <a:pPr lvl="4"/>
             <a:r>
-              <a:rPr lang="en-US" smtClean="0"/>
+              <a:rPr lang="en-US"/>
               <a:t>Fifth level</a:t>
             </a:r>
             <a:endParaRPr lang="en-US" dirty="0"/>
@@ -6262,7 +6247,7 @@
           <a:p>
             <a:pPr lvl="0"/>
             <a:r>
-              <a:rPr lang="en-US" smtClean="0"/>
+              <a:rPr lang="en-US"/>
               <a:t>Click to edit Master text styles</a:t>
             </a:r>
           </a:p>
@@ -6287,7 +6272,7 @@
             <a:fld id="{1D8BD707-D9CF-40AE-B4C6-C98DA3205C09}" type="datetimeFigureOut">
               <a:rPr lang="en-US" smtClean="0"/>
               <a:pPr defTabSz="914400" latinLnBrk="0"/>
-              <a:t>6/9/2023</a:t>
+              <a:t>6/12/2023</a:t>
             </a:fld>
             <a:endParaRPr lang="en-US"/>
           </a:p>
@@ -6430,7 +6415,7 @@
           </a:lstStyle>
           <a:p>
             <a:r>
-              <a:rPr lang="en-US" smtClean="0"/>
+              <a:rPr lang="en-US"/>
               <a:t>Click to edit Master title style</a:t>
             </a:r>
             <a:endParaRPr lang="en-US" dirty="0"/>
@@ -6511,7 +6496,7 @@
           </a:lstStyle>
           <a:p>
             <a:r>
-              <a:rPr lang="en-US" smtClean="0"/>
+              <a:rPr lang="en-US"/>
               <a:t>Click icon to add picture</a:t>
             </a:r>
             <a:endParaRPr lang="en-US" dirty="0"/>
@@ -6577,7 +6562,7 @@
           <a:p>
             <a:pPr lvl="0"/>
             <a:r>
-              <a:rPr lang="en-US" smtClean="0"/>
+              <a:rPr lang="en-US"/>
               <a:t>Click to edit Master text styles</a:t>
             </a:r>
           </a:p>
@@ -6602,7 +6587,7 @@
             <a:fld id="{1D8BD707-D9CF-40AE-B4C6-C98DA3205C09}" type="datetimeFigureOut">
               <a:rPr lang="en-US" smtClean="0"/>
               <a:pPr defTabSz="914400" latinLnBrk="0"/>
-              <a:t>6/9/2023</a:t>
+              <a:t>6/12/2023</a:t>
             </a:fld>
             <a:endParaRPr lang="en-US"/>
           </a:p>
@@ -6699,10 +6684,9 @@
           <a:lstStyle/>
           <a:p>
             <a:r>
-              <a:rPr lang="en-US" smtClean="0"/>
+              <a:rPr lang="en-US"/>
               <a:t>Click to edit Master title style</a:t>
             </a:r>
-            <a:endParaRPr lang="en-US"/>
           </a:p>
         </p:txBody>
       </p:sp>
@@ -6723,38 +6707,37 @@
           <a:p>
             <a:pPr lvl="0"/>
             <a:r>
-              <a:rPr lang="en-US" smtClean="0"/>
+              <a:rPr lang="en-US"/>
               <a:t>Click to edit Master text styles</a:t>
             </a:r>
           </a:p>
           <a:p>
             <a:pPr lvl="1"/>
             <a:r>
-              <a:rPr lang="en-US" smtClean="0"/>
+              <a:rPr lang="en-US"/>
               <a:t>Second level</a:t>
             </a:r>
           </a:p>
           <a:p>
             <a:pPr lvl="2"/>
             <a:r>
-              <a:rPr lang="en-US" smtClean="0"/>
+              <a:rPr lang="en-US"/>
               <a:t>Third level</a:t>
             </a:r>
           </a:p>
           <a:p>
             <a:pPr lvl="3"/>
             <a:r>
-              <a:rPr lang="en-US" smtClean="0"/>
+              <a:rPr lang="en-US"/>
               <a:t>Fourth level</a:t>
             </a:r>
           </a:p>
           <a:p>
             <a:pPr lvl="4"/>
             <a:r>
-              <a:rPr lang="en-US" smtClean="0"/>
+              <a:rPr lang="en-US"/>
               <a:t>Fifth level</a:t>
             </a:r>
-            <a:endParaRPr lang="en-US"/>
           </a:p>
         </p:txBody>
       </p:sp>
@@ -6777,7 +6760,7 @@
             <a:fld id="{1D8BD707-D9CF-40AE-B4C6-C98DA3205C09}" type="datetimeFigureOut">
               <a:rPr lang="en-US" smtClean="0"/>
               <a:pPr defTabSz="914400" latinLnBrk="0"/>
-              <a:t>6/9/2023</a:t>
+              <a:t>6/12/2023</a:t>
             </a:fld>
             <a:endParaRPr lang="en-US"/>
           </a:p>
@@ -6879,7 +6862,7 @@
           <a:lstStyle/>
           <a:p>
             <a:r>
-              <a:rPr lang="en-US" smtClean="0"/>
+              <a:rPr lang="en-US"/>
               <a:t>Click to edit Master title style</a:t>
             </a:r>
             <a:endParaRPr lang="en-US" dirty="0"/>
@@ -6908,35 +6891,35 @@
           <a:p>
             <a:pPr lvl="0"/>
             <a:r>
-              <a:rPr lang="en-US" smtClean="0"/>
+              <a:rPr lang="en-US"/>
               <a:t>Click to edit Master text styles</a:t>
             </a:r>
           </a:p>
           <a:p>
             <a:pPr lvl="1"/>
             <a:r>
-              <a:rPr lang="en-US" smtClean="0"/>
+              <a:rPr lang="en-US"/>
               <a:t>Second level</a:t>
             </a:r>
           </a:p>
           <a:p>
             <a:pPr lvl="2"/>
             <a:r>
-              <a:rPr lang="en-US" smtClean="0"/>
+              <a:rPr lang="en-US"/>
               <a:t>Third level</a:t>
             </a:r>
           </a:p>
           <a:p>
             <a:pPr lvl="3"/>
             <a:r>
-              <a:rPr lang="en-US" smtClean="0"/>
+              <a:rPr lang="en-US"/>
               <a:t>Fourth level</a:t>
             </a:r>
           </a:p>
           <a:p>
             <a:pPr lvl="4"/>
             <a:r>
-              <a:rPr lang="en-US" smtClean="0"/>
+              <a:rPr lang="en-US"/>
               <a:t>Fifth level</a:t>
             </a:r>
             <a:endParaRPr lang="en-US" dirty="0"/>
@@ -6962,7 +6945,7 @@
             <a:fld id="{1D8BD707-D9CF-40AE-B4C6-C98DA3205C09}" type="datetimeFigureOut">
               <a:rPr lang="en-US" smtClean="0"/>
               <a:pPr defTabSz="914400" latinLnBrk="0"/>
-              <a:t>6/9/2023</a:t>
+              <a:t>6/12/2023</a:t>
             </a:fld>
             <a:endParaRPr lang="en-US"/>
           </a:p>
@@ -7211,7 +7194,7 @@
           <a:p>
             <a:fld id="{D5BB7A41-6D90-4371-844A-87EC379C3D06}" type="datetimeFigureOut">
               <a:rPr lang="ko-KR" altLang="en-US" smtClean="0"/>
-              <a:t>2023-06-09</a:t>
+              <a:t>2023-06-12</a:t>
             </a:fld>
             <a:endParaRPr lang="ko-KR" altLang="en-US"/>
           </a:p>
@@ -7593,7 +7576,7 @@
           <a:p>
             <a:fld id="{D5BB7A41-6D90-4371-844A-87EC379C3D06}" type="datetimeFigureOut">
               <a:rPr lang="ko-KR" altLang="en-US" smtClean="0"/>
-              <a:t>2023-06-09</a:t>
+              <a:t>2023-06-12</a:t>
             </a:fld>
             <a:endParaRPr lang="ko-KR" altLang="en-US"/>
           </a:p>
@@ -7719,7 +7702,7 @@
           <a:p>
             <a:fld id="{D5BB7A41-6D90-4371-844A-87EC379C3D06}" type="datetimeFigureOut">
               <a:rPr lang="ko-KR" altLang="en-US" smtClean="0"/>
-              <a:t>2023-06-09</a:t>
+              <a:t>2023-06-12</a:t>
             </a:fld>
             <a:endParaRPr lang="ko-KR" altLang="en-US"/>
           </a:p>
@@ -7814,7 +7797,7 @@
           <a:p>
             <a:fld id="{D5BB7A41-6D90-4371-844A-87EC379C3D06}" type="datetimeFigureOut">
               <a:rPr lang="ko-KR" altLang="en-US" smtClean="0"/>
-              <a:t>2023-06-09</a:t>
+              <a:t>2023-06-12</a:t>
             </a:fld>
             <a:endParaRPr lang="ko-KR" altLang="en-US"/>
           </a:p>
@@ -8100,7 +8083,7 @@
           <a:p>
             <a:fld id="{D5BB7A41-6D90-4371-844A-87EC379C3D06}" type="datetimeFigureOut">
               <a:rPr lang="ko-KR" altLang="en-US" smtClean="0"/>
-              <a:t>2023-06-09</a:t>
+              <a:t>2023-06-12</a:t>
             </a:fld>
             <a:endParaRPr lang="ko-KR" altLang="en-US"/>
           </a:p>
@@ -8248,7 +8231,7 @@
           <a:p>
             <a:fld id="{D5BB7A41-6D90-4371-844A-87EC379C3D06}" type="datetimeFigureOut">
               <a:rPr lang="ko-KR" altLang="en-US" smtClean="0"/>
-              <a:t>2023-06-09</a:t>
+              <a:t>2023-06-12</a:t>
             </a:fld>
             <a:endParaRPr lang="ko-KR" altLang="en-US"/>
           </a:p>
@@ -8491,13 +8474,6 @@
     <p:sldLayoutId id="2147483707" r:id="rId11"/>
     <p:sldLayoutId id="2147483708" r:id="rId12"/>
   </p:sldLayoutIdLst>
-  <p:timing>
-    <p:tnLst>
-      <p:par>
-        <p:cTn id="1" dur="indefinite" restart="never" nodeType="tmRoot"/>
-      </p:par>
-    </p:tnLst>
-  </p:timing>
   <p:txStyles>
     <p:titleStyle>
       <a:lvl1pPr algn="l" defTabSz="914400" rtl="0" eaLnBrk="1" latinLnBrk="1" hangingPunct="1">
@@ -8904,7 +8880,7 @@
           <a:lstStyle/>
           <a:p>
             <a:r>
-              <a:rPr lang="en-US" smtClean="0"/>
+              <a:rPr lang="en-US"/>
               <a:t>Click to edit Master title style</a:t>
             </a:r>
             <a:endParaRPr lang="en-US" dirty="0"/>
@@ -8938,35 +8914,35 @@
           <a:p>
             <a:pPr lvl="0"/>
             <a:r>
-              <a:rPr lang="en-US" smtClean="0"/>
+              <a:rPr lang="en-US"/>
               <a:t>Click to edit Master text styles</a:t>
             </a:r>
           </a:p>
           <a:p>
             <a:pPr lvl="1"/>
             <a:r>
-              <a:rPr lang="en-US" smtClean="0"/>
+              <a:rPr lang="en-US"/>
               <a:t>Second level</a:t>
             </a:r>
           </a:p>
           <a:p>
             <a:pPr lvl="2"/>
             <a:r>
-              <a:rPr lang="en-US" smtClean="0"/>
+              <a:rPr lang="en-US"/>
               <a:t>Third level</a:t>
             </a:r>
           </a:p>
           <a:p>
             <a:pPr lvl="3"/>
             <a:r>
-              <a:rPr lang="en-US" smtClean="0"/>
+              <a:rPr lang="en-US"/>
               <a:t>Fourth level</a:t>
             </a:r>
           </a:p>
           <a:p>
             <a:pPr lvl="4"/>
             <a:r>
-              <a:rPr lang="en-US" smtClean="0"/>
+              <a:rPr lang="en-US"/>
               <a:t>Fifth level</a:t>
             </a:r>
             <a:endParaRPr lang="en-US" dirty="0"/>
@@ -9083,7 +9059,7 @@
             <a:fld id="{1D8BD707-D9CF-40AE-B4C6-C98DA3205C09}" type="datetimeFigureOut">
               <a:rPr lang="en-US" smtClean="0"/>
               <a:pPr defTabSz="914400" latinLnBrk="0"/>
-              <a:t>6/9/2023</a:t>
+              <a:t>6/12/2023</a:t>
             </a:fld>
             <a:endParaRPr lang="en-US"/>
           </a:p>
@@ -9594,7 +9570,7 @@
           <a:lstStyle/>
           <a:p>
             <a:r>
-              <a:rPr lang="en-US" smtClean="0"/>
+              <a:rPr lang="en-US"/>
               <a:t>Click to edit Master title style</a:t>
             </a:r>
             <a:endParaRPr lang="en-US" dirty="0"/>
@@ -9628,35 +9604,35 @@
           <a:p>
             <a:pPr lvl="0"/>
             <a:r>
-              <a:rPr lang="en-US" smtClean="0"/>
+              <a:rPr lang="en-US"/>
               <a:t>Click to edit Master text styles</a:t>
             </a:r>
           </a:p>
           <a:p>
             <a:pPr lvl="1"/>
             <a:r>
-              <a:rPr lang="en-US" smtClean="0"/>
+              <a:rPr lang="en-US"/>
               <a:t>Second level</a:t>
             </a:r>
           </a:p>
           <a:p>
             <a:pPr lvl="2"/>
             <a:r>
-              <a:rPr lang="en-US" smtClean="0"/>
+              <a:rPr lang="en-US"/>
               <a:t>Third level</a:t>
             </a:r>
           </a:p>
           <a:p>
             <a:pPr lvl="3"/>
             <a:r>
-              <a:rPr lang="en-US" smtClean="0"/>
+              <a:rPr lang="en-US"/>
               <a:t>Fourth level</a:t>
             </a:r>
           </a:p>
           <a:p>
             <a:pPr lvl="4"/>
             <a:r>
-              <a:rPr lang="en-US" smtClean="0"/>
+              <a:rPr lang="en-US"/>
               <a:t>Fifth level</a:t>
             </a:r>
             <a:endParaRPr lang="en-US" dirty="0"/>
@@ -9773,7 +9749,7 @@
             <a:fld id="{1D8BD707-D9CF-40AE-B4C6-C98DA3205C09}" type="datetimeFigureOut">
               <a:rPr lang="en-US" smtClean="0"/>
               <a:pPr defTabSz="914400" latinLnBrk="0"/>
-              <a:t>6/9/2023</a:t>
+              <a:t>6/12/2023</a:t>
             </a:fld>
             <a:endParaRPr lang="en-US"/>
           </a:p>
@@ -10232,7 +10208,7 @@
           <a:p>
             <a:pPr algn="ctr"/>
             <a:r>
-              <a:rPr lang="en-US" altLang="ko-KR" sz="3600" b="1" dirty="0" smtClean="0">
+              <a:rPr lang="en-US" altLang="ko-KR" sz="3600" b="1" dirty="0">
                 <a:solidFill>
                   <a:schemeClr val="bg1"/>
                 </a:solidFill>
@@ -10409,22 +10385,22 @@
           <a:p>
             <a:pPr lvl="1"/>
             <a:r>
-              <a:rPr lang="en-US" altLang="ko-KR" sz="2800" dirty="0" smtClean="0"/>
+              <a:rPr lang="en-US" altLang="ko-KR" sz="2800" dirty="0"/>
               <a:t>Young-Ho Song (</a:t>
             </a:r>
             <a:r>
-              <a:rPr lang="ko-KR" altLang="en-US" sz="2800" dirty="0" smtClean="0"/>
+              <a:rPr lang="ko-KR" altLang="en-US" sz="2800" dirty="0"/>
               <a:t>중이온가속기연구소</a:t>
             </a:r>
             <a:r>
-              <a:rPr lang="en-US" altLang="ko-KR" sz="2800" dirty="0" smtClean="0"/>
+              <a:rPr lang="en-US" altLang="ko-KR" sz="2800" dirty="0"/>
               <a:t>, IBS)</a:t>
             </a:r>
           </a:p>
           <a:p>
             <a:pPr lvl="1"/>
             <a:r>
-              <a:rPr lang="en-US" altLang="ko-KR" sz="2800" dirty="0" smtClean="0">
+              <a:rPr lang="en-US" altLang="ko-KR" sz="2800" dirty="0">
                 <a:solidFill>
                   <a:srgbClr val="FF0000"/>
                 </a:solidFill>
@@ -10457,24 +10433,20 @@
           <a:p>
             <a:pPr lvl="1"/>
             <a:r>
-              <a:rPr lang="ko-KR" altLang="en-US" sz="1800" dirty="0" err="1" smtClean="0"/>
-              <a:t>거대계산</a:t>
-            </a:r>
-            <a:r>
-              <a:rPr lang="ko-KR" altLang="en-US" sz="1800" dirty="0" smtClean="0"/>
+              <a:rPr lang="ko-KR" altLang="en-US" sz="1800" dirty="0"/>
+              <a:t>이론 미팅</a:t>
+            </a:r>
+            <a:r>
+              <a:rPr lang="en-US" altLang="ko-KR" sz="1800" dirty="0"/>
+              <a:t>, 2023.06.12, CENS,</a:t>
+            </a:r>
+            <a:r>
+              <a:rPr lang="ko-KR" altLang="en-US" sz="1800" dirty="0"/>
               <a:t> </a:t>
             </a:r>
             <a:r>
-              <a:rPr lang="ko-KR" altLang="en-US" sz="1800" dirty="0" err="1" smtClean="0"/>
-              <a:t>워킹그룹</a:t>
-            </a:r>
-            <a:r>
-              <a:rPr lang="ko-KR" altLang="en-US" sz="1800" dirty="0" smtClean="0"/>
-              <a:t> 미팅</a:t>
-            </a:r>
-            <a:r>
-              <a:rPr lang="en-US" altLang="ko-KR" sz="1800" dirty="0" smtClean="0"/>
-              <a:t>, 2023.03.28, IBS</a:t>
+              <a:rPr lang="en-US" altLang="ko-KR" sz="1800" dirty="0"/>
+              <a:t>IBS</a:t>
             </a:r>
           </a:p>
         </p:txBody>
@@ -10489,13 +10461,6 @@
   <p:clrMapOvr>
     <a:masterClrMapping/>
   </p:clrMapOvr>
-  <p:timing>
-    <p:tnLst>
-      <p:par>
-        <p:cTn id="1" dur="indefinite" restart="never" nodeType="tmRoot"/>
-      </p:par>
-    </p:tnLst>
-  </p:timing>
 </p:sld>
 </file>
 
@@ -10532,10 +10497,9 @@
           <a:lstStyle/>
           <a:p>
             <a:r>
-              <a:rPr lang="en-US" dirty="0" smtClean="0"/>
+              <a:rPr lang="en-US" dirty="0"/>
               <a:t>lattice formulations</a:t>
             </a:r>
-            <a:endParaRPr lang="en-US" dirty="0"/>
           </a:p>
         </p:txBody>
       </p:sp>
@@ -10590,7 +10554,7 @@
               <a:buChar char="•"/>
             </a:pPr>
             <a:r>
-              <a:rPr lang="en-US" dirty="0" smtClean="0"/>
+              <a:rPr lang="en-US" dirty="0"/>
               <a:t>All formulations are equivalent. </a:t>
             </a:r>
           </a:p>
@@ -10600,10 +10564,9 @@
               <a:buChar char="•"/>
             </a:pPr>
             <a:r>
-              <a:rPr lang="en-US" dirty="0" smtClean="0"/>
+              <a:rPr lang="en-US" dirty="0"/>
               <a:t>Here, we will only consider transfer matrix formulation</a:t>
             </a:r>
-            <a:endParaRPr lang="en-US" dirty="0"/>
           </a:p>
         </p:txBody>
       </p:sp>
@@ -10701,10 +10664,9 @@
           <a:lstStyle/>
           <a:p>
             <a:r>
-              <a:rPr lang="en-US" dirty="0" smtClean="0"/>
+              <a:rPr lang="en-US" dirty="0"/>
               <a:t>Simplest 1-body problem on lattice</a:t>
             </a:r>
-            <a:endParaRPr lang="en-US" dirty="0"/>
           </a:p>
         </p:txBody>
       </p:sp>
@@ -10717,7 +10679,7 @@
         <p:spPr>
           <a:xfrm>
             <a:off x="701964" y="1717964"/>
-            <a:ext cx="8211127" cy="1832809"/>
+            <a:ext cx="8211127" cy="2122889"/>
           </a:xfrm>
           <a:prstGeom prst="rect">
             <a:avLst/>
@@ -10735,7 +10697,7 @@
               <a:buChar char="•"/>
             </a:pPr>
             <a:r>
-              <a:rPr lang="en-US" dirty="0" smtClean="0"/>
+              <a:rPr lang="en-US" dirty="0"/>
               <a:t>Simple one-body problem : H = K + U </a:t>
             </a:r>
           </a:p>
@@ -10745,7 +10707,7 @@
               <a:buChar char="•"/>
             </a:pPr>
             <a:r>
-              <a:rPr lang="en-US" dirty="0" smtClean="0"/>
+              <a:rPr lang="en-US" dirty="0"/>
               <a:t>K : kinetic energy, U : external potential </a:t>
             </a:r>
           </a:p>
@@ -10755,8 +10717,16 @@
               <a:buChar char="•"/>
             </a:pPr>
             <a:r>
-              <a:rPr lang="en-US" dirty="0" smtClean="0"/>
-              <a:t>No spin, isospin consideration.</a:t>
+              <a:rPr lang="en-US" dirty="0"/>
+              <a:t>Hamiltonian is a 1-body operator ( </a:t>
+            </a:r>
+            <a:r>
+              <a:rPr lang="en-US" dirty="0" err="1"/>
+              <a:t>a^dagger</a:t>
+            </a:r>
+            <a:r>
+              <a:rPr lang="en-US" dirty="0"/>
+              <a:t> a )</a:t>
             </a:r>
           </a:p>
           <a:p>
@@ -10765,24 +10735,8 @@
               <a:buChar char="•"/>
             </a:pPr>
             <a:r>
-              <a:rPr lang="en-US" dirty="0" smtClean="0"/>
-              <a:t>The goal is to find </a:t>
-            </a:r>
-            <a:r>
-              <a:rPr lang="en-US" dirty="0" err="1" smtClean="0"/>
-              <a:t>eigen</a:t>
-            </a:r>
-            <a:r>
-              <a:rPr lang="en-US" dirty="0" smtClean="0"/>
-              <a:t>-values and </a:t>
-            </a:r>
-            <a:r>
-              <a:rPr lang="en-US" dirty="0" err="1" smtClean="0"/>
-              <a:t>eigen</a:t>
-            </a:r>
-            <a:r>
-              <a:rPr lang="en-US" dirty="0" smtClean="0"/>
-              <a:t>-functions of Hamiltonian or transfer matrix</a:t>
+              <a:rPr lang="en-US" dirty="0"/>
+              <a:t>No spin, isospin(only one kind of fermion)</a:t>
             </a:r>
           </a:p>
           <a:p>
@@ -10791,138 +10745,22 @@
               <a:buChar char="•"/>
             </a:pPr>
             <a:r>
-              <a:rPr lang="en-US" dirty="0" smtClean="0"/>
-              <a:t>One can directly solve in lattice exactly for one-body. </a:t>
-            </a:r>
-            <a:endParaRPr lang="en-US" dirty="0"/>
-          </a:p>
-        </p:txBody>
-      </p:sp>
-      <p:sp>
-        <p:nvSpPr>
-          <p:cNvPr id="10" name="TextBox 9"/>
-          <p:cNvSpPr txBox="1"/>
-          <p:nvPr/>
-        </p:nvSpPr>
-        <p:spPr>
-          <a:xfrm>
-            <a:off x="701964" y="3588266"/>
-            <a:ext cx="8211127" cy="962571"/>
-          </a:xfrm>
-          <a:prstGeom prst="rect">
-            <a:avLst/>
-          </a:prstGeom>
-          <a:noFill/>
-        </p:spPr>
-        <p:txBody>
-          <a:bodyPr wrap="square" rtlCol="0">
-            <a:spAutoFit/>
-          </a:bodyPr>
-          <a:lstStyle/>
+              <a:rPr lang="en-US" dirty="0"/>
+              <a:t>The goal is to find eigen-values and eigen-functions of Hamiltonian or transfer matrix.   H x = E x  or M x = W x </a:t>
+            </a:r>
+          </a:p>
           <a:p>
             <a:pPr marL="342900" indent="-342900">
               <a:buFont typeface="Arial" panose="020B0604020202020204" pitchFamily="34" charset="0"/>
               <a:buChar char="•"/>
             </a:pPr>
             <a:r>
-              <a:rPr lang="en-US" dirty="0" smtClean="0"/>
-              <a:t>Lattice spacing : a  </a:t>
-            </a:r>
-            <a:r>
-              <a:rPr lang="en-US" dirty="0" smtClean="0">
-                <a:sym typeface="Wingdings" panose="05000000000000000000" pitchFamily="2" charset="2"/>
-              </a:rPr>
-              <a:t> basic lattice “unit”</a:t>
-            </a:r>
-            <a:endParaRPr lang="en-US" dirty="0" smtClean="0"/>
-          </a:p>
-          <a:p>
-            <a:pPr marL="342900" indent="-342900">
-              <a:buFont typeface="Arial" panose="020B0604020202020204" pitchFamily="34" charset="0"/>
-              <a:buChar char="•"/>
-            </a:pPr>
-            <a:r>
-              <a:rPr lang="en-US" dirty="0" smtClean="0"/>
-              <a:t>Lattice site : </a:t>
-            </a:r>
-            <a:r>
-              <a:rPr lang="en-US" b="1" dirty="0" smtClean="0"/>
-              <a:t>n</a:t>
-            </a:r>
-            <a:r>
-              <a:rPr lang="en-US" dirty="0" smtClean="0"/>
-              <a:t> = (</a:t>
-            </a:r>
-            <a:r>
-              <a:rPr lang="en-US" dirty="0" err="1" smtClean="0"/>
-              <a:t>nx,ny,nz</a:t>
-            </a:r>
-            <a:r>
-              <a:rPr lang="en-US" dirty="0" smtClean="0"/>
-              <a:t>) </a:t>
-            </a:r>
-          </a:p>
-          <a:p>
-            <a:pPr marL="342900" indent="-342900">
-              <a:buFont typeface="Arial" panose="020B0604020202020204" pitchFamily="34" charset="0"/>
-              <a:buChar char="•"/>
-            </a:pPr>
-            <a:r>
-              <a:rPr lang="en-US" dirty="0" smtClean="0"/>
-              <a:t>Periodic Lattice size and volume : L , L^3 </a:t>
-            </a:r>
-            <a:endParaRPr lang="en-US" dirty="0"/>
-          </a:p>
-        </p:txBody>
-      </p:sp>
-      <p:pic>
-        <p:nvPicPr>
-          <p:cNvPr id="11" name="그림 10"/>
-          <p:cNvPicPr>
-            <a:picLocks noChangeAspect="1"/>
-          </p:cNvPicPr>
-          <p:nvPr/>
-        </p:nvPicPr>
-        <p:blipFill>
-          <a:blip r:embed="rId2"/>
-          <a:stretch>
-            <a:fillRect/>
-          </a:stretch>
-        </p:blipFill>
-        <p:spPr>
-          <a:xfrm>
-            <a:off x="1021629" y="4588331"/>
-            <a:ext cx="6976917" cy="1102756"/>
-          </a:xfrm>
-          <a:prstGeom prst="rect">
-            <a:avLst/>
-          </a:prstGeom>
-        </p:spPr>
-      </p:pic>
-      <p:pic>
-        <p:nvPicPr>
-          <p:cNvPr id="12" name="그림 11"/>
-          <p:cNvPicPr>
-            <a:picLocks noChangeAspect="1"/>
-          </p:cNvPicPr>
-          <p:nvPr/>
-        </p:nvPicPr>
-        <p:blipFill>
-          <a:blip r:embed="rId3"/>
-          <a:stretch>
-            <a:fillRect/>
-          </a:stretch>
-        </p:blipFill>
-        <p:spPr>
-          <a:xfrm>
-            <a:off x="912667" y="5694323"/>
-            <a:ext cx="7789718" cy="1026374"/>
-          </a:xfrm>
-          <a:prstGeom prst="rect">
-            <a:avLst/>
-          </a:prstGeom>
-        </p:spPr>
-      </p:pic>
+              <a:rPr lang="en-US" dirty="0"/>
+              <a:t>One can directly solve in lattice exactly for one-body. </a:t>
+            </a:r>
+          </a:p>
+        </p:txBody>
+      </p:sp>
     </p:spTree>
     <p:extLst>
       <p:ext uri="{BB962C8B-B14F-4D97-AF65-F5344CB8AC3E}">
@@ -10969,23 +10807,22 @@
           <a:lstStyle/>
           <a:p>
             <a:r>
-              <a:rPr lang="en-US" dirty="0" smtClean="0"/>
+              <a:rPr lang="en-US" dirty="0"/>
               <a:t>Simplest 1-body problem on lattice</a:t>
             </a:r>
-            <a:endParaRPr lang="en-US" dirty="0"/>
-          </a:p>
-        </p:txBody>
-      </p:sp>
-      <p:sp>
-        <p:nvSpPr>
-          <p:cNvPr id="13" name="TextBox 12"/>
+          </a:p>
+        </p:txBody>
+      </p:sp>
+      <p:sp>
+        <p:nvSpPr>
+          <p:cNvPr id="10" name="TextBox 9"/>
           <p:cNvSpPr txBox="1"/>
           <p:nvPr/>
         </p:nvSpPr>
         <p:spPr>
           <a:xfrm>
-            <a:off x="701964" y="1717964"/>
-            <a:ext cx="9079345" cy="2703048"/>
+            <a:off x="752764" y="1679638"/>
+            <a:ext cx="8211127" cy="1252651"/>
           </a:xfrm>
           <a:prstGeom prst="rect">
             <a:avLst/>
@@ -11003,27 +10840,16 @@
               <a:buChar char="•"/>
             </a:pPr>
             <a:r>
-              <a:rPr lang="en-US" dirty="0" smtClean="0"/>
-              <a:t>One-body state can be expressed in terms of position basis</a:t>
-            </a:r>
-          </a:p>
-          <a:p>
-            <a:r>
               <a:rPr lang="en-US" dirty="0"/>
-              <a:t> </a:t>
-            </a:r>
-            <a:r>
-              <a:rPr lang="en-US" dirty="0" smtClean="0"/>
-              <a:t>    |n&gt; = </a:t>
-            </a:r>
-            <a:r>
-              <a:rPr lang="en-US" dirty="0" err="1" smtClean="0"/>
-              <a:t>a^dagger</a:t>
-            </a:r>
-            <a:r>
-              <a:rPr lang="en-US" dirty="0" smtClean="0"/>
-              <a:t>(n) | 0&gt; </a:t>
-            </a:r>
+              <a:t>Lattice spacing : a  </a:t>
+            </a:r>
+            <a:r>
+              <a:rPr lang="en-US" dirty="0">
+                <a:sym typeface="Wingdings" panose="05000000000000000000" pitchFamily="2" charset="2"/>
+              </a:rPr>
+              <a:t> basic lattice “unit”</a:t>
+            </a:r>
+            <a:endParaRPr lang="en-US" dirty="0"/>
           </a:p>
           <a:p>
             <a:pPr marL="342900" indent="-342900">
@@ -11031,22 +10857,24 @@
               <a:buChar char="•"/>
             </a:pPr>
             <a:r>
-              <a:rPr lang="en-US" dirty="0" err="1" smtClean="0"/>
-              <a:t>s.p</a:t>
-            </a:r>
-            <a:r>
-              <a:rPr lang="en-US" dirty="0" smtClean="0"/>
-              <a:t>. wave function becomes a L^3 component vector in this basis.</a:t>
-            </a:r>
-          </a:p>
-          <a:p>
-            <a:r>
               <a:rPr lang="en-US" dirty="0"/>
-              <a:t> </a:t>
-            </a:r>
-            <a:r>
-              <a:rPr lang="en-US" dirty="0" smtClean="0"/>
-              <a:t>     (phi(1),phi(2), …, phi(n), …. phi(L^3) )</a:t>
+              <a:t>Lattice site : </a:t>
+            </a:r>
+            <a:r>
+              <a:rPr lang="en-US" b="1" dirty="0"/>
+              <a:t>n</a:t>
+            </a:r>
+            <a:r>
+              <a:rPr lang="en-US" dirty="0"/>
+              <a:t> = (</a:t>
+            </a:r>
+            <a:r>
+              <a:rPr lang="en-US" dirty="0" err="1"/>
+              <a:t>nx,ny,nz</a:t>
+            </a:r>
+            <a:r>
+              <a:rPr lang="en-US" dirty="0"/>
+              <a:t>) </a:t>
             </a:r>
           </a:p>
           <a:p>
@@ -11055,18 +10883,8 @@
               <a:buChar char="•"/>
             </a:pPr>
             <a:r>
-              <a:rPr lang="en-US" dirty="0" smtClean="0"/>
-              <a:t>What is the matrix element of Hamiltonian in this basis? </a:t>
-            </a:r>
-          </a:p>
-          <a:p>
-            <a:r>
               <a:rPr lang="en-US" dirty="0"/>
-              <a:t> </a:t>
-            </a:r>
-            <a:r>
-              <a:rPr lang="en-US" dirty="0" smtClean="0"/>
-              <a:t>    &lt; n | H | n’ &gt; !  </a:t>
+              <a:t>Periodic Lattice size and volume : L , L^3 </a:t>
             </a:r>
           </a:p>
           <a:p>
@@ -11075,32 +10893,20 @@
               <a:buChar char="•"/>
             </a:pPr>
             <a:r>
-              <a:rPr lang="en-US" dirty="0" smtClean="0"/>
-              <a:t>One can compute all L^3 x L^3 Hamiltonian matrix elements.</a:t>
-            </a:r>
-          </a:p>
-          <a:p>
-            <a:pPr marL="342900" indent="-342900">
-              <a:buFont typeface="Arial" panose="020B0604020202020204" pitchFamily="34" charset="0"/>
-              <a:buChar char="•"/>
-            </a:pPr>
-            <a:r>
-              <a:rPr lang="en-US" dirty="0" smtClean="0"/>
-              <a:t>Then, one can solve directly with linear algebra library</a:t>
-            </a:r>
-          </a:p>
-          <a:p>
-            <a:pPr marL="342900" indent="-342900">
-              <a:buFont typeface="Arial" panose="020B0604020202020204" pitchFamily="34" charset="0"/>
-              <a:buChar char="•"/>
-            </a:pPr>
-            <a:r>
               <a:rPr lang="en-US" dirty="0"/>
-              <a:t> </a:t>
-            </a:r>
-            <a:r>
-              <a:rPr lang="en-US" dirty="0" smtClean="0"/>
-              <a:t>H phi = E phi  </a:t>
+              <a:t>Lattice coordinate basis,</a:t>
+            </a:r>
+            <a:r>
+              <a:rPr lang="en-US" altLang="ko-KR" dirty="0"/>
+              <a:t> |n&gt; = </a:t>
+            </a:r>
+            <a:r>
+              <a:rPr lang="en-US" altLang="ko-KR" dirty="0" err="1"/>
+              <a:t>a^dagger</a:t>
+            </a:r>
+            <a:r>
+              <a:rPr lang="en-US" altLang="ko-KR" dirty="0"/>
+              <a:t>(n) | 0&gt; </a:t>
             </a:r>
             <a:endParaRPr lang="en-US" dirty="0"/>
           </a:p>
@@ -11108,7 +10914,7 @@
       </p:sp>
       <p:pic>
         <p:nvPicPr>
-          <p:cNvPr id="14" name="그림 13"/>
+          <p:cNvPr id="11" name="그림 10"/>
           <p:cNvPicPr>
             <a:picLocks noChangeAspect="1"/>
           </p:cNvPicPr>
@@ -11122,24 +10928,84 @@
         </p:blipFill>
         <p:spPr>
           <a:xfrm>
-            <a:off x="947739" y="4742601"/>
-            <a:ext cx="7789718" cy="1026374"/>
+            <a:off x="1094200" y="3210550"/>
+            <a:ext cx="6976917" cy="1102756"/>
           </a:xfrm>
           <a:prstGeom prst="rect">
             <a:avLst/>
           </a:prstGeom>
         </p:spPr>
       </p:pic>
-      <p:sp>
-        <p:nvSpPr>
-          <p:cNvPr id="16" name="TextBox 15"/>
+      <p:pic>
+        <p:nvPicPr>
+          <p:cNvPr id="12" name="그림 11"/>
+          <p:cNvPicPr>
+            <a:picLocks noChangeAspect="1"/>
+          </p:cNvPicPr>
+          <p:nvPr/>
+        </p:nvPicPr>
+        <p:blipFill>
+          <a:blip r:embed="rId3"/>
+          <a:stretch>
+            <a:fillRect/>
+          </a:stretch>
+        </p:blipFill>
+        <p:spPr>
+          <a:xfrm>
+            <a:off x="1058141" y="5244688"/>
+            <a:ext cx="7789718" cy="1026374"/>
+          </a:xfrm>
+          <a:prstGeom prst="rect">
+            <a:avLst/>
+          </a:prstGeom>
+        </p:spPr>
+      </p:pic>
+      <p:pic>
+        <p:nvPicPr>
+          <p:cNvPr id="4" name="그림 3">
+            <a:extLst>
+              <a:ext uri="{FF2B5EF4-FFF2-40B4-BE49-F238E27FC236}">
+                <a16:creationId xmlns:a16="http://schemas.microsoft.com/office/drawing/2014/main" id="{B141AE15-6CED-21BD-9B4B-47ED1B964283}"/>
+              </a:ext>
+            </a:extLst>
+          </p:cNvPr>
+          <p:cNvPicPr>
+            <a:picLocks noChangeAspect="1"/>
+          </p:cNvPicPr>
+          <p:nvPr/>
+        </p:nvPicPr>
+        <p:blipFill>
+          <a:blip r:embed="rId4"/>
+          <a:stretch>
+            <a:fillRect/>
+          </a:stretch>
+        </p:blipFill>
+        <p:spPr>
+          <a:xfrm>
+            <a:off x="1007011" y="4313306"/>
+            <a:ext cx="2857500" cy="855000"/>
+          </a:xfrm>
+          <a:prstGeom prst="rect">
+            <a:avLst/>
+          </a:prstGeom>
+        </p:spPr>
+      </p:pic>
+      <p:sp>
+        <p:nvSpPr>
+          <p:cNvPr id="5" name="TextBox 4">
+            <a:extLst>
+              <a:ext uri="{FF2B5EF4-FFF2-40B4-BE49-F238E27FC236}">
+                <a16:creationId xmlns:a16="http://schemas.microsoft.com/office/drawing/2014/main" id="{52602107-E039-961A-41A4-7C0897DBCEED}"/>
+              </a:ext>
+            </a:extLst>
+          </p:cNvPr>
           <p:cNvSpPr txBox="1"/>
           <p:nvPr/>
         </p:nvSpPr>
         <p:spPr>
           <a:xfrm>
-            <a:off x="1078922" y="6090564"/>
-            <a:ext cx="6668655" cy="382412"/>
+            <a:off x="2435761" y="6393543"/>
+            <a:ext cx="3798125" cy="382412"/>
           </a:xfrm>
           <a:prstGeom prst="rect">
             <a:avLst/>
@@ -11153,17 +11019,17 @@
           <a:lstStyle/>
           <a:p>
             <a:r>
-              <a:rPr lang="en-US" dirty="0" smtClean="0"/>
-              <a:t>U = \sum_{n} U(n) a^\dagger(n) a(n)</a:t>
-            </a:r>
-            <a:endParaRPr lang="en-US" dirty="0"/>
+              <a:rPr lang="en-US" altLang="ko-KR" dirty="0"/>
+              <a:t>Kinetic Hamiltonian in lattice. </a:t>
+            </a:r>
+            <a:endParaRPr lang="ko-KR" altLang="en-US" dirty="0"/>
           </a:p>
         </p:txBody>
       </p:sp>
     </p:spTree>
     <p:extLst>
       <p:ext uri="{BB962C8B-B14F-4D97-AF65-F5344CB8AC3E}">
-        <p14:creationId xmlns:p14="http://schemas.microsoft.com/office/powerpoint/2010/main" val="1979798137"/>
+        <p14:creationId xmlns:p14="http://schemas.microsoft.com/office/powerpoint/2010/main" val="575320305"/>
       </p:ext>
     </p:extLst>
   </p:cSld>
@@ -11206,23 +11072,22 @@
           <a:lstStyle/>
           <a:p>
             <a:r>
-              <a:rPr lang="en-US" dirty="0" smtClean="0"/>
+              <a:rPr lang="en-US" dirty="0"/>
               <a:t>Simplest 1-body problem on lattice</a:t>
             </a:r>
-            <a:endParaRPr lang="en-US" dirty="0"/>
-          </a:p>
-        </p:txBody>
-      </p:sp>
-      <p:sp>
-        <p:nvSpPr>
-          <p:cNvPr id="3" name="TextBox 2"/>
+          </a:p>
+        </p:txBody>
+      </p:sp>
+      <p:sp>
+        <p:nvSpPr>
+          <p:cNvPr id="13" name="TextBox 12"/>
           <p:cNvSpPr txBox="1"/>
           <p:nvPr/>
         </p:nvSpPr>
         <p:spPr>
           <a:xfrm>
-            <a:off x="637309" y="1681018"/>
-            <a:ext cx="8146473" cy="962571"/>
+            <a:off x="701964" y="1717964"/>
+            <a:ext cx="9079345" cy="2122889"/>
           </a:xfrm>
           <a:prstGeom prst="rect">
             <a:avLst/>
@@ -11235,19 +11100,23 @@
           </a:bodyPr>
           <a:lstStyle/>
           <a:p>
-            <a:r>
-              <a:rPr lang="en-US" dirty="0" smtClean="0"/>
-              <a:t>For example, </a:t>
-            </a:r>
-          </a:p>
-          <a:p>
             <a:pPr marL="342900" indent="-342900">
               <a:buFont typeface="Arial" panose="020B0604020202020204" pitchFamily="34" charset="0"/>
               <a:buChar char="•"/>
             </a:pPr>
             <a:r>
-              <a:rPr lang="en-US" dirty="0" smtClean="0"/>
-              <a:t>L=10, a= 150 MeV</a:t>
+              <a:rPr lang="en-US" dirty="0" err="1"/>
+              <a:t>s.p.</a:t>
+            </a:r>
+            <a:r>
+              <a:rPr lang="en-US" dirty="0"/>
+              <a:t> wave function becomes a L^3 component vector in this basis.</a:t>
+            </a:r>
+          </a:p>
+          <a:p>
+            <a:r>
+              <a:rPr lang="en-US" dirty="0"/>
+              <a:t>      (f(1),f(2), …, f(n), …. f(L^3) )</a:t>
             </a:r>
           </a:p>
           <a:p>
@@ -11256,8 +11125,82 @@
               <a:buChar char="•"/>
             </a:pPr>
             <a:r>
-              <a:rPr lang="en-US" dirty="0" smtClean="0"/>
-              <a:t>U is a square-well with radius 3fm, depth = 50 MeV case</a:t>
+              <a:rPr lang="en-US" dirty="0"/>
+              <a:t>What is the matrix element of Hamiltonian in this basis? </a:t>
+            </a:r>
+          </a:p>
+          <a:p>
+            <a:r>
+              <a:rPr lang="en-US" dirty="0"/>
+              <a:t>     &lt; n | H | n’ &gt; !  </a:t>
+            </a:r>
+          </a:p>
+          <a:p>
+            <a:pPr marL="342900" indent="-342900">
+              <a:buFont typeface="Arial" panose="020B0604020202020204" pitchFamily="34" charset="0"/>
+              <a:buChar char="•"/>
+            </a:pPr>
+            <a:r>
+              <a:rPr lang="en-US" dirty="0"/>
+              <a:t>One can compute all L^3 x L^3 Hamiltonian matrix elements.</a:t>
+            </a:r>
+          </a:p>
+          <a:p>
+            <a:pPr marL="342900" indent="-342900">
+              <a:buFont typeface="Arial" panose="020B0604020202020204" pitchFamily="34" charset="0"/>
+              <a:buChar char="•"/>
+            </a:pPr>
+            <a:r>
+              <a:rPr lang="en-US" dirty="0"/>
+              <a:t>Then, one can solve directly with linear algebra library</a:t>
+            </a:r>
+          </a:p>
+          <a:p>
+            <a:pPr marL="342900" indent="-342900">
+              <a:buFont typeface="Arial" panose="020B0604020202020204" pitchFamily="34" charset="0"/>
+              <a:buChar char="•"/>
+            </a:pPr>
+            <a:r>
+              <a:rPr lang="en-US" dirty="0">
+                <a:sym typeface="Wingdings" panose="05000000000000000000" pitchFamily="2" charset="2"/>
+              </a:rPr>
+              <a:t>Sum_{n’} &lt;</a:t>
+            </a:r>
+            <a:r>
+              <a:rPr lang="en-US" dirty="0" err="1">
+                <a:sym typeface="Wingdings" panose="05000000000000000000" pitchFamily="2" charset="2"/>
+              </a:rPr>
+              <a:t>n|H|n</a:t>
+            </a:r>
+            <a:r>
+              <a:rPr lang="en-US" dirty="0">
+                <a:sym typeface="Wingdings" panose="05000000000000000000" pitchFamily="2" charset="2"/>
+              </a:rPr>
+              <a:t>’&gt; &lt;</a:t>
+            </a:r>
+            <a:r>
+              <a:rPr lang="en-US" dirty="0" err="1">
+                <a:sym typeface="Wingdings" panose="05000000000000000000" pitchFamily="2" charset="2"/>
+              </a:rPr>
+              <a:t>n’|f</a:t>
+            </a:r>
+            <a:r>
+              <a:rPr lang="en-US" dirty="0">
+                <a:sym typeface="Wingdings" panose="05000000000000000000" pitchFamily="2" charset="2"/>
+              </a:rPr>
+              <a:t>&gt; = E &lt; </a:t>
+            </a:r>
+            <a:r>
+              <a:rPr lang="en-US" dirty="0" err="1">
+                <a:sym typeface="Wingdings" panose="05000000000000000000" pitchFamily="2" charset="2"/>
+              </a:rPr>
+              <a:t>n|f</a:t>
+            </a:r>
+            <a:r>
+              <a:rPr lang="en-US" dirty="0">
+                <a:sym typeface="Wingdings" panose="05000000000000000000" pitchFamily="2" charset="2"/>
+              </a:rPr>
+              <a:t>&gt; </a:t>
             </a:r>
             <a:endParaRPr lang="en-US" dirty="0"/>
           </a:p>
@@ -11265,7 +11208,7 @@
       </p:sp>
       <p:pic>
         <p:nvPicPr>
-          <p:cNvPr id="5" name="그림 4"/>
+          <p:cNvPr id="14" name="그림 13"/>
           <p:cNvPicPr>
             <a:picLocks noChangeAspect="1"/>
           </p:cNvPicPr>
@@ -11279,8 +11222,8 @@
         </p:blipFill>
         <p:spPr>
           <a:xfrm>
-            <a:off x="804005" y="2800607"/>
-            <a:ext cx="1943371" cy="3515216"/>
+            <a:off x="918711" y="4034817"/>
+            <a:ext cx="7789718" cy="1026374"/>
           </a:xfrm>
           <a:prstGeom prst="rect">
             <a:avLst/>
@@ -11289,14 +11232,14 @@
       </p:pic>
       <p:sp>
         <p:nvSpPr>
-          <p:cNvPr id="7" name="TextBox 6"/>
+          <p:cNvPr id="16" name="TextBox 15"/>
           <p:cNvSpPr txBox="1"/>
           <p:nvPr/>
         </p:nvSpPr>
         <p:spPr>
           <a:xfrm>
-            <a:off x="4141933" y="3931889"/>
-            <a:ext cx="5135418" cy="1252651"/>
+            <a:off x="918711" y="5255155"/>
+            <a:ext cx="6668655" cy="382412"/>
           </a:xfrm>
           <a:prstGeom prst="rect">
             <a:avLst/>
@@ -11310,126 +11253,16 @@
           <a:lstStyle/>
           <a:p>
             <a:r>
-              <a:rPr lang="en-US" dirty="0" smtClean="0"/>
-              <a:t>In one-body case, </a:t>
-            </a:r>
-          </a:p>
-          <a:p>
-            <a:r>
-              <a:rPr lang="en-US" dirty="0" smtClean="0"/>
-              <a:t>Transfer matrix becomes M = 1- </a:t>
-            </a:r>
-            <a:r>
-              <a:rPr lang="en-US" dirty="0" err="1" smtClean="0"/>
-              <a:t>alpha_t</a:t>
-            </a:r>
-            <a:r>
-              <a:rPr lang="en-US" dirty="0" smtClean="0"/>
-              <a:t> H </a:t>
-            </a:r>
-          </a:p>
-          <a:p>
-            <a:endParaRPr lang="en-US" dirty="0"/>
-          </a:p>
-          <a:p>
-            <a:r>
-              <a:rPr lang="en-US" dirty="0" smtClean="0"/>
-              <a:t>Thus, one can also use transfer matrix</a:t>
-            </a:r>
-            <a:endParaRPr lang="en-US" dirty="0"/>
-          </a:p>
-        </p:txBody>
-      </p:sp>
-      <p:pic>
-        <p:nvPicPr>
-          <p:cNvPr id="11" name="그림 10"/>
-          <p:cNvPicPr>
-            <a:picLocks noChangeAspect="1"/>
-          </p:cNvPicPr>
-          <p:nvPr/>
-        </p:nvPicPr>
-        <p:blipFill>
-          <a:blip r:embed="rId3"/>
-          <a:stretch>
-            <a:fillRect/>
-          </a:stretch>
-        </p:blipFill>
-        <p:spPr>
-          <a:xfrm>
-            <a:off x="4246288" y="2973329"/>
-            <a:ext cx="3934374" cy="838317"/>
-          </a:xfrm>
-          <a:prstGeom prst="rect">
-            <a:avLst/>
-          </a:prstGeom>
-        </p:spPr>
-      </p:pic>
-      <p:sp>
-        <p:nvSpPr>
-          <p:cNvPr id="4" name="TextBox 3"/>
-          <p:cNvSpPr txBox="1"/>
-          <p:nvPr/>
-        </p:nvSpPr>
-        <p:spPr>
-          <a:xfrm>
-            <a:off x="3765550" y="5611539"/>
-            <a:ext cx="4950692" cy="962571"/>
-          </a:xfrm>
-          <a:prstGeom prst="rect">
-            <a:avLst/>
-          </a:prstGeom>
-          <a:noFill/>
-        </p:spPr>
-        <p:txBody>
-          <a:bodyPr wrap="square" rtlCol="0">
-            <a:spAutoFit/>
-          </a:bodyPr>
-          <a:lstStyle/>
-          <a:p>
-            <a:pPr marL="342900" indent="-342900">
-              <a:buFont typeface="Arial" panose="020B0604020202020204" pitchFamily="34" charset="0"/>
-              <a:buChar char="•"/>
-            </a:pPr>
-            <a:r>
-              <a:rPr lang="en-US" dirty="0" smtClean="0"/>
-              <a:t>Note degeneracy in the 1</a:t>
-            </a:r>
-            <a:r>
-              <a:rPr lang="en-US" baseline="30000" dirty="0" smtClean="0"/>
-              <a:t>st</a:t>
-            </a:r>
-            <a:r>
-              <a:rPr lang="en-US" dirty="0" smtClean="0"/>
-              <a:t> excited states.</a:t>
-            </a:r>
-          </a:p>
-          <a:p>
-            <a:pPr marL="342900" indent="-342900">
-              <a:buFont typeface="Arial" panose="020B0604020202020204" pitchFamily="34" charset="0"/>
-              <a:buChar char="•"/>
-            </a:pPr>
-            <a:r>
-              <a:rPr lang="en-US" dirty="0" smtClean="0"/>
-              <a:t>states near or higher zero </a:t>
-            </a:r>
-          </a:p>
-          <a:p>
-            <a:r>
               <a:rPr lang="en-US" dirty="0"/>
-              <a:t> </a:t>
-            </a:r>
-            <a:r>
-              <a:rPr lang="en-US" dirty="0" smtClean="0"/>
-              <a:t>    can be sensitive to the lattice size L </a:t>
-            </a:r>
-            <a:endParaRPr lang="en-US" dirty="0"/>
+              <a:t>U = \sum_{n} U(n) a^\dagger(n) a(n)</a:t>
+            </a:r>
           </a:p>
         </p:txBody>
       </p:sp>
     </p:spTree>
     <p:extLst>
       <p:ext uri="{BB962C8B-B14F-4D97-AF65-F5344CB8AC3E}">
-        <p14:creationId xmlns:p14="http://schemas.microsoft.com/office/powerpoint/2010/main" val="287956345"/>
+        <p14:creationId xmlns:p14="http://schemas.microsoft.com/office/powerpoint/2010/main" val="1979798137"/>
       </p:ext>
     </p:extLst>
   </p:cSld>
@@ -11472,23 +11305,22 @@
           <a:lstStyle/>
           <a:p>
             <a:r>
-              <a:rPr lang="en-US" dirty="0" smtClean="0"/>
+              <a:rPr lang="en-US" dirty="0"/>
               <a:t>Simplest 1-body problem on lattice</a:t>
             </a:r>
-            <a:endParaRPr lang="en-US" dirty="0"/>
-          </a:p>
-        </p:txBody>
-      </p:sp>
-      <p:sp>
-        <p:nvSpPr>
-          <p:cNvPr id="7" name="TextBox 6"/>
+          </a:p>
+        </p:txBody>
+      </p:sp>
+      <p:sp>
+        <p:nvSpPr>
+          <p:cNvPr id="3" name="TextBox 2"/>
           <p:cNvSpPr txBox="1"/>
           <p:nvPr/>
         </p:nvSpPr>
         <p:spPr>
           <a:xfrm>
-            <a:off x="764178" y="2430580"/>
-            <a:ext cx="5137857" cy="1252651"/>
+            <a:off x="637309" y="1681018"/>
+            <a:ext cx="8146473" cy="962571"/>
           </a:xfrm>
           <a:prstGeom prst="rect">
             <a:avLst/>
@@ -11502,39 +11334,35 @@
           <a:lstStyle/>
           <a:p>
             <a:r>
-              <a:rPr lang="en-US" dirty="0" smtClean="0"/>
-              <a:t>In one-body case, </a:t>
-            </a:r>
-          </a:p>
-          <a:p>
-            <a:r>
-              <a:rPr lang="en-US" dirty="0" smtClean="0"/>
-              <a:t>Transfer matrix becomes M = I- </a:t>
-            </a:r>
-            <a:r>
-              <a:rPr lang="en-US" dirty="0" err="1" smtClean="0"/>
-              <a:t>alpha_t</a:t>
-            </a:r>
-            <a:r>
-              <a:rPr lang="en-US" dirty="0" smtClean="0"/>
-              <a:t> H </a:t>
-            </a:r>
-          </a:p>
-          <a:p>
-            <a:endParaRPr lang="en-US" dirty="0"/>
-          </a:p>
-          <a:p>
-            <a:r>
-              <a:rPr lang="en-US" dirty="0" smtClean="0"/>
-              <a:t>Thus, it is also easy to use transfer matrix </a:t>
-            </a:r>
-            <a:endParaRPr lang="en-US" dirty="0"/>
+              <a:rPr lang="en-US" dirty="0"/>
+              <a:t>For example, </a:t>
+            </a:r>
+          </a:p>
+          <a:p>
+            <a:pPr marL="342900" indent="-342900">
+              <a:buFont typeface="Arial" panose="020B0604020202020204" pitchFamily="34" charset="0"/>
+              <a:buChar char="•"/>
+            </a:pPr>
+            <a:r>
+              <a:rPr lang="en-US" dirty="0"/>
+              <a:t>L=10, a= 150 MeV</a:t>
+            </a:r>
+          </a:p>
+          <a:p>
+            <a:pPr marL="342900" indent="-342900">
+              <a:buFont typeface="Arial" panose="020B0604020202020204" pitchFamily="34" charset="0"/>
+              <a:buChar char="•"/>
+            </a:pPr>
+            <a:r>
+              <a:rPr lang="en-US" dirty="0"/>
+              <a:t>U is a square-well with radius 3fm, depth = 50 MeV case</a:t>
+            </a:r>
           </a:p>
         </p:txBody>
       </p:sp>
       <p:pic>
         <p:nvPicPr>
-          <p:cNvPr id="11" name="그림 10"/>
+          <p:cNvPr id="5" name="그림 4"/>
           <p:cNvPicPr>
             <a:picLocks noChangeAspect="1"/>
           </p:cNvPicPr>
@@ -11548,17 +11376,69 @@
         </p:blipFill>
         <p:spPr>
           <a:xfrm>
-            <a:off x="764179" y="1592263"/>
-            <a:ext cx="3934374" cy="838317"/>
+            <a:off x="804005" y="2800607"/>
+            <a:ext cx="1943371" cy="3515216"/>
           </a:xfrm>
           <a:prstGeom prst="rect">
             <a:avLst/>
           </a:prstGeom>
         </p:spPr>
       </p:pic>
+      <p:sp>
+        <p:nvSpPr>
+          <p:cNvPr id="7" name="TextBox 6"/>
+          <p:cNvSpPr txBox="1"/>
+          <p:nvPr/>
+        </p:nvSpPr>
+        <p:spPr>
+          <a:xfrm>
+            <a:off x="4141933" y="3931889"/>
+            <a:ext cx="5135418" cy="1252651"/>
+          </a:xfrm>
+          <a:prstGeom prst="rect">
+            <a:avLst/>
+          </a:prstGeom>
+          <a:noFill/>
+        </p:spPr>
+        <p:txBody>
+          <a:bodyPr wrap="square" rtlCol="0">
+            <a:spAutoFit/>
+          </a:bodyPr>
+          <a:lstStyle/>
+          <a:p>
+            <a:r>
+              <a:rPr lang="en-US" dirty="0"/>
+              <a:t>In one-body case, </a:t>
+            </a:r>
+          </a:p>
+          <a:p>
+            <a:r>
+              <a:rPr lang="en-US" dirty="0"/>
+              <a:t>Transfer matrix becomes M = 1- </a:t>
+            </a:r>
+            <a:r>
+              <a:rPr lang="en-US" dirty="0" err="1"/>
+              <a:t>alpha_t</a:t>
+            </a:r>
+            <a:r>
+              <a:rPr lang="en-US" dirty="0"/>
+              <a:t> H </a:t>
+            </a:r>
+          </a:p>
+          <a:p>
+            <a:endParaRPr lang="en-US" dirty="0"/>
+          </a:p>
+          <a:p>
+            <a:r>
+              <a:rPr lang="en-US" dirty="0"/>
+              <a:t>Thus, one can also use transfer matrix</a:t>
+            </a:r>
+          </a:p>
+        </p:txBody>
+      </p:sp>
       <p:pic>
         <p:nvPicPr>
-          <p:cNvPr id="4" name="그림 3"/>
+          <p:cNvPr id="11" name="그림 10"/>
           <p:cNvPicPr>
             <a:picLocks noChangeAspect="1"/>
           </p:cNvPicPr>
@@ -11572,42 +11452,75 @@
         </p:blipFill>
         <p:spPr>
           <a:xfrm>
-            <a:off x="764178" y="3753676"/>
-            <a:ext cx="4839375" cy="2638793"/>
+            <a:off x="4246288" y="2973329"/>
+            <a:ext cx="3934374" cy="838317"/>
           </a:xfrm>
           <a:prstGeom prst="rect">
             <a:avLst/>
           </a:prstGeom>
         </p:spPr>
       </p:pic>
-      <p:pic>
-        <p:nvPicPr>
-          <p:cNvPr id="6" name="그림 5"/>
-          <p:cNvPicPr>
-            <a:picLocks noChangeAspect="1"/>
-          </p:cNvPicPr>
+      <p:sp>
+        <p:nvSpPr>
+          <p:cNvPr id="4" name="TextBox 3"/>
+          <p:cNvSpPr txBox="1"/>
           <p:nvPr/>
-        </p:nvPicPr>
-        <p:blipFill>
-          <a:blip r:embed="rId4"/>
-          <a:stretch>
-            <a:fillRect/>
-          </a:stretch>
-        </p:blipFill>
+        </p:nvSpPr>
         <p:spPr>
           <a:xfrm>
-            <a:off x="6311324" y="4143950"/>
-            <a:ext cx="3096057" cy="743054"/>
+            <a:off x="3765550" y="5611539"/>
+            <a:ext cx="4950692" cy="962571"/>
           </a:xfrm>
           <a:prstGeom prst="rect">
             <a:avLst/>
           </a:prstGeom>
-        </p:spPr>
-      </p:pic>
+          <a:noFill/>
+        </p:spPr>
+        <p:txBody>
+          <a:bodyPr wrap="square" rtlCol="0">
+            <a:spAutoFit/>
+          </a:bodyPr>
+          <a:lstStyle/>
+          <a:p>
+            <a:pPr marL="342900" indent="-342900">
+              <a:buFont typeface="Arial" panose="020B0604020202020204" pitchFamily="34" charset="0"/>
+              <a:buChar char="•"/>
+            </a:pPr>
+            <a:r>
+              <a:rPr lang="en-US" dirty="0"/>
+              <a:t>Note degeneracy in the 1</a:t>
+            </a:r>
+            <a:r>
+              <a:rPr lang="en-US" baseline="30000" dirty="0"/>
+              <a:t>st</a:t>
+            </a:r>
+            <a:r>
+              <a:rPr lang="en-US" dirty="0"/>
+              <a:t> excited states.</a:t>
+            </a:r>
+          </a:p>
+          <a:p>
+            <a:pPr marL="342900" indent="-342900">
+              <a:buFont typeface="Arial" panose="020B0604020202020204" pitchFamily="34" charset="0"/>
+              <a:buChar char="•"/>
+            </a:pPr>
+            <a:r>
+              <a:rPr lang="en-US" dirty="0"/>
+              <a:t>states near or higher zero </a:t>
+            </a:r>
+          </a:p>
+          <a:p>
+            <a:r>
+              <a:rPr lang="en-US" dirty="0"/>
+              <a:t>     can be sensitive to the lattice size L </a:t>
+            </a:r>
+          </a:p>
+        </p:txBody>
+      </p:sp>
     </p:spTree>
     <p:extLst>
       <p:ext uri="{BB962C8B-B14F-4D97-AF65-F5344CB8AC3E}">
-        <p14:creationId xmlns:p14="http://schemas.microsoft.com/office/powerpoint/2010/main" val="1091153760"/>
+        <p14:creationId xmlns:p14="http://schemas.microsoft.com/office/powerpoint/2010/main" val="287956345"/>
       </p:ext>
     </p:extLst>
   </p:cSld>
@@ -11650,10 +11563,9 @@
           <a:lstStyle/>
           <a:p>
             <a:r>
-              <a:rPr lang="en-US" dirty="0" smtClean="0"/>
-              <a:t>2-body problem on lattice</a:t>
-            </a:r>
-            <a:endParaRPr lang="en-US" dirty="0"/>
+              <a:rPr lang="en-US" dirty="0"/>
+              <a:t>Simplest 1-body problem on lattice</a:t>
+            </a:r>
           </a:p>
         </p:txBody>
       </p:sp>
@@ -11665,8 +11577,8 @@
         </p:nvSpPr>
         <p:spPr>
           <a:xfrm>
-            <a:off x="495300" y="1581323"/>
-            <a:ext cx="8705850" cy="3863365"/>
+            <a:off x="764178" y="2430580"/>
+            <a:ext cx="5137857" cy="1252651"/>
           </a:xfrm>
           <a:prstGeom prst="rect">
             <a:avLst/>
@@ -11679,190 +11591,112 @@
           </a:bodyPr>
           <a:lstStyle/>
           <a:p>
-            <a:pPr marL="342900" indent="-342900">
-              <a:buFont typeface="Arial" panose="020B0604020202020204" pitchFamily="34" charset="0"/>
-              <a:buChar char="•"/>
-            </a:pPr>
-            <a:r>
-              <a:rPr lang="en-US" dirty="0" smtClean="0"/>
-              <a:t>Two-body problem can also be solved exactly on lattice</a:t>
-            </a:r>
-          </a:p>
-          <a:p>
-            <a:pPr marL="342900" indent="-342900">
-              <a:buFont typeface="Arial" panose="020B0604020202020204" pitchFamily="34" charset="0"/>
-              <a:buChar char="•"/>
-            </a:pPr>
-            <a:r>
-              <a:rPr lang="en-US" dirty="0" smtClean="0"/>
-              <a:t>Complication </a:t>
-            </a:r>
-          </a:p>
-          <a:p>
-            <a:pPr marL="821819" lvl="1" indent="-342900">
-              <a:buFont typeface="Arial" panose="020B0604020202020204" pitchFamily="34" charset="0"/>
-              <a:buChar char="•"/>
-            </a:pPr>
-            <a:r>
-              <a:rPr lang="en-US" dirty="0" smtClean="0"/>
-              <a:t>Separation of center of mass motion</a:t>
-            </a:r>
-          </a:p>
-          <a:p>
-            <a:pPr marL="821819" lvl="1" indent="-342900">
-              <a:buFont typeface="Arial" panose="020B0604020202020204" pitchFamily="34" charset="0"/>
-              <a:buChar char="•"/>
-            </a:pPr>
-            <a:r>
-              <a:rPr lang="en-US" dirty="0" smtClean="0"/>
-              <a:t>Two-body basis </a:t>
-            </a:r>
-            <a:r>
-              <a:rPr lang="en-US" dirty="0">
-                <a:sym typeface="Wingdings" panose="05000000000000000000" pitchFamily="2" charset="2"/>
-              </a:rPr>
-              <a:t> use relative </a:t>
-            </a:r>
-            <a:r>
-              <a:rPr lang="en-US" dirty="0" smtClean="0">
-                <a:sym typeface="Wingdings" panose="05000000000000000000" pitchFamily="2" charset="2"/>
-              </a:rPr>
-              <a:t>coordinate (n1,n2) -&gt; (n = n1-n2) </a:t>
-            </a:r>
-          </a:p>
-          <a:p>
-            <a:pPr marL="821819" lvl="1" indent="-342900">
-              <a:buFont typeface="Arial" panose="020B0604020202020204" pitchFamily="34" charset="0"/>
-              <a:buChar char="•"/>
-            </a:pPr>
-            <a:r>
-              <a:rPr lang="en-US" dirty="0" smtClean="0">
-                <a:sym typeface="Wingdings" panose="05000000000000000000" pitchFamily="2" charset="2"/>
-              </a:rPr>
-              <a:t>Two-body interaction</a:t>
-            </a:r>
-          </a:p>
-          <a:p>
-            <a:pPr marL="821819" lvl="1" indent="-342900">
-              <a:buFont typeface="Arial" panose="020B0604020202020204" pitchFamily="34" charset="0"/>
-              <a:buChar char="•"/>
-            </a:pPr>
-            <a:r>
-              <a:rPr lang="en-US" dirty="0">
-                <a:sym typeface="Wingdings" panose="05000000000000000000" pitchFamily="2" charset="2"/>
-              </a:rPr>
-              <a:t>Need to construct Hamiltonian matrix for two-body </a:t>
-            </a:r>
-            <a:endParaRPr lang="en-US" dirty="0" smtClean="0">
-              <a:sym typeface="Wingdings" panose="05000000000000000000" pitchFamily="2" charset="2"/>
-            </a:endParaRPr>
-          </a:p>
-          <a:p>
-            <a:pPr marL="821819" lvl="1" indent="-342900">
-              <a:buFont typeface="Arial" panose="020B0604020202020204" pitchFamily="34" charset="0"/>
-              <a:buChar char="•"/>
-            </a:pPr>
-            <a:r>
-              <a:rPr lang="en-US" dirty="0" smtClean="0">
-                <a:sym typeface="Wingdings" panose="05000000000000000000" pitchFamily="2" charset="2"/>
-              </a:rPr>
-              <a:t>Transfer matrix is not  M = I – H </a:t>
-            </a:r>
-            <a:r>
-              <a:rPr lang="en-US" dirty="0" err="1" smtClean="0">
-                <a:sym typeface="Wingdings" panose="05000000000000000000" pitchFamily="2" charset="2"/>
-              </a:rPr>
+            <a:r>
+              <a:rPr lang="en-US" dirty="0"/>
+              <a:t>In one-body case, </a:t>
+            </a:r>
+          </a:p>
+          <a:p>
+            <a:r>
+              <a:rPr lang="en-US" dirty="0"/>
+              <a:t>Transfer matrix becomes M = I- </a:t>
+            </a:r>
+            <a:r>
+              <a:rPr lang="en-US" dirty="0" err="1"/>
               <a:t>alpha_t</a:t>
             </a:r>
             <a:r>
-              <a:rPr lang="en-US" dirty="0" smtClean="0">
-                <a:sym typeface="Wingdings" panose="05000000000000000000" pitchFamily="2" charset="2"/>
-              </a:rPr>
-              <a:t>  for two-body </a:t>
-            </a:r>
-          </a:p>
-          <a:p>
-            <a:pPr marL="821819" lvl="1" indent="-342900">
-              <a:buFont typeface="Arial" panose="020B0604020202020204" pitchFamily="34" charset="0"/>
-              <a:buChar char="•"/>
-            </a:pPr>
-            <a:endParaRPr lang="en-US" dirty="0" smtClean="0">
-              <a:sym typeface="Wingdings" panose="05000000000000000000" pitchFamily="2" charset="2"/>
-            </a:endParaRPr>
-          </a:p>
-          <a:p>
-            <a:pPr marL="821819" lvl="1" indent="-342900">
-              <a:buFont typeface="Arial" panose="020B0604020202020204" pitchFamily="34" charset="0"/>
-              <a:buChar char="•"/>
-            </a:pPr>
-            <a:endParaRPr lang="en-US" dirty="0">
-              <a:sym typeface="Wingdings" panose="05000000000000000000" pitchFamily="2" charset="2"/>
-            </a:endParaRPr>
-          </a:p>
-          <a:p>
-            <a:pPr marL="342900" indent="-342900">
-              <a:buFont typeface="Arial" panose="020B0604020202020204" pitchFamily="34" charset="0"/>
-              <a:buChar char="•"/>
-            </a:pPr>
-            <a:r>
-              <a:rPr lang="en-US" dirty="0" smtClean="0">
-                <a:sym typeface="Wingdings" panose="05000000000000000000" pitchFamily="2" charset="2"/>
-              </a:rPr>
-              <a:t>It would be possible to solve exactly up to 3-body in lattice.</a:t>
-            </a:r>
-          </a:p>
-          <a:p>
-            <a:pPr marL="342900" indent="-342900">
-              <a:buFont typeface="Arial" panose="020B0604020202020204" pitchFamily="34" charset="0"/>
-              <a:buChar char="•"/>
-            </a:pPr>
-            <a:endParaRPr lang="en-US" dirty="0" smtClean="0">
-              <a:sym typeface="Wingdings" panose="05000000000000000000" pitchFamily="2" charset="2"/>
-            </a:endParaRPr>
-          </a:p>
-          <a:p>
-            <a:pPr marL="342900" indent="-342900">
-              <a:buFont typeface="Arial" panose="020B0604020202020204" pitchFamily="34" charset="0"/>
-              <a:buChar char="•"/>
-            </a:pPr>
-            <a:r>
-              <a:rPr lang="en-US" dirty="0" smtClean="0">
-                <a:sym typeface="Wingdings" panose="05000000000000000000" pitchFamily="2" charset="2"/>
-              </a:rPr>
-              <a:t>However, many-body problem requires different approach. </a:t>
-            </a:r>
-          </a:p>
-          <a:p>
-            <a:pPr marL="342900" indent="-342900">
-              <a:buFont typeface="Arial" panose="020B0604020202020204" pitchFamily="34" charset="0"/>
-              <a:buChar char="•"/>
-            </a:pPr>
-            <a:r>
-              <a:rPr lang="en-US" dirty="0" smtClean="0">
-                <a:sym typeface="Wingdings" panose="05000000000000000000" pitchFamily="2" charset="2"/>
-              </a:rPr>
-              <a:t>One cannot directly </a:t>
-            </a:r>
-            <a:r>
-              <a:rPr lang="en-US" dirty="0" err="1" smtClean="0">
-                <a:sym typeface="Wingdings" panose="05000000000000000000" pitchFamily="2" charset="2"/>
-              </a:rPr>
-              <a:t>diagonalize</a:t>
-            </a:r>
-            <a:r>
-              <a:rPr lang="en-US" dirty="0" smtClean="0">
-                <a:sym typeface="Wingdings" panose="05000000000000000000" pitchFamily="2" charset="2"/>
-              </a:rPr>
-              <a:t> Hamiltonian for many-body.  </a:t>
-            </a:r>
+              <a:rPr lang="en-US" dirty="0"/>
+              <a:t> H </a:t>
+            </a:r>
+          </a:p>
+          <a:p>
             <a:endParaRPr lang="en-US" dirty="0"/>
           </a:p>
-        </p:txBody>
-      </p:sp>
+          <a:p>
+            <a:r>
+              <a:rPr lang="en-US" dirty="0"/>
+              <a:t>Thus, it is also easy to use transfer matrix </a:t>
+            </a:r>
+          </a:p>
+        </p:txBody>
+      </p:sp>
+      <p:pic>
+        <p:nvPicPr>
+          <p:cNvPr id="11" name="그림 10"/>
+          <p:cNvPicPr>
+            <a:picLocks noChangeAspect="1"/>
+          </p:cNvPicPr>
+          <p:nvPr/>
+        </p:nvPicPr>
+        <p:blipFill>
+          <a:blip r:embed="rId2"/>
+          <a:stretch>
+            <a:fillRect/>
+          </a:stretch>
+        </p:blipFill>
+        <p:spPr>
+          <a:xfrm>
+            <a:off x="764179" y="1592263"/>
+            <a:ext cx="3934374" cy="838317"/>
+          </a:xfrm>
+          <a:prstGeom prst="rect">
+            <a:avLst/>
+          </a:prstGeom>
+        </p:spPr>
+      </p:pic>
+      <p:pic>
+        <p:nvPicPr>
+          <p:cNvPr id="4" name="그림 3"/>
+          <p:cNvPicPr>
+            <a:picLocks noChangeAspect="1"/>
+          </p:cNvPicPr>
+          <p:nvPr/>
+        </p:nvPicPr>
+        <p:blipFill>
+          <a:blip r:embed="rId3"/>
+          <a:stretch>
+            <a:fillRect/>
+          </a:stretch>
+        </p:blipFill>
+        <p:spPr>
+          <a:xfrm>
+            <a:off x="764178" y="3753676"/>
+            <a:ext cx="4839375" cy="2638793"/>
+          </a:xfrm>
+          <a:prstGeom prst="rect">
+            <a:avLst/>
+          </a:prstGeom>
+        </p:spPr>
+      </p:pic>
+      <p:pic>
+        <p:nvPicPr>
+          <p:cNvPr id="6" name="그림 5"/>
+          <p:cNvPicPr>
+            <a:picLocks noChangeAspect="1"/>
+          </p:cNvPicPr>
+          <p:nvPr/>
+        </p:nvPicPr>
+        <p:blipFill>
+          <a:blip r:embed="rId4"/>
+          <a:stretch>
+            <a:fillRect/>
+          </a:stretch>
+        </p:blipFill>
+        <p:spPr>
+          <a:xfrm>
+            <a:off x="6311324" y="4143950"/>
+            <a:ext cx="3096057" cy="743054"/>
+          </a:xfrm>
+          <a:prstGeom prst="rect">
+            <a:avLst/>
+          </a:prstGeom>
+        </p:spPr>
+      </p:pic>
     </p:spTree>
     <p:extLst>
       <p:ext uri="{BB962C8B-B14F-4D97-AF65-F5344CB8AC3E}">
-        <p14:creationId xmlns:p14="http://schemas.microsoft.com/office/powerpoint/2010/main" val="3640742196"/>
+        <p14:creationId xmlns:p14="http://schemas.microsoft.com/office/powerpoint/2010/main" val="1091153760"/>
       </p:ext>
     </p:extLst>
   </p:cSld>
@@ -11905,7 +11739,252 @@
           <a:lstStyle/>
           <a:p>
             <a:r>
-              <a:rPr lang="en-US" altLang="ko-KR" dirty="0" smtClean="0"/>
+              <a:rPr lang="en-US" dirty="0"/>
+              <a:t>2-body problem on lattice</a:t>
+            </a:r>
+          </a:p>
+        </p:txBody>
+      </p:sp>
+      <p:sp>
+        <p:nvSpPr>
+          <p:cNvPr id="7" name="TextBox 6"/>
+          <p:cNvSpPr txBox="1"/>
+          <p:nvPr/>
+        </p:nvSpPr>
+        <p:spPr>
+          <a:xfrm>
+            <a:off x="495300" y="1581323"/>
+            <a:ext cx="8705850" cy="3863365"/>
+          </a:xfrm>
+          <a:prstGeom prst="rect">
+            <a:avLst/>
+          </a:prstGeom>
+          <a:noFill/>
+        </p:spPr>
+        <p:txBody>
+          <a:bodyPr wrap="square" rtlCol="0">
+            <a:spAutoFit/>
+          </a:bodyPr>
+          <a:lstStyle/>
+          <a:p>
+            <a:pPr marL="342900" indent="-342900">
+              <a:buFont typeface="Arial" panose="020B0604020202020204" pitchFamily="34" charset="0"/>
+              <a:buChar char="•"/>
+            </a:pPr>
+            <a:r>
+              <a:rPr lang="en-US" dirty="0"/>
+              <a:t>Two-body problem can also be solved exactly on lattice</a:t>
+            </a:r>
+          </a:p>
+          <a:p>
+            <a:pPr marL="342900" indent="-342900">
+              <a:buFont typeface="Arial" panose="020B0604020202020204" pitchFamily="34" charset="0"/>
+              <a:buChar char="•"/>
+            </a:pPr>
+            <a:r>
+              <a:rPr lang="en-US" dirty="0"/>
+              <a:t>Complication </a:t>
+            </a:r>
+          </a:p>
+          <a:p>
+            <a:pPr marL="821819" lvl="1" indent="-342900">
+              <a:buFont typeface="Arial" panose="020B0604020202020204" pitchFamily="34" charset="0"/>
+              <a:buChar char="•"/>
+            </a:pPr>
+            <a:r>
+              <a:rPr lang="en-US" dirty="0"/>
+              <a:t>Separation of center of mass motion</a:t>
+            </a:r>
+          </a:p>
+          <a:p>
+            <a:pPr marL="821819" lvl="1" indent="-342900">
+              <a:buFont typeface="Arial" panose="020B0604020202020204" pitchFamily="34" charset="0"/>
+              <a:buChar char="•"/>
+            </a:pPr>
+            <a:r>
+              <a:rPr lang="en-US" dirty="0"/>
+              <a:t>Two-body basis </a:t>
+            </a:r>
+            <a:r>
+              <a:rPr lang="en-US" dirty="0">
+                <a:sym typeface="Wingdings" panose="05000000000000000000" pitchFamily="2" charset="2"/>
+              </a:rPr>
+              <a:t> use relative coordinate (n1,n2) -&gt; (n = n1-n2) </a:t>
+            </a:r>
+          </a:p>
+          <a:p>
+            <a:pPr marL="821819" lvl="1" indent="-342900">
+              <a:buFont typeface="Arial" panose="020B0604020202020204" pitchFamily="34" charset="0"/>
+              <a:buChar char="•"/>
+            </a:pPr>
+            <a:r>
+              <a:rPr lang="en-US" dirty="0">
+                <a:sym typeface="Wingdings" panose="05000000000000000000" pitchFamily="2" charset="2"/>
+              </a:rPr>
+              <a:t>Two-body interaction</a:t>
+            </a:r>
+          </a:p>
+          <a:p>
+            <a:pPr marL="821819" lvl="1" indent="-342900">
+              <a:buFont typeface="Arial" panose="020B0604020202020204" pitchFamily="34" charset="0"/>
+              <a:buChar char="•"/>
+            </a:pPr>
+            <a:r>
+              <a:rPr lang="en-US" dirty="0">
+                <a:sym typeface="Wingdings" panose="05000000000000000000" pitchFamily="2" charset="2"/>
+              </a:rPr>
+              <a:t>Need to construct Hamiltonian matrix for two-body </a:t>
+            </a:r>
+          </a:p>
+          <a:p>
+            <a:pPr marL="821819" lvl="1" indent="-342900">
+              <a:buFont typeface="Arial" panose="020B0604020202020204" pitchFamily="34" charset="0"/>
+              <a:buChar char="•"/>
+            </a:pPr>
+            <a:r>
+              <a:rPr lang="en-US" dirty="0">
+                <a:sym typeface="Wingdings" panose="05000000000000000000" pitchFamily="2" charset="2"/>
+              </a:rPr>
+              <a:t>Transfer matrix is not  M = I – H </a:t>
+            </a:r>
+            <a:r>
+              <a:rPr lang="en-US" dirty="0" err="1">
+                <a:sym typeface="Wingdings" panose="05000000000000000000" pitchFamily="2" charset="2"/>
+              </a:rPr>
+              <a:t>alpha_t</a:t>
+            </a:r>
+            <a:r>
+              <a:rPr lang="en-US" dirty="0">
+                <a:sym typeface="Wingdings" panose="05000000000000000000" pitchFamily="2" charset="2"/>
+              </a:rPr>
+              <a:t>  for two-body </a:t>
+            </a:r>
+          </a:p>
+          <a:p>
+            <a:pPr marL="821819" lvl="1" indent="-342900">
+              <a:buFont typeface="Arial" panose="020B0604020202020204" pitchFamily="34" charset="0"/>
+              <a:buChar char="•"/>
+            </a:pPr>
+            <a:endParaRPr lang="en-US" dirty="0">
+              <a:sym typeface="Wingdings" panose="05000000000000000000" pitchFamily="2" charset="2"/>
+            </a:endParaRPr>
+          </a:p>
+          <a:p>
+            <a:pPr marL="821819" lvl="1" indent="-342900">
+              <a:buFont typeface="Arial" panose="020B0604020202020204" pitchFamily="34" charset="0"/>
+              <a:buChar char="•"/>
+            </a:pPr>
+            <a:endParaRPr lang="en-US" dirty="0">
+              <a:sym typeface="Wingdings" panose="05000000000000000000" pitchFamily="2" charset="2"/>
+            </a:endParaRPr>
+          </a:p>
+          <a:p>
+            <a:pPr marL="342900" indent="-342900">
+              <a:buFont typeface="Arial" panose="020B0604020202020204" pitchFamily="34" charset="0"/>
+              <a:buChar char="•"/>
+            </a:pPr>
+            <a:r>
+              <a:rPr lang="en-US" dirty="0">
+                <a:sym typeface="Wingdings" panose="05000000000000000000" pitchFamily="2" charset="2"/>
+              </a:rPr>
+              <a:t>It would be possible to solve exactly up to 3-body in lattice.</a:t>
+            </a:r>
+          </a:p>
+          <a:p>
+            <a:pPr marL="342900" indent="-342900">
+              <a:buFont typeface="Arial" panose="020B0604020202020204" pitchFamily="34" charset="0"/>
+              <a:buChar char="•"/>
+            </a:pPr>
+            <a:endParaRPr lang="en-US" dirty="0">
+              <a:sym typeface="Wingdings" panose="05000000000000000000" pitchFamily="2" charset="2"/>
+            </a:endParaRPr>
+          </a:p>
+          <a:p>
+            <a:pPr marL="342900" indent="-342900">
+              <a:buFont typeface="Arial" panose="020B0604020202020204" pitchFamily="34" charset="0"/>
+              <a:buChar char="•"/>
+            </a:pPr>
+            <a:r>
+              <a:rPr lang="en-US" dirty="0">
+                <a:sym typeface="Wingdings" panose="05000000000000000000" pitchFamily="2" charset="2"/>
+              </a:rPr>
+              <a:t>However, many-body problem requires different approach. </a:t>
+            </a:r>
+          </a:p>
+          <a:p>
+            <a:pPr marL="342900" indent="-342900">
+              <a:buFont typeface="Arial" panose="020B0604020202020204" pitchFamily="34" charset="0"/>
+              <a:buChar char="•"/>
+            </a:pPr>
+            <a:r>
+              <a:rPr lang="en-US" dirty="0">
+                <a:sym typeface="Wingdings" panose="05000000000000000000" pitchFamily="2" charset="2"/>
+              </a:rPr>
+              <a:t>One cannot directly </a:t>
+            </a:r>
+            <a:r>
+              <a:rPr lang="en-US" dirty="0" err="1">
+                <a:sym typeface="Wingdings" panose="05000000000000000000" pitchFamily="2" charset="2"/>
+              </a:rPr>
+              <a:t>diagonalize</a:t>
+            </a:r>
+            <a:r>
+              <a:rPr lang="en-US" dirty="0">
+                <a:sym typeface="Wingdings" panose="05000000000000000000" pitchFamily="2" charset="2"/>
+              </a:rPr>
+              <a:t> Hamiltonian for many-body.  </a:t>
+            </a:r>
+            <a:endParaRPr lang="en-US" dirty="0"/>
+          </a:p>
+        </p:txBody>
+      </p:sp>
+    </p:spTree>
+    <p:extLst>
+      <p:ext uri="{BB962C8B-B14F-4D97-AF65-F5344CB8AC3E}">
+        <p14:creationId xmlns:p14="http://schemas.microsoft.com/office/powerpoint/2010/main" val="3640742196"/>
+      </p:ext>
+    </p:extLst>
+  </p:cSld>
+  <p:clrMapOvr>
+    <a:masterClrMapping/>
+  </p:clrMapOvr>
+</p:sld>
+</file>
+
+<file path=ppt/slides/slide17.xml><?xml version="1.0" encoding="utf-8"?>
+<p:sld xmlns:a="http://schemas.openxmlformats.org/drawingml/2006/main" xmlns:r="http://schemas.openxmlformats.org/officeDocument/2006/relationships" xmlns:p="http://schemas.openxmlformats.org/presentationml/2006/main">
+  <p:cSld>
+    <p:spTree>
+      <p:nvGrpSpPr>
+        <p:cNvPr id="1" name=""/>
+        <p:cNvGrpSpPr/>
+        <p:nvPr/>
+      </p:nvGrpSpPr>
+      <p:grpSpPr>
+        <a:xfrm>
+          <a:off x="0" y="0"/>
+          <a:ext cx="0" cy="0"/>
+          <a:chOff x="0" y="0"/>
+          <a:chExt cx="0" cy="0"/>
+        </a:xfrm>
+      </p:grpSpPr>
+      <p:sp>
+        <p:nvSpPr>
+          <p:cNvPr id="2" name="제목 1"/>
+          <p:cNvSpPr>
+            <a:spLocks noGrp="1"/>
+          </p:cNvSpPr>
+          <p:nvPr>
+            <p:ph type="title"/>
+          </p:nvPr>
+        </p:nvSpPr>
+        <p:spPr/>
+        <p:txBody>
+          <a:bodyPr/>
+          <a:lstStyle/>
+          <a:p>
+            <a:r>
+              <a:rPr lang="en-US" altLang="ko-KR" dirty="0"/>
               <a:t>Auxiliary Field Monte Carlo </a:t>
             </a:r>
             <a:endParaRPr lang="ko-KR" altLang="en-US" dirty="0"/>
@@ -12084,136 +12163,6 @@
   <p:clrMapOvr>
     <a:masterClrMapping/>
   </p:clrMapOvr>
-  <p:timing>
-    <p:tnLst>
-      <p:par>
-        <p:cTn id="1" dur="indefinite" restart="never" nodeType="tmRoot"/>
-      </p:par>
-    </p:tnLst>
-  </p:timing>
-</p:sld>
-</file>
-
-<file path=ppt/slides/slide17.xml><?xml version="1.0" encoding="utf-8"?>
-<p:sld xmlns:a="http://schemas.openxmlformats.org/drawingml/2006/main" xmlns:r="http://schemas.openxmlformats.org/officeDocument/2006/relationships" xmlns:p="http://schemas.openxmlformats.org/presentationml/2006/main">
-  <p:cSld>
-    <p:spTree>
-      <p:nvGrpSpPr>
-        <p:cNvPr id="1" name=""/>
-        <p:cNvGrpSpPr/>
-        <p:nvPr/>
-      </p:nvGrpSpPr>
-      <p:grpSpPr>
-        <a:xfrm>
-          <a:off x="0" y="0"/>
-          <a:ext cx="0" cy="0"/>
-          <a:chOff x="0" y="0"/>
-          <a:chExt cx="0" cy="0"/>
-        </a:xfrm>
-      </p:grpSpPr>
-      <p:sp>
-        <p:nvSpPr>
-          <p:cNvPr id="2" name="제목 1"/>
-          <p:cNvSpPr>
-            <a:spLocks noGrp="1"/>
-          </p:cNvSpPr>
-          <p:nvPr>
-            <p:ph type="title"/>
-          </p:nvPr>
-        </p:nvSpPr>
-        <p:spPr/>
-        <p:txBody>
-          <a:bodyPr/>
-          <a:lstStyle/>
-          <a:p>
-            <a:endParaRPr lang="en-US"/>
-          </a:p>
-        </p:txBody>
-      </p:sp>
-      <p:pic>
-        <p:nvPicPr>
-          <p:cNvPr id="5" name="내용 개체 틀 4"/>
-          <p:cNvPicPr>
-            <a:picLocks noGrp="1" noChangeAspect="1"/>
-          </p:cNvPicPr>
-          <p:nvPr>
-            <p:ph idx="1"/>
-          </p:nvPr>
-        </p:nvPicPr>
-        <p:blipFill>
-          <a:blip r:embed="rId2"/>
-          <a:stretch>
-            <a:fillRect/>
-          </a:stretch>
-        </p:blipFill>
-        <p:spPr>
-          <a:xfrm>
-            <a:off x="657095" y="2816145"/>
-            <a:ext cx="6049219" cy="1152686"/>
-          </a:xfrm>
-          <a:prstGeom prst="rect">
-            <a:avLst/>
-          </a:prstGeom>
-        </p:spPr>
-      </p:pic>
-      <p:pic>
-        <p:nvPicPr>
-          <p:cNvPr id="4" name="그림 3"/>
-          <p:cNvPicPr>
-            <a:picLocks noChangeAspect="1"/>
-          </p:cNvPicPr>
-          <p:nvPr/>
-        </p:nvPicPr>
-        <p:blipFill>
-          <a:blip r:embed="rId3"/>
-          <a:stretch>
-            <a:fillRect/>
-          </a:stretch>
-        </p:blipFill>
-        <p:spPr>
-          <a:xfrm>
-            <a:off x="687690" y="1788901"/>
-            <a:ext cx="8068801" cy="952633"/>
-          </a:xfrm>
-          <a:prstGeom prst="rect">
-            <a:avLst/>
-          </a:prstGeom>
-        </p:spPr>
-      </p:pic>
-      <p:pic>
-        <p:nvPicPr>
-          <p:cNvPr id="6" name="그림 5"/>
-          <p:cNvPicPr>
-            <a:picLocks noChangeAspect="1"/>
-          </p:cNvPicPr>
-          <p:nvPr/>
-        </p:nvPicPr>
-        <p:blipFill>
-          <a:blip r:embed="rId4"/>
-          <a:stretch>
-            <a:fillRect/>
-          </a:stretch>
-        </p:blipFill>
-        <p:spPr>
-          <a:xfrm>
-            <a:off x="426186" y="4215660"/>
-            <a:ext cx="7297168" cy="2324424"/>
-          </a:xfrm>
-          <a:prstGeom prst="rect">
-            <a:avLst/>
-          </a:prstGeom>
-        </p:spPr>
-      </p:pic>
-    </p:spTree>
-    <p:extLst>
-      <p:ext uri="{BB962C8B-B14F-4D97-AF65-F5344CB8AC3E}">
-        <p14:creationId xmlns:p14="http://schemas.microsoft.com/office/powerpoint/2010/main" val="1219221683"/>
-      </p:ext>
-    </p:extLst>
-  </p:cSld>
-  <p:clrMapOvr>
-    <a:masterClrMapping/>
-  </p:clrMapOvr>
 </p:sld>
 </file>
 
@@ -12249,21 +12198,19 @@
           <a:bodyPr/>
           <a:lstStyle/>
           <a:p>
-            <a:r>
-              <a:rPr lang="en-US" dirty="0" smtClean="0"/>
-              <a:t>Hamiltonian in auxiliary field lattice</a:t>
-            </a:r>
-            <a:endParaRPr lang="en-US" dirty="0"/>
+            <a:endParaRPr lang="en-US"/>
           </a:p>
         </p:txBody>
       </p:sp>
       <p:pic>
         <p:nvPicPr>
-          <p:cNvPr id="4" name="그림 3"/>
+          <p:cNvPr id="5" name="내용 개체 틀 4"/>
           <p:cNvPicPr>
-            <a:picLocks noChangeAspect="1"/>
+            <a:picLocks noGrp="1" noChangeAspect="1"/>
           </p:cNvPicPr>
-          <p:nvPr/>
+          <p:nvPr>
+            <p:ph idx="1"/>
+          </p:nvPr>
         </p:nvPicPr>
         <p:blipFill>
           <a:blip r:embed="rId2"/>
@@ -12273,8 +12220,8 @@
         </p:blipFill>
         <p:spPr>
           <a:xfrm>
-            <a:off x="334306" y="1376123"/>
-            <a:ext cx="9237387" cy="1049367"/>
+            <a:off x="657095" y="2816145"/>
+            <a:ext cx="6049219" cy="1152686"/>
           </a:xfrm>
           <a:prstGeom prst="rect">
             <a:avLst/>
@@ -12283,7 +12230,7 @@
       </p:pic>
       <p:pic>
         <p:nvPicPr>
-          <p:cNvPr id="5" name="그림 4"/>
+          <p:cNvPr id="4" name="그림 3"/>
           <p:cNvPicPr>
             <a:picLocks noChangeAspect="1"/>
           </p:cNvPicPr>
@@ -12297,8 +12244,8 @@
         </p:blipFill>
         <p:spPr>
           <a:xfrm>
-            <a:off x="288098" y="2399355"/>
-            <a:ext cx="5925377" cy="914528"/>
+            <a:off x="687690" y="1788901"/>
+            <a:ext cx="8068801" cy="952633"/>
           </a:xfrm>
           <a:prstGeom prst="rect">
             <a:avLst/>
@@ -12321,101 +12268,18 @@
         </p:blipFill>
         <p:spPr>
           <a:xfrm>
-            <a:off x="412172" y="3459511"/>
-            <a:ext cx="8482154" cy="1199417"/>
+            <a:off x="426186" y="4215660"/>
+            <a:ext cx="7297168" cy="2324424"/>
           </a:xfrm>
           <a:prstGeom prst="rect">
             <a:avLst/>
           </a:prstGeom>
         </p:spPr>
       </p:pic>
-      <p:pic>
-        <p:nvPicPr>
-          <p:cNvPr id="10" name="그림 9"/>
-          <p:cNvPicPr>
-            <a:picLocks noChangeAspect="1"/>
-          </p:cNvPicPr>
-          <p:nvPr/>
-        </p:nvPicPr>
-        <p:blipFill>
-          <a:blip r:embed="rId5"/>
-          <a:stretch>
-            <a:fillRect/>
-          </a:stretch>
-        </p:blipFill>
-        <p:spPr>
-          <a:xfrm>
-            <a:off x="412172" y="4781595"/>
-            <a:ext cx="5410712" cy="911354"/>
-          </a:xfrm>
-          <a:prstGeom prst="rect">
-            <a:avLst/>
-          </a:prstGeom>
-          <a:ln>
-            <a:solidFill>
-              <a:srgbClr val="FF0000"/>
-            </a:solidFill>
-          </a:ln>
-        </p:spPr>
-      </p:pic>
-      <p:sp>
-        <p:nvSpPr>
-          <p:cNvPr id="12" name="TextBox 11"/>
-          <p:cNvSpPr txBox="1"/>
-          <p:nvPr/>
-        </p:nvSpPr>
-        <p:spPr>
-          <a:xfrm>
-            <a:off x="5911273" y="4804556"/>
-            <a:ext cx="3994727" cy="962571"/>
-          </a:xfrm>
-          <a:prstGeom prst="rect">
-            <a:avLst/>
-          </a:prstGeom>
-          <a:noFill/>
-        </p:spPr>
-        <p:txBody>
-          <a:bodyPr wrap="square" rtlCol="0">
-            <a:spAutoFit/>
-          </a:bodyPr>
-          <a:lstStyle/>
-          <a:p>
-            <a:r>
-              <a:rPr lang="en-US" dirty="0" smtClean="0"/>
-              <a:t>compute fermion amplitude</a:t>
-            </a:r>
-          </a:p>
-          <a:p>
-            <a:pPr marL="342900" indent="-342900">
-              <a:buFont typeface="Wingdings" panose="05000000000000000000" pitchFamily="2" charset="2"/>
-              <a:buChar char="à"/>
-            </a:pPr>
-            <a:r>
-              <a:rPr lang="en-US" dirty="0" smtClean="0">
-                <a:sym typeface="Wingdings" panose="05000000000000000000" pitchFamily="2" charset="2"/>
-              </a:rPr>
-              <a:t>Integration over auxiliary fields</a:t>
-            </a:r>
-          </a:p>
-          <a:p>
-            <a:pPr marL="342900" indent="-342900">
-              <a:buFont typeface="Wingdings" panose="05000000000000000000" pitchFamily="2" charset="2"/>
-              <a:buChar char="à"/>
-            </a:pPr>
-            <a:r>
-              <a:rPr lang="en-US" dirty="0" smtClean="0">
-                <a:sym typeface="Wingdings" panose="05000000000000000000" pitchFamily="2" charset="2"/>
-              </a:rPr>
-              <a:t>M.C. integral </a:t>
-            </a:r>
-            <a:endParaRPr lang="en-US" dirty="0"/>
-          </a:p>
-        </p:txBody>
-      </p:sp>
     </p:spTree>
     <p:extLst>
       <p:ext uri="{BB962C8B-B14F-4D97-AF65-F5344CB8AC3E}">
-        <p14:creationId xmlns:p14="http://schemas.microsoft.com/office/powerpoint/2010/main" val="4042300505"/>
+        <p14:creationId xmlns:p14="http://schemas.microsoft.com/office/powerpoint/2010/main" val="1219221683"/>
       </p:ext>
     </p:extLst>
   </p:cSld>
@@ -12458,10 +12322,9 @@
           <a:lstStyle/>
           <a:p>
             <a:r>
-              <a:rPr lang="en-US" dirty="0" smtClean="0"/>
-              <a:t>Fermion amplitude</a:t>
-            </a:r>
-            <a:endParaRPr lang="en-US" dirty="0"/>
+              <a:rPr lang="en-US" dirty="0"/>
+              <a:t>Hamiltonian in auxiliary field lattice</a:t>
+            </a:r>
           </a:p>
         </p:txBody>
       </p:sp>
@@ -12481,8 +12344,8 @@
         </p:blipFill>
         <p:spPr>
           <a:xfrm>
-            <a:off x="495300" y="1592263"/>
-            <a:ext cx="2857500" cy="855000"/>
+            <a:off x="334306" y="1376123"/>
+            <a:ext cx="9237387" cy="1049367"/>
           </a:xfrm>
           <a:prstGeom prst="rect">
             <a:avLst/>
@@ -12505,8 +12368,8 @@
         </p:blipFill>
         <p:spPr>
           <a:xfrm>
-            <a:off x="3578224" y="1470141"/>
-            <a:ext cx="5187085" cy="947413"/>
+            <a:off x="288098" y="2399355"/>
+            <a:ext cx="5925377" cy="914528"/>
           </a:xfrm>
           <a:prstGeom prst="rect">
             <a:avLst/>
@@ -12529,51 +12392,17 @@
         </p:blipFill>
         <p:spPr>
           <a:xfrm>
-            <a:off x="542913" y="2897938"/>
-            <a:ext cx="6445273" cy="1699156"/>
+            <a:off x="412172" y="3459511"/>
+            <a:ext cx="8482154" cy="1199417"/>
           </a:xfrm>
           <a:prstGeom prst="rect">
             <a:avLst/>
           </a:prstGeom>
         </p:spPr>
       </p:pic>
-      <p:sp>
-        <p:nvSpPr>
-          <p:cNvPr id="7" name="TextBox 6"/>
-          <p:cNvSpPr txBox="1"/>
-          <p:nvPr/>
-        </p:nvSpPr>
-        <p:spPr>
-          <a:xfrm>
-            <a:off x="495300" y="2515526"/>
-            <a:ext cx="6363565" cy="382412"/>
-          </a:xfrm>
-          <a:prstGeom prst="rect">
-            <a:avLst/>
-          </a:prstGeom>
-          <a:noFill/>
-        </p:spPr>
-        <p:txBody>
-          <a:bodyPr wrap="square" rtlCol="0">
-            <a:spAutoFit/>
-          </a:bodyPr>
-          <a:lstStyle/>
-          <a:p>
-            <a:r>
-              <a:rPr lang="en-US" dirty="0" smtClean="0"/>
-              <a:t>Introduce extra index, but keeping anti-</a:t>
-            </a:r>
-            <a:r>
-              <a:rPr lang="en-US" dirty="0" err="1" smtClean="0"/>
-              <a:t>symmetrization</a:t>
-            </a:r>
-            <a:endParaRPr lang="en-US" dirty="0"/>
-          </a:p>
-        </p:txBody>
-      </p:sp>
       <p:pic>
         <p:nvPicPr>
-          <p:cNvPr id="8" name="그림 7"/>
+          <p:cNvPr id="10" name="그림 9"/>
           <p:cNvPicPr>
             <a:picLocks noChangeAspect="1"/>
           </p:cNvPicPr>
@@ -12587,24 +12416,29 @@
         </p:blipFill>
         <p:spPr>
           <a:xfrm>
-            <a:off x="542913" y="5077478"/>
-            <a:ext cx="7352145" cy="858592"/>
+            <a:off x="412172" y="4781595"/>
+            <a:ext cx="5410712" cy="911354"/>
           </a:xfrm>
           <a:prstGeom prst="rect">
             <a:avLst/>
           </a:prstGeom>
+          <a:ln>
+            <a:solidFill>
+              <a:srgbClr val="FF0000"/>
+            </a:solidFill>
+          </a:ln>
         </p:spPr>
       </p:pic>
       <p:sp>
         <p:nvSpPr>
-          <p:cNvPr id="9" name="TextBox 8"/>
+          <p:cNvPr id="12" name="TextBox 11"/>
           <p:cNvSpPr txBox="1"/>
           <p:nvPr/>
         </p:nvSpPr>
         <p:spPr>
           <a:xfrm>
-            <a:off x="542913" y="4695066"/>
-            <a:ext cx="3764813" cy="382412"/>
+            <a:off x="5911273" y="4804556"/>
+            <a:ext cx="3994727" cy="962571"/>
           </a:xfrm>
           <a:prstGeom prst="rect">
             <a:avLst/>
@@ -12612,47 +12446,47 @@
           <a:noFill/>
         </p:spPr>
         <p:txBody>
-          <a:bodyPr wrap="none" rtlCol="0">
+          <a:bodyPr wrap="square" rtlCol="0">
             <a:spAutoFit/>
           </a:bodyPr>
           <a:lstStyle/>
           <a:p>
             <a:r>
-              <a:rPr lang="en-US" dirty="0" smtClean="0"/>
-              <a:t>Transfer matrix can be written as </a:t>
+              <a:rPr lang="en-US" dirty="0"/>
+              <a:t>compute fermion amplitude</a:t>
+            </a:r>
+          </a:p>
+          <a:p>
+            <a:pPr marL="342900" indent="-342900">
+              <a:buFont typeface="Wingdings" panose="05000000000000000000" pitchFamily="2" charset="2"/>
+              <a:buChar char="à"/>
+            </a:pPr>
+            <a:r>
+              <a:rPr lang="en-US" dirty="0">
+                <a:sym typeface="Wingdings" panose="05000000000000000000" pitchFamily="2" charset="2"/>
+              </a:rPr>
+              <a:t>Integration over auxiliary fields</a:t>
+            </a:r>
+          </a:p>
+          <a:p>
+            <a:pPr marL="342900" indent="-342900">
+              <a:buFont typeface="Wingdings" panose="05000000000000000000" pitchFamily="2" charset="2"/>
+              <a:buChar char="à"/>
+            </a:pPr>
+            <a:r>
+              <a:rPr lang="en-US" dirty="0">
+                <a:sym typeface="Wingdings" panose="05000000000000000000" pitchFamily="2" charset="2"/>
+              </a:rPr>
+              <a:t>M.C. integral </a:t>
             </a:r>
             <a:endParaRPr lang="en-US" dirty="0"/>
           </a:p>
         </p:txBody>
       </p:sp>
-      <p:pic>
-        <p:nvPicPr>
-          <p:cNvPr id="10" name="그림 9"/>
-          <p:cNvPicPr>
-            <a:picLocks noChangeAspect="1"/>
-          </p:cNvPicPr>
-          <p:nvPr/>
-        </p:nvPicPr>
-        <p:blipFill>
-          <a:blip r:embed="rId6"/>
-          <a:stretch>
-            <a:fillRect/>
-          </a:stretch>
-        </p:blipFill>
-        <p:spPr>
-          <a:xfrm>
-            <a:off x="542913" y="5851692"/>
-            <a:ext cx="7163800" cy="933580"/>
-          </a:xfrm>
-          <a:prstGeom prst="rect">
-            <a:avLst/>
-          </a:prstGeom>
-        </p:spPr>
-      </p:pic>
     </p:spTree>
     <p:extLst>
       <p:ext uri="{BB962C8B-B14F-4D97-AF65-F5344CB8AC3E}">
-        <p14:creationId xmlns:p14="http://schemas.microsoft.com/office/powerpoint/2010/main" val="2269912624"/>
+        <p14:creationId xmlns:p14="http://schemas.microsoft.com/office/powerpoint/2010/main" val="4042300505"/>
       </p:ext>
     </p:extLst>
   </p:cSld>
@@ -12697,7 +12531,7 @@
           <a:lstStyle/>
           <a:p>
             <a:r>
-              <a:rPr lang="en-US" altLang="ko-KR" sz="3200" dirty="0" smtClean="0"/>
+              <a:rPr lang="en-US" altLang="ko-KR" sz="3200" dirty="0"/>
               <a:t>Nuclear Lattice Effective Field Theory Collaboration</a:t>
             </a:r>
             <a:endParaRPr lang="ko-KR" altLang="en-US" sz="3200" dirty="0"/>
@@ -12722,191 +12556,154 @@
           <a:lstStyle/>
           <a:p>
             <a:r>
-              <a:rPr lang="en-US" altLang="ko-KR" dirty="0" err="1" smtClean="0"/>
+              <a:rPr lang="en-US" altLang="ko-KR" dirty="0" err="1"/>
               <a:t>Serdar</a:t>
             </a:r>
             <a:r>
-              <a:rPr lang="en-US" altLang="ko-KR" dirty="0" smtClean="0"/>
+              <a:rPr lang="en-US" altLang="ko-KR" dirty="0"/>
               <a:t> </a:t>
             </a:r>
             <a:r>
-              <a:rPr lang="en-US" altLang="ko-KR" dirty="0" err="1" smtClean="0"/>
+              <a:rPr lang="en-US" altLang="ko-KR" dirty="0" err="1"/>
               <a:t>Elhatisari</a:t>
             </a:r>
             <a:r>
-              <a:rPr lang="en-US" altLang="ko-KR" dirty="0" smtClean="0"/>
-              <a:t>(Gaziantep </a:t>
-            </a:r>
-            <a:r>
               <a:rPr lang="en-US" altLang="ko-KR" dirty="0"/>
-              <a:t>Islam Science and </a:t>
-            </a:r>
-            <a:r>
-              <a:rPr lang="en-US" altLang="ko-KR" dirty="0" smtClean="0"/>
-              <a:t>Technology) </a:t>
-            </a:r>
-          </a:p>
-          <a:p>
-            <a:r>
-              <a:rPr lang="en-US" altLang="ko-KR" dirty="0" smtClean="0"/>
+              <a:t>(Gaziantep Islam Science and Technology) </a:t>
+            </a:r>
+          </a:p>
+          <a:p>
+            <a:r>
+              <a:rPr lang="en-US" altLang="ko-KR" dirty="0"/>
               <a:t>Lukas </a:t>
             </a:r>
             <a:r>
-              <a:rPr lang="en-US" altLang="ko-KR" dirty="0" err="1" smtClean="0"/>
+              <a:rPr lang="en-US" altLang="ko-KR" dirty="0" err="1"/>
               <a:t>Bovermann</a:t>
             </a:r>
             <a:r>
-              <a:rPr lang="en-US" altLang="ko-KR" dirty="0" smtClean="0"/>
+              <a:rPr lang="en-US" altLang="ko-KR" dirty="0"/>
               <a:t>(Ruhr)</a:t>
             </a:r>
           </a:p>
           <a:p>
             <a:r>
-              <a:rPr lang="en-US" altLang="ko-KR" dirty="0" err="1" smtClean="0"/>
+              <a:rPr lang="en-US" altLang="ko-KR" dirty="0" err="1"/>
               <a:t>Evgeny</a:t>
             </a:r>
             <a:r>
-              <a:rPr lang="en-US" altLang="ko-KR" dirty="0" smtClean="0"/>
+              <a:rPr lang="en-US" altLang="ko-KR" dirty="0"/>
               <a:t> </a:t>
             </a:r>
             <a:r>
-              <a:rPr lang="en-US" altLang="ko-KR" dirty="0" err="1" smtClean="0"/>
+              <a:rPr lang="en-US" altLang="ko-KR" dirty="0" err="1"/>
               <a:t>Epelbaum</a:t>
             </a:r>
             <a:r>
-              <a:rPr lang="en-US" altLang="ko-KR" dirty="0" smtClean="0"/>
+              <a:rPr lang="en-US" altLang="ko-KR" dirty="0"/>
               <a:t> (Bochum)</a:t>
             </a:r>
           </a:p>
           <a:p>
             <a:r>
-              <a:rPr lang="en-US" altLang="ko-KR" dirty="0" smtClean="0"/>
-              <a:t>Dillon Frame</a:t>
+              <a:rPr lang="en-US" altLang="ko-KR" dirty="0"/>
+              <a:t>Dillon Frame (</a:t>
+            </a:r>
+            <a:r>
+              <a:rPr lang="en-US" altLang="ko-KR" dirty="0" err="1"/>
+              <a:t>Juelich</a:t>
+            </a:r>
+            <a:r>
+              <a:rPr lang="en-US" altLang="ko-KR" dirty="0"/>
+              <a:t>)</a:t>
+            </a:r>
+          </a:p>
+          <a:p>
+            <a:r>
+              <a:rPr lang="en-US" altLang="ko-KR" dirty="0"/>
+              <a:t>Fabian </a:t>
+            </a:r>
+            <a:r>
+              <a:rPr lang="en-US" altLang="ko-KR" dirty="0" err="1"/>
+              <a:t>Hildenbrand</a:t>
+            </a:r>
+            <a:r>
+              <a:rPr lang="en-US" altLang="ko-KR" dirty="0"/>
+              <a:t>(Darmstadt)</a:t>
+            </a:r>
+          </a:p>
+          <a:p>
+            <a:r>
+              <a:rPr lang="en-US" altLang="ko-KR" dirty="0"/>
+              <a:t>Hermann Krebs(Ruhr)</a:t>
+            </a:r>
+          </a:p>
+          <a:p>
+            <a:r>
+              <a:rPr lang="en-US" altLang="ko-KR" dirty="0" err="1"/>
+              <a:t>Timo</a:t>
+            </a:r>
+            <a:r>
+              <a:rPr lang="en-US" altLang="ko-KR" dirty="0"/>
+              <a:t> A. </a:t>
+            </a:r>
+            <a:r>
+              <a:rPr lang="en-US" altLang="ko-KR" dirty="0" err="1"/>
+              <a:t>Lähde</a:t>
             </a:r>
             <a:r>
               <a:rPr lang="en-US" altLang="ko-KR" dirty="0"/>
               <a:t> (</a:t>
             </a:r>
             <a:r>
-              <a:rPr lang="en-US" altLang="ko-KR" dirty="0" err="1" smtClean="0"/>
+              <a:rPr lang="en-US" altLang="ko-KR" dirty="0" err="1"/>
               <a:t>Juelich</a:t>
             </a:r>
             <a:r>
-              <a:rPr lang="en-US" altLang="ko-KR" dirty="0" smtClean="0"/>
+              <a:rPr lang="en-US" altLang="ko-KR" dirty="0"/>
               <a:t>)</a:t>
             </a:r>
           </a:p>
           <a:p>
             <a:r>
               <a:rPr lang="en-US" altLang="ko-KR" dirty="0"/>
-              <a:t>Fabian </a:t>
-            </a:r>
-            <a:r>
-              <a:rPr lang="en-US" altLang="ko-KR" dirty="0" err="1" smtClean="0"/>
-              <a:t>Hildenbrand</a:t>
-            </a:r>
-            <a:r>
-              <a:rPr lang="en-US" altLang="ko-KR" dirty="0" smtClean="0"/>
-              <a:t>(Darmstadt)</a:t>
-            </a:r>
-            <a:endParaRPr lang="en-US" altLang="ko-KR" dirty="0"/>
+              <a:t>Dean Lee (MSU)</a:t>
+            </a:r>
           </a:p>
           <a:p>
             <a:r>
               <a:rPr lang="en-US" altLang="ko-KR" dirty="0"/>
-              <a:t>Hermann </a:t>
-            </a:r>
-            <a:r>
-              <a:rPr lang="en-US" altLang="ko-KR" dirty="0" smtClean="0"/>
-              <a:t>Krebs(Ruhr)</a:t>
-            </a:r>
-          </a:p>
-          <a:p>
-            <a:r>
-              <a:rPr lang="en-US" altLang="ko-KR" dirty="0" err="1" smtClean="0"/>
-              <a:t>Timo</a:t>
-            </a:r>
-            <a:r>
-              <a:rPr lang="en-US" altLang="ko-KR" dirty="0" smtClean="0"/>
-              <a:t> </a:t>
+              <a:t>Ning Li(Sun </a:t>
+            </a:r>
+            <a:r>
+              <a:rPr lang="en-US" altLang="ko-KR" dirty="0" err="1"/>
+              <a:t>Yat-sen</a:t>
             </a:r>
             <a:r>
               <a:rPr lang="en-US" altLang="ko-KR" dirty="0"/>
-              <a:t>A. </a:t>
-            </a:r>
-            <a:r>
-              <a:rPr lang="en-US" altLang="ko-KR" dirty="0" err="1" smtClean="0"/>
-              <a:t>Lähde</a:t>
-            </a:r>
-            <a:r>
-              <a:rPr lang="en-US" altLang="ko-KR" dirty="0" smtClean="0"/>
-              <a:t> (</a:t>
-            </a:r>
-            <a:r>
-              <a:rPr lang="en-US" altLang="ko-KR" dirty="0" err="1" smtClean="0"/>
-              <a:t>Juelich</a:t>
-            </a:r>
-            <a:r>
-              <a:rPr lang="en-US" altLang="ko-KR" dirty="0" smtClean="0"/>
               <a:t>)</a:t>
             </a:r>
           </a:p>
           <a:p>
             <a:r>
-              <a:rPr lang="en-US" altLang="ko-KR" dirty="0" smtClean="0"/>
-              <a:t>Dean Lee (MSU)</a:t>
-            </a:r>
-          </a:p>
-          <a:p>
-            <a:r>
-              <a:rPr lang="en-US" altLang="ko-KR" dirty="0" smtClean="0"/>
-              <a:t>Ning Li(</a:t>
-            </a:r>
-            <a:r>
               <a:rPr lang="en-US" altLang="ko-KR" dirty="0"/>
-              <a:t>Sun </a:t>
-            </a:r>
-            <a:r>
-              <a:rPr lang="en-US" altLang="ko-KR" dirty="0" err="1" smtClean="0"/>
-              <a:t>Yat-sen</a:t>
-            </a:r>
-            <a:r>
-              <a:rPr lang="en-US" altLang="ko-KR" dirty="0" smtClean="0"/>
-              <a:t>)</a:t>
-            </a:r>
-          </a:p>
-          <a:p>
-            <a:r>
-              <a:rPr lang="en-US" altLang="ko-KR" dirty="0" smtClean="0"/>
-              <a:t>Bing-Nan Lu(</a:t>
+              <a:t>Bing-Nan Lu( Graduate School of China Academy of Engineering Physic)</a:t>
+            </a:r>
+          </a:p>
+          <a:p>
+            <a:r>
+              <a:rPr lang="en-US" altLang="ko-KR" dirty="0" err="1"/>
+              <a:t>Myungkuk</a:t>
             </a:r>
             <a:r>
               <a:rPr lang="en-US" altLang="ko-KR" dirty="0"/>
-              <a:t> Graduate School of China Academy of Engineering </a:t>
-            </a:r>
-            <a:r>
-              <a:rPr lang="en-US" altLang="ko-KR" dirty="0" smtClean="0"/>
-              <a:t>Physic)</a:t>
-            </a:r>
-          </a:p>
-          <a:p>
-            <a:r>
-              <a:rPr lang="en-US" altLang="ko-KR" dirty="0" err="1" smtClean="0"/>
-              <a:t>Myungkuk</a:t>
-            </a:r>
-            <a:r>
-              <a:rPr lang="en-US" altLang="ko-KR" dirty="0" smtClean="0"/>
               <a:t> Kim(CENS,IBS) </a:t>
             </a:r>
           </a:p>
           <a:p>
             <a:r>
-              <a:rPr lang="en-US" altLang="ko-KR" dirty="0" smtClean="0"/>
-              <a:t>Youngman Kim</a:t>
-            </a:r>
-            <a:r>
               <a:rPr lang="en-US" altLang="ko-KR" dirty="0"/>
-              <a:t> (</a:t>
+              <a:t>Youngman Kim (</a:t>
             </a:r>
             <a:r>
               <a:rPr lang="ko-KR" altLang="en-US" dirty="0"/>
@@ -12914,28 +12711,22 @@
             </a:r>
             <a:r>
               <a:rPr lang="en-US" altLang="ko-KR" dirty="0"/>
-              <a:t>,IBS</a:t>
-            </a:r>
-            <a:r>
-              <a:rPr lang="en-US" altLang="ko-KR" dirty="0" smtClean="0"/>
-              <a:t>)</a:t>
-            </a:r>
-            <a:endParaRPr lang="en-US" altLang="ko-KR" dirty="0"/>
-          </a:p>
-          <a:p>
-            <a:r>
-              <a:rPr lang="en-US" altLang="ko-KR" dirty="0" smtClean="0"/>
+              <a:t>,IBS)</a:t>
+            </a:r>
+          </a:p>
+          <a:p>
+            <a:r>
+              <a:rPr lang="en-US" altLang="ko-KR" dirty="0"/>
               <a:t>Young-Ho Song(</a:t>
             </a:r>
             <a:r>
-              <a:rPr lang="ko-KR" altLang="en-US" dirty="0" smtClean="0"/>
+              <a:rPr lang="ko-KR" altLang="en-US" dirty="0"/>
               <a:t>중이온가속기연구소</a:t>
             </a:r>
             <a:r>
-              <a:rPr lang="en-US" altLang="ko-KR" dirty="0" smtClean="0"/>
+              <a:rPr lang="en-US" altLang="ko-KR" dirty="0"/>
               <a:t>,IBS)</a:t>
             </a:r>
-            <a:endParaRPr lang="en-US" altLang="ko-KR" dirty="0"/>
           </a:p>
           <a:p>
             <a:r>
@@ -12944,124 +12735,90 @@
             </a:r>
             <a:r>
               <a:rPr lang="en-US" altLang="ko-KR" dirty="0"/>
-              <a:t> </a:t>
-            </a:r>
-            <a:r>
-              <a:rPr lang="en-US" altLang="ko-KR" dirty="0" smtClean="0"/>
-              <a:t>Ma(Peking)</a:t>
-            </a:r>
-          </a:p>
-          <a:p>
-            <a:r>
-              <a:rPr lang="en-US" altLang="ko-KR" dirty="0" smtClean="0"/>
-              <a:t>Ulf-G</a:t>
-            </a:r>
+              <a:t> Ma(Peking)</a:t>
+            </a:r>
+          </a:p>
+          <a:p>
             <a:r>
               <a:rPr lang="en-US" altLang="ko-KR" dirty="0"/>
-              <a:t>. </a:t>
-            </a:r>
-            <a:r>
-              <a:rPr lang="en-US" altLang="ko-KR" dirty="0" err="1" smtClean="0"/>
+              <a:t>Ulf-G. </a:t>
+            </a:r>
+            <a:r>
+              <a:rPr lang="en-US" altLang="ko-KR" dirty="0" err="1"/>
               <a:t>Meißner</a:t>
+            </a:r>
+            <a:r>
+              <a:rPr lang="en-US" altLang="ko-KR" dirty="0"/>
+              <a:t> (Bonn/</a:t>
+            </a:r>
+            <a:r>
+              <a:rPr lang="en-US" altLang="ko-KR" dirty="0" err="1"/>
+              <a:t>Juelich</a:t>
+            </a:r>
+            <a:r>
+              <a:rPr lang="en-US" altLang="ko-KR" dirty="0"/>
+              <a:t>)</a:t>
+            </a:r>
+          </a:p>
+          <a:p>
+            <a:r>
+              <a:rPr lang="en-US" altLang="ko-KR" dirty="0" err="1"/>
+              <a:t>Gautam</a:t>
             </a:r>
             <a:r>
               <a:rPr lang="en-US" altLang="ko-KR" dirty="0"/>
               <a:t> </a:t>
             </a:r>
             <a:r>
-              <a:rPr lang="en-US" altLang="ko-KR" dirty="0" smtClean="0"/>
-              <a:t>(Bonn/</a:t>
-            </a:r>
-            <a:r>
-              <a:rPr lang="en-US" altLang="ko-KR" dirty="0" err="1" smtClean="0"/>
+              <a:rPr lang="en-US" altLang="ko-KR" dirty="0" err="1"/>
+              <a:t>Rupak</a:t>
+            </a:r>
+            <a:r>
+              <a:rPr lang="en-US" altLang="ko-KR" dirty="0"/>
+              <a:t>(Mississippi State)</a:t>
+            </a:r>
+          </a:p>
+          <a:p>
+            <a:r>
+              <a:rPr lang="en-US" altLang="ko-KR" dirty="0" err="1"/>
+              <a:t>Shihang</a:t>
+            </a:r>
+            <a:r>
+              <a:rPr lang="en-US" altLang="ko-KR" dirty="0"/>
+              <a:t> Shen (</a:t>
+            </a:r>
+            <a:r>
+              <a:rPr lang="en-US" altLang="ko-KR" dirty="0" err="1"/>
               <a:t>Juelich</a:t>
             </a:r>
             <a:r>
               <a:rPr lang="en-US" altLang="ko-KR" dirty="0"/>
               <a:t>)</a:t>
             </a:r>
-            <a:endParaRPr lang="en-US" altLang="ko-KR" dirty="0" smtClean="0"/>
-          </a:p>
-          <a:p>
-            <a:r>
-              <a:rPr lang="en-US" altLang="ko-KR" dirty="0" err="1" smtClean="0"/>
-              <a:t>Gautam</a:t>
-            </a:r>
-            <a:r>
-              <a:rPr lang="en-US" altLang="ko-KR" dirty="0" smtClean="0"/>
+          </a:p>
+          <a:p>
+            <a:r>
+              <a:rPr lang="en-US" altLang="ko-KR" dirty="0" err="1"/>
+              <a:t>Gianluca</a:t>
+            </a:r>
+            <a:r>
+              <a:rPr lang="en-US" altLang="ko-KR" dirty="0"/>
               <a:t> </a:t>
             </a:r>
             <a:r>
-              <a:rPr lang="en-US" altLang="ko-KR" dirty="0" err="1" smtClean="0"/>
-              <a:t>Rupak</a:t>
-            </a:r>
-            <a:r>
-              <a:rPr lang="en-US" altLang="ko-KR" dirty="0" smtClean="0"/>
-              <a:t>(</a:t>
+              <a:rPr lang="en-US" altLang="ko-KR" dirty="0" err="1"/>
+              <a:t>Stellin</a:t>
             </a:r>
             <a:r>
               <a:rPr lang="en-US" altLang="ko-KR" dirty="0"/>
-              <a:t>Mississippi </a:t>
-            </a:r>
-            <a:r>
-              <a:rPr lang="en-US" altLang="ko-KR" dirty="0" smtClean="0"/>
-              <a:t>State)</a:t>
-            </a:r>
-          </a:p>
-          <a:p>
-            <a:r>
-              <a:rPr lang="en-US" altLang="ko-KR" dirty="0" err="1" smtClean="0"/>
-              <a:t>Shihang</a:t>
-            </a:r>
-            <a:r>
-              <a:rPr lang="en-US" altLang="ko-KR" dirty="0" smtClean="0"/>
-              <a:t> Shen</a:t>
+              <a:t>( CEA Paris-</a:t>
+            </a:r>
+            <a:r>
+              <a:rPr lang="en-US" altLang="ko-KR" dirty="0" err="1"/>
+              <a:t>Saclay</a:t>
             </a:r>
             <a:r>
               <a:rPr lang="en-US" altLang="ko-KR" dirty="0"/>
-              <a:t> (</a:t>
-            </a:r>
-            <a:r>
-              <a:rPr lang="en-US" altLang="ko-KR" dirty="0" err="1"/>
-              <a:t>Juelich</a:t>
-            </a:r>
-            <a:r>
-              <a:rPr lang="en-US" altLang="ko-KR" dirty="0"/>
-              <a:t>)</a:t>
-            </a:r>
-            <a:endParaRPr lang="en-US" altLang="ko-KR" dirty="0" smtClean="0"/>
-          </a:p>
-          <a:p>
-            <a:r>
-              <a:rPr lang="en-US" altLang="ko-KR" dirty="0" err="1" smtClean="0"/>
-              <a:t>Gianluca</a:t>
-            </a:r>
-            <a:r>
-              <a:rPr lang="en-US" altLang="ko-KR" dirty="0" smtClean="0"/>
-              <a:t> </a:t>
-            </a:r>
-            <a:r>
-              <a:rPr lang="en-US" altLang="ko-KR" dirty="0" err="1" smtClean="0"/>
-              <a:t>Stellin</a:t>
-            </a:r>
-            <a:r>
-              <a:rPr lang="en-US" altLang="ko-KR" dirty="0" smtClean="0"/>
-              <a:t>(</a:t>
-            </a:r>
-            <a:r>
-              <a:rPr lang="en-US" altLang="ko-KR" dirty="0"/>
-              <a:t> CEA </a:t>
-            </a:r>
-            <a:r>
-              <a:rPr lang="en-US" altLang="ko-KR" dirty="0" smtClean="0"/>
-              <a:t>Paris-</a:t>
-            </a:r>
-            <a:r>
-              <a:rPr lang="en-US" altLang="ko-KR" dirty="0" err="1" smtClean="0"/>
-              <a:t>Saclay</a:t>
-            </a:r>
-            <a:r>
-              <a:rPr lang="en-US" altLang="ko-KR" dirty="0" smtClean="0"/>
               <a:t>)</a:t>
             </a:r>
             <a:endParaRPr lang="ko-KR" altLang="en-US" dirty="0"/>
@@ -13102,17 +12859,245 @@
   <p:clrMapOvr>
     <a:masterClrMapping/>
   </p:clrMapOvr>
-  <p:timing>
-    <p:tnLst>
-      <p:par>
-        <p:cTn id="1" dur="indefinite" restart="never" nodeType="tmRoot"/>
-      </p:par>
-    </p:tnLst>
-  </p:timing>
 </p:sld>
 </file>
 
 <file path=ppt/slides/slide20.xml><?xml version="1.0" encoding="utf-8"?>
+<p:sld xmlns:a="http://schemas.openxmlformats.org/drawingml/2006/main" xmlns:r="http://schemas.openxmlformats.org/officeDocument/2006/relationships" xmlns:p="http://schemas.openxmlformats.org/presentationml/2006/main">
+  <p:cSld>
+    <p:spTree>
+      <p:nvGrpSpPr>
+        <p:cNvPr id="1" name=""/>
+        <p:cNvGrpSpPr/>
+        <p:nvPr/>
+      </p:nvGrpSpPr>
+      <p:grpSpPr>
+        <a:xfrm>
+          <a:off x="0" y="0"/>
+          <a:ext cx="0" cy="0"/>
+          <a:chOff x="0" y="0"/>
+          <a:chExt cx="0" cy="0"/>
+        </a:xfrm>
+      </p:grpSpPr>
+      <p:sp>
+        <p:nvSpPr>
+          <p:cNvPr id="2" name="제목 1"/>
+          <p:cNvSpPr>
+            <a:spLocks noGrp="1"/>
+          </p:cNvSpPr>
+          <p:nvPr>
+            <p:ph type="title"/>
+          </p:nvPr>
+        </p:nvSpPr>
+        <p:spPr/>
+        <p:txBody>
+          <a:bodyPr/>
+          <a:lstStyle/>
+          <a:p>
+            <a:r>
+              <a:rPr lang="en-US" dirty="0"/>
+              <a:t>Fermion amplitude</a:t>
+            </a:r>
+          </a:p>
+        </p:txBody>
+      </p:sp>
+      <p:pic>
+        <p:nvPicPr>
+          <p:cNvPr id="4" name="그림 3"/>
+          <p:cNvPicPr>
+            <a:picLocks noChangeAspect="1"/>
+          </p:cNvPicPr>
+          <p:nvPr/>
+        </p:nvPicPr>
+        <p:blipFill>
+          <a:blip r:embed="rId2"/>
+          <a:stretch>
+            <a:fillRect/>
+          </a:stretch>
+        </p:blipFill>
+        <p:spPr>
+          <a:xfrm>
+            <a:off x="495300" y="1592263"/>
+            <a:ext cx="2857500" cy="855000"/>
+          </a:xfrm>
+          <a:prstGeom prst="rect">
+            <a:avLst/>
+          </a:prstGeom>
+        </p:spPr>
+      </p:pic>
+      <p:pic>
+        <p:nvPicPr>
+          <p:cNvPr id="5" name="그림 4"/>
+          <p:cNvPicPr>
+            <a:picLocks noChangeAspect="1"/>
+          </p:cNvPicPr>
+          <p:nvPr/>
+        </p:nvPicPr>
+        <p:blipFill>
+          <a:blip r:embed="rId3"/>
+          <a:stretch>
+            <a:fillRect/>
+          </a:stretch>
+        </p:blipFill>
+        <p:spPr>
+          <a:xfrm>
+            <a:off x="3578224" y="1470141"/>
+            <a:ext cx="5187085" cy="947413"/>
+          </a:xfrm>
+          <a:prstGeom prst="rect">
+            <a:avLst/>
+          </a:prstGeom>
+        </p:spPr>
+      </p:pic>
+      <p:pic>
+        <p:nvPicPr>
+          <p:cNvPr id="6" name="그림 5"/>
+          <p:cNvPicPr>
+            <a:picLocks noChangeAspect="1"/>
+          </p:cNvPicPr>
+          <p:nvPr/>
+        </p:nvPicPr>
+        <p:blipFill>
+          <a:blip r:embed="rId4"/>
+          <a:stretch>
+            <a:fillRect/>
+          </a:stretch>
+        </p:blipFill>
+        <p:spPr>
+          <a:xfrm>
+            <a:off x="542913" y="2897938"/>
+            <a:ext cx="6445273" cy="1699156"/>
+          </a:xfrm>
+          <a:prstGeom prst="rect">
+            <a:avLst/>
+          </a:prstGeom>
+        </p:spPr>
+      </p:pic>
+      <p:sp>
+        <p:nvSpPr>
+          <p:cNvPr id="7" name="TextBox 6"/>
+          <p:cNvSpPr txBox="1"/>
+          <p:nvPr/>
+        </p:nvSpPr>
+        <p:spPr>
+          <a:xfrm>
+            <a:off x="495300" y="2515526"/>
+            <a:ext cx="6363565" cy="382412"/>
+          </a:xfrm>
+          <a:prstGeom prst="rect">
+            <a:avLst/>
+          </a:prstGeom>
+          <a:noFill/>
+        </p:spPr>
+        <p:txBody>
+          <a:bodyPr wrap="square" rtlCol="0">
+            <a:spAutoFit/>
+          </a:bodyPr>
+          <a:lstStyle/>
+          <a:p>
+            <a:r>
+              <a:rPr lang="en-US" dirty="0"/>
+              <a:t>Introduce extra index, but keeping anti-</a:t>
+            </a:r>
+            <a:r>
+              <a:rPr lang="en-US" dirty="0" err="1"/>
+              <a:t>symmetrization</a:t>
+            </a:r>
+            <a:endParaRPr lang="en-US" dirty="0"/>
+          </a:p>
+        </p:txBody>
+      </p:sp>
+      <p:pic>
+        <p:nvPicPr>
+          <p:cNvPr id="8" name="그림 7"/>
+          <p:cNvPicPr>
+            <a:picLocks noChangeAspect="1"/>
+          </p:cNvPicPr>
+          <p:nvPr/>
+        </p:nvPicPr>
+        <p:blipFill>
+          <a:blip r:embed="rId5"/>
+          <a:stretch>
+            <a:fillRect/>
+          </a:stretch>
+        </p:blipFill>
+        <p:spPr>
+          <a:xfrm>
+            <a:off x="542913" y="5077478"/>
+            <a:ext cx="7352145" cy="858592"/>
+          </a:xfrm>
+          <a:prstGeom prst="rect">
+            <a:avLst/>
+          </a:prstGeom>
+        </p:spPr>
+      </p:pic>
+      <p:sp>
+        <p:nvSpPr>
+          <p:cNvPr id="9" name="TextBox 8"/>
+          <p:cNvSpPr txBox="1"/>
+          <p:nvPr/>
+        </p:nvSpPr>
+        <p:spPr>
+          <a:xfrm>
+            <a:off x="542913" y="4695066"/>
+            <a:ext cx="3764813" cy="382412"/>
+          </a:xfrm>
+          <a:prstGeom prst="rect">
+            <a:avLst/>
+          </a:prstGeom>
+          <a:noFill/>
+        </p:spPr>
+        <p:txBody>
+          <a:bodyPr wrap="none" rtlCol="0">
+            <a:spAutoFit/>
+          </a:bodyPr>
+          <a:lstStyle/>
+          <a:p>
+            <a:r>
+              <a:rPr lang="en-US" dirty="0"/>
+              <a:t>Transfer matrix can be written as </a:t>
+            </a:r>
+          </a:p>
+        </p:txBody>
+      </p:sp>
+      <p:pic>
+        <p:nvPicPr>
+          <p:cNvPr id="10" name="그림 9"/>
+          <p:cNvPicPr>
+            <a:picLocks noChangeAspect="1"/>
+          </p:cNvPicPr>
+          <p:nvPr/>
+        </p:nvPicPr>
+        <p:blipFill>
+          <a:blip r:embed="rId6"/>
+          <a:stretch>
+            <a:fillRect/>
+          </a:stretch>
+        </p:blipFill>
+        <p:spPr>
+          <a:xfrm>
+            <a:off x="542913" y="5851692"/>
+            <a:ext cx="7163800" cy="933580"/>
+          </a:xfrm>
+          <a:prstGeom prst="rect">
+            <a:avLst/>
+          </a:prstGeom>
+        </p:spPr>
+      </p:pic>
+    </p:spTree>
+    <p:extLst>
+      <p:ext uri="{BB962C8B-B14F-4D97-AF65-F5344CB8AC3E}">
+        <p14:creationId xmlns:p14="http://schemas.microsoft.com/office/powerpoint/2010/main" val="2269912624"/>
+      </p:ext>
+    </p:extLst>
+  </p:cSld>
+  <p:clrMapOvr>
+    <a:masterClrMapping/>
+  </p:clrMapOvr>
+</p:sld>
+</file>
+
+<file path=ppt/slides/slide21.xml><?xml version="1.0" encoding="utf-8"?>
 <p:sld xmlns:a="http://schemas.openxmlformats.org/drawingml/2006/main" xmlns:r="http://schemas.openxmlformats.org/officeDocument/2006/relationships" xmlns:p="http://schemas.openxmlformats.org/presentationml/2006/main">
   <p:cSld>
     <p:spTree>
@@ -13231,17 +13216,10 @@
   <p:clrMapOvr>
     <a:masterClrMapping/>
   </p:clrMapOvr>
-  <p:timing>
-    <p:tnLst>
-      <p:par>
-        <p:cTn id="1" dur="indefinite" restart="never" nodeType="tmRoot"/>
-      </p:par>
-    </p:tnLst>
-  </p:timing>
 </p:sld>
 </file>
 
-<file path=ppt/slides/slide21.xml><?xml version="1.0" encoding="utf-8"?>
+<file path=ppt/slides/slide22.xml><?xml version="1.0" encoding="utf-8"?>
 <p:sld xmlns:a="http://schemas.openxmlformats.org/drawingml/2006/main" xmlns:r="http://schemas.openxmlformats.org/officeDocument/2006/relationships" xmlns:p="http://schemas.openxmlformats.org/presentationml/2006/main">
   <p:cSld>
     <p:spTree>
@@ -13276,7 +13254,7 @@
           <a:lstStyle/>
           <a:p>
             <a:r>
-              <a:rPr lang="en-US" altLang="ko-KR" dirty="0" smtClean="0"/>
+              <a:rPr lang="en-US" altLang="ko-KR" dirty="0"/>
               <a:t>Low energy constants in lattice EFT</a:t>
             </a:r>
             <a:endParaRPr lang="ko-KR" altLang="en-US" dirty="0"/>
@@ -13299,36 +13277,31 @@
           <a:lstStyle/>
           <a:p>
             <a:r>
-              <a:rPr lang="en-US" altLang="ko-KR" dirty="0" smtClean="0"/>
+              <a:rPr lang="en-US" altLang="ko-KR" dirty="0"/>
               <a:t>All LECs(parameters in the Hamiltonian) are fixed in A&lt;=3</a:t>
             </a:r>
           </a:p>
           <a:p>
             <a:r>
               <a:rPr lang="en-US" altLang="ko-KR" dirty="0"/>
-              <a:t> </a:t>
-            </a:r>
-            <a:r>
-              <a:rPr lang="en-US" altLang="ko-KR" dirty="0" smtClean="0"/>
-              <a:t>(They have to be fixed for given lattice regularization)</a:t>
-            </a:r>
-          </a:p>
-          <a:p>
-            <a:r>
-              <a:rPr lang="en-US" altLang="ko-KR" dirty="0" smtClean="0"/>
+              <a:t> (They have to be fixed for given lattice regularization)</a:t>
+            </a:r>
+          </a:p>
+          <a:p>
+            <a:r>
+              <a:rPr lang="en-US" altLang="ko-KR" dirty="0"/>
               <a:t>N-P scattering phase shifts, Deuteron binding energy</a:t>
             </a:r>
           </a:p>
           <a:p>
             <a:r>
-              <a:rPr lang="en-US" altLang="ko-KR" dirty="0" smtClean="0"/>
+              <a:rPr lang="en-US" altLang="ko-KR" dirty="0"/>
               <a:t>Triton binding energy, Triton beta decay.</a:t>
             </a:r>
-            <a:endParaRPr lang="en-US" altLang="ko-KR" dirty="0"/>
-          </a:p>
-          <a:p>
-            <a:r>
-              <a:rPr lang="en-US" altLang="ko-KR" dirty="0" smtClean="0"/>
+          </a:p>
+          <a:p>
+            <a:r>
+              <a:rPr lang="en-US" altLang="ko-KR" dirty="0"/>
               <a:t>Scattering phase shifts on the Lattice: Wall method. </a:t>
             </a:r>
           </a:p>
@@ -13398,17 +13371,10 @@
   <p:clrMapOvr>
     <a:masterClrMapping/>
   </p:clrMapOvr>
-  <p:timing>
-    <p:tnLst>
-      <p:par>
-        <p:cTn id="1" dur="indefinite" restart="never" nodeType="tmRoot"/>
-      </p:par>
-    </p:tnLst>
-  </p:timing>
 </p:sld>
 </file>
 
-<file path=ppt/slides/slide22.xml><?xml version="1.0" encoding="utf-8"?>
+<file path=ppt/slides/slide23.xml><?xml version="1.0" encoding="utf-8"?>
 <p:sld xmlns:a="http://schemas.openxmlformats.org/drawingml/2006/main" xmlns:r="http://schemas.openxmlformats.org/officeDocument/2006/relationships" xmlns:p="http://schemas.openxmlformats.org/presentationml/2006/main">
   <p:cSld>
     <p:spTree>
@@ -13492,7 +13458,7 @@
 </p:sld>
 </file>
 
-<file path=ppt/slides/slide23.xml><?xml version="1.0" encoding="utf-8"?>
+<file path=ppt/slides/slide24.xml><?xml version="1.0" encoding="utf-8"?>
 <p:sld xmlns:a="http://schemas.openxmlformats.org/drawingml/2006/main" xmlns:r="http://schemas.openxmlformats.org/officeDocument/2006/relationships" xmlns:p="http://schemas.openxmlformats.org/presentationml/2006/main">
   <p:cSld>
     <p:spTree>
@@ -13546,7 +13512,7 @@
 </p:sld>
 </file>
 
-<file path=ppt/slides/slide24.xml><?xml version="1.0" encoding="utf-8"?>
+<file path=ppt/slides/slide25.xml><?xml version="1.0" encoding="utf-8"?>
 <p:sld xmlns:a="http://schemas.openxmlformats.org/drawingml/2006/main" xmlns:r="http://schemas.openxmlformats.org/officeDocument/2006/relationships" xmlns:p="http://schemas.openxmlformats.org/presentationml/2006/main">
   <p:cSld>
     <p:spTree>
@@ -13579,7 +13545,7 @@
           <a:lstStyle/>
           <a:p>
             <a:r>
-              <a:rPr lang="en-US" altLang="ko-KR" dirty="0" smtClean="0"/>
+              <a:rPr lang="en-US" altLang="ko-KR" dirty="0"/>
               <a:t>Applications of NLEFT</a:t>
             </a:r>
             <a:endParaRPr lang="ko-KR" altLang="en-US" dirty="0"/>
@@ -13604,35 +13570,35 @@
           <a:lstStyle/>
           <a:p>
             <a:r>
-              <a:rPr lang="en-US" altLang="ko-KR" dirty="0" smtClean="0"/>
+              <a:rPr lang="en-US" altLang="ko-KR" dirty="0"/>
               <a:t>Has been successfully applied to </a:t>
             </a:r>
           </a:p>
           <a:p>
             <a:pPr lvl="1"/>
             <a:r>
-              <a:rPr lang="en-US" altLang="ko-KR" dirty="0" smtClean="0"/>
+              <a:rPr lang="en-US" altLang="ko-KR" dirty="0"/>
               <a:t>Nuclear matter, Cold atom, dilute fermion system</a:t>
             </a:r>
           </a:p>
           <a:p>
             <a:pPr lvl="1"/>
             <a:r>
-              <a:rPr lang="en-US" altLang="ko-KR" dirty="0" smtClean="0"/>
+              <a:rPr lang="en-US" altLang="ko-KR" dirty="0"/>
               <a:t>Finite nuclei (A&lt;=50) </a:t>
             </a:r>
           </a:p>
           <a:p>
             <a:pPr lvl="1"/>
             <a:r>
-              <a:rPr lang="en-US" altLang="ko-KR" dirty="0" smtClean="0"/>
+              <a:rPr lang="en-US" altLang="ko-KR" dirty="0"/>
               <a:t>First ab-initio calculation of Hoyle state</a:t>
             </a:r>
           </a:p>
           <a:p>
             <a:pPr lvl="1"/>
             <a:r>
-              <a:rPr lang="en-US" altLang="ko-KR" dirty="0" smtClean="0"/>
+              <a:rPr lang="en-US" altLang="ko-KR" dirty="0"/>
               <a:t>Cluster structure of </a:t>
             </a:r>
             <a:r>
@@ -13641,46 +13607,42 @@
             </a:r>
             <a:r>
               <a:rPr lang="en-US" altLang="ko-KR" dirty="0"/>
-              <a:t>C </a:t>
-            </a:r>
-            <a:r>
-              <a:rPr lang="en-US" altLang="ko-KR" dirty="0" smtClean="0"/>
-              <a:t>and </a:t>
-            </a:r>
-            <a:r>
-              <a:rPr lang="en-US" altLang="ko-KR" baseline="30000" dirty="0" smtClean="0"/>
+              <a:t>C and </a:t>
+            </a:r>
+            <a:r>
+              <a:rPr lang="en-US" altLang="ko-KR" baseline="30000" dirty="0"/>
               <a:t>16</a:t>
             </a:r>
             <a:r>
-              <a:rPr lang="en-US" altLang="ko-KR" dirty="0" smtClean="0"/>
+              <a:rPr lang="en-US" altLang="ko-KR" dirty="0"/>
               <a:t>O</a:t>
             </a:r>
           </a:p>
           <a:p>
             <a:pPr lvl="1"/>
             <a:r>
-              <a:rPr lang="en-US" altLang="ko-KR" dirty="0" smtClean="0"/>
+              <a:rPr lang="en-US" altLang="ko-KR" dirty="0"/>
               <a:t>NN scattering, N-D scattering</a:t>
             </a:r>
           </a:p>
           <a:p>
             <a:pPr lvl="1"/>
             <a:r>
-              <a:rPr lang="en-US" altLang="ko-KR" dirty="0" smtClean="0"/>
+              <a:rPr lang="en-US" altLang="ko-KR" dirty="0"/>
               <a:t>Alpha-alpha scattering</a:t>
             </a:r>
           </a:p>
           <a:p>
             <a:pPr lvl="1"/>
             <a:r>
-              <a:rPr lang="en-US" altLang="ko-KR" dirty="0" smtClean="0"/>
+              <a:rPr lang="en-US" altLang="ko-KR" dirty="0"/>
               <a:t>radiative capture, fusion </a:t>
             </a:r>
           </a:p>
           <a:p>
             <a:pPr lvl="1"/>
             <a:r>
-              <a:rPr lang="en-US" altLang="ko-KR" dirty="0" smtClean="0"/>
+              <a:rPr lang="en-US" altLang="ko-KR" dirty="0"/>
               <a:t>Etc. </a:t>
             </a:r>
             <a:endParaRPr lang="ko-KR" altLang="en-US" dirty="0"/>
@@ -13841,17 +13803,10 @@
   <p:clrMapOvr>
     <a:masterClrMapping/>
   </p:clrMapOvr>
-  <p:timing>
-    <p:tnLst>
-      <p:par>
-        <p:cTn id="1" dur="indefinite" restart="never" nodeType="tmRoot"/>
-      </p:par>
-    </p:tnLst>
-  </p:timing>
 </p:sld>
 </file>
 
-<file path=ppt/slides/slide25.xml><?xml version="1.0" encoding="utf-8"?>
+<file path=ppt/slides/slide26.xml><?xml version="1.0" encoding="utf-8"?>
 <p:sld xmlns:a="http://schemas.openxmlformats.org/drawingml/2006/main" xmlns:r="http://schemas.openxmlformats.org/officeDocument/2006/relationships" xmlns:p="http://schemas.openxmlformats.org/presentationml/2006/main">
   <p:cSld>
     <p:spTree>
@@ -13987,7 +13942,7 @@
           <a:lstStyle/>
           <a:p>
             <a:r>
-              <a:rPr lang="en-US" altLang="ko-KR" dirty="0" smtClean="0"/>
+              <a:rPr lang="en-US" altLang="ko-KR" dirty="0"/>
               <a:t>Only Four parameters</a:t>
             </a:r>
             <a:endParaRPr lang="ko-KR" altLang="en-US" dirty="0"/>
@@ -14041,13 +13996,13 @@
           <a:lstStyle/>
           <a:p>
             <a:r>
-              <a:rPr lang="en-US" altLang="ko-KR" sz="1600" dirty="0" smtClean="0"/>
+              <a:rPr lang="en-US" altLang="ko-KR" sz="1600" dirty="0"/>
               <a:t>Minimal nuclear interaction</a:t>
             </a:r>
           </a:p>
           <a:p>
             <a:r>
-              <a:rPr lang="en-US" altLang="ko-KR" sz="1600" dirty="0" smtClean="0"/>
+              <a:rPr lang="en-US" altLang="ko-KR" sz="1600" dirty="0"/>
               <a:t>Which reproduce  </a:t>
             </a:r>
           </a:p>
@@ -14056,7 +14011,7 @@
               <a:buAutoNum type="arabicParenBoth"/>
             </a:pPr>
             <a:r>
-              <a:rPr lang="en-US" altLang="ko-KR" sz="1600" dirty="0" smtClean="0"/>
+              <a:rPr lang="en-US" altLang="ko-KR" sz="1600" dirty="0"/>
               <a:t>Light nuclei</a:t>
             </a:r>
           </a:p>
@@ -14065,7 +14020,7 @@
               <a:buAutoNum type="arabicParenBoth"/>
             </a:pPr>
             <a:r>
-              <a:rPr lang="en-US" altLang="ko-KR" sz="1600" dirty="0" smtClean="0"/>
+              <a:rPr lang="en-US" altLang="ko-KR" sz="1600" dirty="0"/>
               <a:t>medium mass nuclei</a:t>
             </a:r>
           </a:p>
@@ -14074,16 +14029,15 @@
               <a:buAutoNum type="arabicParenBoth"/>
             </a:pPr>
             <a:r>
-              <a:rPr lang="en-US" altLang="ko-KR" sz="1600" dirty="0" smtClean="0"/>
+              <a:rPr lang="en-US" altLang="ko-KR" sz="1600" dirty="0"/>
               <a:t>neutron matter </a:t>
             </a:r>
           </a:p>
           <a:p>
             <a:r>
-              <a:rPr lang="en-US" altLang="ko-KR" sz="1600" dirty="0" smtClean="0"/>
+              <a:rPr lang="en-US" altLang="ko-KR" sz="1600" dirty="0"/>
               <a:t>simultaneously up to few percent error in binding energy and charge radius</a:t>
             </a:r>
-            <a:endParaRPr lang="en-US" altLang="ko-KR" sz="1600" dirty="0"/>
           </a:p>
           <a:p>
             <a:endParaRPr lang="ko-KR" altLang="en-US" sz="1600" dirty="0"/>
@@ -14100,17 +14054,10 @@
   <p:clrMapOvr>
     <a:masterClrMapping/>
   </p:clrMapOvr>
-  <p:timing>
-    <p:tnLst>
-      <p:par>
-        <p:cTn id="1" dur="indefinite" restart="never" nodeType="tmRoot"/>
-      </p:par>
-    </p:tnLst>
-  </p:timing>
 </p:sld>
 </file>
 
-<file path=ppt/slides/slide26.xml><?xml version="1.0" encoding="utf-8"?>
+<file path=ppt/slides/slide27.xml><?xml version="1.0" encoding="utf-8"?>
 <p:sld xmlns:a="http://schemas.openxmlformats.org/drawingml/2006/main" xmlns:r="http://schemas.openxmlformats.org/officeDocument/2006/relationships" xmlns:p="http://schemas.openxmlformats.org/presentationml/2006/main">
   <p:cSld>
     <p:spTree>
@@ -14174,13 +14121,13 @@
           <a:lstStyle/>
           <a:p>
             <a:r>
-              <a:rPr lang="en-US" altLang="ko-KR" dirty="0" smtClean="0"/>
+              <a:rPr lang="en-US" altLang="ko-KR" dirty="0"/>
               <a:t>Can we improve the agreement by </a:t>
             </a:r>
           </a:p>
           <a:p>
             <a:r>
-              <a:rPr lang="en-US" altLang="ko-KR" dirty="0" smtClean="0"/>
+              <a:rPr lang="en-US" altLang="ko-KR" dirty="0"/>
               <a:t>Including higher order corrections? </a:t>
             </a:r>
             <a:endParaRPr lang="ko-KR" altLang="en-US" dirty="0"/>
@@ -14221,152 +14168,6 @@
   <p:clrMapOvr>
     <a:masterClrMapping/>
   </p:clrMapOvr>
-  <p:timing>
-    <p:tnLst>
-      <p:par>
-        <p:cTn id="1" dur="indefinite" restart="never" nodeType="tmRoot"/>
-      </p:par>
-    </p:tnLst>
-  </p:timing>
-</p:sld>
-</file>
-
-<file path=ppt/slides/slide27.xml><?xml version="1.0" encoding="utf-8"?>
-<p:sld xmlns:a="http://schemas.openxmlformats.org/drawingml/2006/main" xmlns:r="http://schemas.openxmlformats.org/officeDocument/2006/relationships" xmlns:p="http://schemas.openxmlformats.org/presentationml/2006/main">
-  <p:cSld>
-    <p:spTree>
-      <p:nvGrpSpPr>
-        <p:cNvPr id="1" name=""/>
-        <p:cNvGrpSpPr/>
-        <p:nvPr/>
-      </p:nvGrpSpPr>
-      <p:grpSpPr>
-        <a:xfrm>
-          <a:off x="0" y="0"/>
-          <a:ext cx="0" cy="0"/>
-          <a:chOff x="0" y="0"/>
-          <a:chExt cx="0" cy="0"/>
-        </a:xfrm>
-      </p:grpSpPr>
-      <p:sp>
-        <p:nvSpPr>
-          <p:cNvPr id="2" name="제목 1"/>
-          <p:cNvSpPr>
-            <a:spLocks noGrp="1"/>
-          </p:cNvSpPr>
-          <p:nvPr>
-            <p:ph type="title"/>
-          </p:nvPr>
-        </p:nvSpPr>
-        <p:spPr/>
-        <p:txBody>
-          <a:bodyPr/>
-          <a:lstStyle/>
-          <a:p>
-            <a:r>
-              <a:rPr lang="en-US" altLang="ko-KR" dirty="0" smtClean="0"/>
-              <a:t>BE/A from WFM</a:t>
-            </a:r>
-            <a:endParaRPr lang="ko-KR" altLang="en-US" dirty="0"/>
-          </a:p>
-        </p:txBody>
-      </p:sp>
-      <p:pic>
-        <p:nvPicPr>
-          <p:cNvPr id="3" name="그림 2"/>
-          <p:cNvPicPr>
-            <a:picLocks noChangeAspect="1"/>
-          </p:cNvPicPr>
-          <p:nvPr/>
-        </p:nvPicPr>
-        <p:blipFill>
-          <a:blip r:embed="rId2"/>
-          <a:stretch>
-            <a:fillRect/>
-          </a:stretch>
-        </p:blipFill>
-        <p:spPr>
-          <a:xfrm>
-            <a:off x="1095665" y="1694822"/>
-            <a:ext cx="7438736" cy="3812585"/>
-          </a:xfrm>
-          <a:prstGeom prst="rect">
-            <a:avLst/>
-          </a:prstGeom>
-        </p:spPr>
-      </p:pic>
-      <p:sp>
-        <p:nvSpPr>
-          <p:cNvPr id="5" name="직사각형 4"/>
-          <p:cNvSpPr/>
-          <p:nvPr/>
-        </p:nvSpPr>
-        <p:spPr>
-          <a:xfrm>
-            <a:off x="7136303" y="5559721"/>
-            <a:ext cx="2654243" cy="646331"/>
-          </a:xfrm>
-          <a:prstGeom prst="rect">
-            <a:avLst/>
-          </a:prstGeom>
-          <a:noFill/>
-        </p:spPr>
-        <p:txBody>
-          <a:bodyPr wrap="square" lIns="91440" tIns="45720" rIns="91440" bIns="45720">
-            <a:spAutoFit/>
-          </a:bodyPr>
-          <a:lstStyle/>
-          <a:p>
-            <a:pPr algn="ctr"/>
-            <a:r>
-              <a:rPr lang="en-US" altLang="ko-KR" sz="3600" b="0" cap="none" spc="0" dirty="0" smtClean="0">
-                <a:ln w="0"/>
-                <a:solidFill>
-                  <a:srgbClr val="FF0000"/>
-                </a:solidFill>
-                <a:effectLst>
-                  <a:outerShdw blurRad="38100" dist="19050" dir="2700000" algn="tl" rotWithShape="0">
-                    <a:schemeClr val="dk1">
-                      <a:alpha val="40000"/>
-                    </a:schemeClr>
-                  </a:outerShdw>
-                </a:effectLst>
-              </a:rPr>
-              <a:t>Preliminary</a:t>
-            </a:r>
-            <a:endParaRPr lang="en-US" altLang="ko-KR" sz="3600" b="0" cap="none" spc="0" dirty="0">
-              <a:ln w="0"/>
-              <a:solidFill>
-                <a:srgbClr val="FF0000"/>
-              </a:solidFill>
-              <a:effectLst>
-                <a:outerShdw blurRad="38100" dist="19050" dir="2700000" algn="tl" rotWithShape="0">
-                  <a:schemeClr val="dk1">
-                    <a:alpha val="40000"/>
-                  </a:schemeClr>
-                </a:outerShdw>
-              </a:effectLst>
-            </a:endParaRPr>
-          </a:p>
-        </p:txBody>
-      </p:sp>
-    </p:spTree>
-    <p:extLst>
-      <p:ext uri="{BB962C8B-B14F-4D97-AF65-F5344CB8AC3E}">
-        <p14:creationId xmlns:p14="http://schemas.microsoft.com/office/powerpoint/2010/main" val="1082437805"/>
-      </p:ext>
-    </p:extLst>
-  </p:cSld>
-  <p:clrMapOvr>
-    <a:masterClrMapping/>
-  </p:clrMapOvr>
-  <p:timing>
-    <p:tnLst>
-      <p:par>
-        <p:cTn id="1" dur="indefinite" restart="never" nodeType="tmRoot"/>
-      </p:par>
-    </p:tnLst>
-  </p:timing>
 </p:sld>
 </file>
 
@@ -14403,8 +14204,8 @@
           <a:lstStyle/>
           <a:p>
             <a:r>
-              <a:rPr lang="en-US" altLang="ko-KR" dirty="0" smtClean="0"/>
-              <a:t>Charge Radius</a:t>
+              <a:rPr lang="en-US" altLang="ko-KR" dirty="0"/>
+              <a:t>BE/A from WFM</a:t>
             </a:r>
             <a:endParaRPr lang="ko-KR" altLang="en-US" dirty="0"/>
           </a:p>
@@ -14426,8 +14227,8 @@
         </p:blipFill>
         <p:spPr>
           <a:xfrm>
-            <a:off x="572655" y="1705842"/>
-            <a:ext cx="8465358" cy="4321229"/>
+            <a:off x="1095665" y="1694822"/>
+            <a:ext cx="7438736" cy="3812585"/>
           </a:xfrm>
           <a:prstGeom prst="rect">
             <a:avLst/>
@@ -14436,13 +14237,13 @@
       </p:pic>
       <p:sp>
         <p:nvSpPr>
-          <p:cNvPr id="4" name="직사각형 3"/>
+          <p:cNvPr id="5" name="직사각형 4"/>
           <p:cNvSpPr/>
           <p:nvPr/>
         </p:nvSpPr>
         <p:spPr>
           <a:xfrm>
-            <a:off x="7136303" y="5986244"/>
+            <a:off x="7136303" y="5559721"/>
             <a:ext cx="2654243" cy="646331"/>
           </a:xfrm>
           <a:prstGeom prst="rect">
@@ -14458,7 +14259,7 @@
           <a:p>
             <a:pPr algn="ctr"/>
             <a:r>
-              <a:rPr lang="en-US" altLang="ko-KR" sz="3600" b="0" cap="none" spc="0" dirty="0" smtClean="0">
+              <a:rPr lang="en-US" altLang="ko-KR" sz="3600" b="0" cap="none" spc="0" dirty="0">
                 <a:ln w="0"/>
                 <a:solidFill>
                   <a:srgbClr val="FF0000"/>
@@ -14473,39 +14274,19 @@
               </a:rPr>
               <a:t>Preliminary</a:t>
             </a:r>
-            <a:endParaRPr lang="en-US" altLang="ko-KR" sz="3600" b="0" cap="none" spc="0" dirty="0">
-              <a:ln w="0"/>
-              <a:solidFill>
-                <a:srgbClr val="FF0000"/>
-              </a:solidFill>
-              <a:effectLst>
-                <a:outerShdw blurRad="38100" dist="19050" dir="2700000" algn="tl" rotWithShape="0">
-                  <a:schemeClr val="dk1">
-                    <a:alpha val="40000"/>
-                  </a:schemeClr>
-                </a:outerShdw>
-              </a:effectLst>
-            </a:endParaRPr>
           </a:p>
         </p:txBody>
       </p:sp>
     </p:spTree>
     <p:extLst>
       <p:ext uri="{BB962C8B-B14F-4D97-AF65-F5344CB8AC3E}">
-        <p14:creationId xmlns:p14="http://schemas.microsoft.com/office/powerpoint/2010/main" val="4111254820"/>
+        <p14:creationId xmlns:p14="http://schemas.microsoft.com/office/powerpoint/2010/main" val="1082437805"/>
       </p:ext>
     </p:extLst>
   </p:cSld>
   <p:clrMapOvr>
     <a:masterClrMapping/>
   </p:clrMapOvr>
-  <p:timing>
-    <p:tnLst>
-      <p:par>
-        <p:cTn id="1" dur="indefinite" restart="never" nodeType="tmRoot"/>
-      </p:par>
-    </p:tnLst>
-  </p:timing>
 </p:sld>
 </file>
 
@@ -14542,8 +14323,8 @@
           <a:lstStyle/>
           <a:p>
             <a:r>
-              <a:rPr lang="en-US" altLang="ko-KR" dirty="0" smtClean="0"/>
-              <a:t>Nuclear/Neutron Matter</a:t>
+              <a:rPr lang="en-US" altLang="ko-KR" dirty="0"/>
+              <a:t>Charge Radius</a:t>
             </a:r>
             <a:endParaRPr lang="ko-KR" altLang="en-US" dirty="0"/>
           </a:p>
@@ -14565,8 +14346,8 @@
         </p:blipFill>
         <p:spPr>
           <a:xfrm>
-            <a:off x="580002" y="1784668"/>
-            <a:ext cx="5227074" cy="4427431"/>
+            <a:off x="572655" y="1705842"/>
+            <a:ext cx="8465358" cy="4321229"/>
           </a:xfrm>
           <a:prstGeom prst="rect">
             <a:avLst/>
@@ -14575,14 +14356,14 @@
       </p:pic>
       <p:sp>
         <p:nvSpPr>
-          <p:cNvPr id="4" name="TextBox 3"/>
-          <p:cNvSpPr txBox="1"/>
+          <p:cNvPr id="4" name="직사각형 3"/>
+          <p:cNvSpPr/>
           <p:nvPr/>
         </p:nvSpPr>
         <p:spPr>
           <a:xfrm>
-            <a:off x="6354618" y="1948873"/>
-            <a:ext cx="2846532" cy="2122889"/>
+            <a:off x="7136303" y="5986244"/>
+            <a:ext cx="2654243" cy="646331"/>
           </a:xfrm>
           <a:prstGeom prst="rect">
             <a:avLst/>
@@ -14590,69 +14371,6 @@
           <a:noFill/>
         </p:spPr>
         <p:txBody>
-          <a:bodyPr wrap="square" rtlCol="0">
-            <a:spAutoFit/>
-          </a:bodyPr>
-          <a:lstStyle/>
-          <a:p>
-            <a:r>
-              <a:rPr lang="en-US" altLang="ko-KR" dirty="0" smtClean="0"/>
-              <a:t>Neutron matter: </a:t>
-            </a:r>
-          </a:p>
-          <a:p>
-            <a:r>
-              <a:rPr lang="en-US" altLang="ko-KR" dirty="0" smtClean="0"/>
-              <a:t>A=4~80</a:t>
-            </a:r>
-          </a:p>
-          <a:p>
-            <a:r>
-              <a:rPr lang="en-US" altLang="ko-KR" dirty="0" smtClean="0"/>
-              <a:t>box size 6.6 ~ 13.2  fm. </a:t>
-            </a:r>
-          </a:p>
-          <a:p>
-            <a:endParaRPr lang="en-US" altLang="ko-KR" dirty="0" smtClean="0"/>
-          </a:p>
-          <a:p>
-            <a:r>
-              <a:rPr lang="en-US" altLang="ko-KR" dirty="0" smtClean="0"/>
-              <a:t>Nuclear matter:</a:t>
-            </a:r>
-          </a:p>
-          <a:p>
-            <a:r>
-              <a:rPr lang="en-US" altLang="ko-KR" dirty="0" smtClean="0"/>
-              <a:t>A=4 ~ 160</a:t>
-            </a:r>
-          </a:p>
-          <a:p>
-            <a:r>
-              <a:rPr lang="en-US" altLang="ko-KR" dirty="0" smtClean="0"/>
-              <a:t>Box size 7.92~9.24 fm. </a:t>
-            </a:r>
-            <a:endParaRPr lang="ko-KR" altLang="en-US" dirty="0"/>
-          </a:p>
-        </p:txBody>
-      </p:sp>
-      <p:sp>
-        <p:nvSpPr>
-          <p:cNvPr id="5" name="직사각형 4"/>
-          <p:cNvSpPr/>
-          <p:nvPr/>
-        </p:nvSpPr>
-        <p:spPr>
-          <a:xfrm>
-            <a:off x="7136303" y="5559721"/>
-            <a:ext cx="2654243" cy="646331"/>
-          </a:xfrm>
-          <a:prstGeom prst="rect">
-            <a:avLst/>
-          </a:prstGeom>
-          <a:noFill/>
-        </p:spPr>
-        <p:txBody>
           <a:bodyPr wrap="square" lIns="91440" tIns="45720" rIns="91440" bIns="45720">
             <a:spAutoFit/>
           </a:bodyPr>
@@ -14660,7 +14378,7 @@
           <a:p>
             <a:pPr algn="ctr"/>
             <a:r>
-              <a:rPr lang="en-US" altLang="ko-KR" sz="3600" b="0" cap="none" spc="0" dirty="0" smtClean="0">
+              <a:rPr lang="en-US" altLang="ko-KR" sz="3600" b="0" cap="none" spc="0" dirty="0">
                 <a:ln w="0"/>
                 <a:solidFill>
                   <a:srgbClr val="FF0000"/>
@@ -14675,39 +14393,19 @@
               </a:rPr>
               <a:t>Preliminary</a:t>
             </a:r>
-            <a:endParaRPr lang="en-US" altLang="ko-KR" sz="3600" b="0" cap="none" spc="0" dirty="0">
-              <a:ln w="0"/>
-              <a:solidFill>
-                <a:srgbClr val="FF0000"/>
-              </a:solidFill>
-              <a:effectLst>
-                <a:outerShdw blurRad="38100" dist="19050" dir="2700000" algn="tl" rotWithShape="0">
-                  <a:schemeClr val="dk1">
-                    <a:alpha val="40000"/>
-                  </a:schemeClr>
-                </a:outerShdw>
-              </a:effectLst>
-            </a:endParaRPr>
           </a:p>
         </p:txBody>
       </p:sp>
     </p:spTree>
     <p:extLst>
       <p:ext uri="{BB962C8B-B14F-4D97-AF65-F5344CB8AC3E}">
-        <p14:creationId xmlns:p14="http://schemas.microsoft.com/office/powerpoint/2010/main" val="994957564"/>
+        <p14:creationId xmlns:p14="http://schemas.microsoft.com/office/powerpoint/2010/main" val="4111254820"/>
       </p:ext>
     </p:extLst>
   </p:cSld>
   <p:clrMapOvr>
     <a:masterClrMapping/>
   </p:clrMapOvr>
-  <p:timing>
-    <p:tnLst>
-      <p:par>
-        <p:cTn id="1" dur="indefinite" restart="never" nodeType="tmRoot"/>
-      </p:par>
-    </p:tnLst>
-  </p:timing>
 </p:sld>
 </file>
 
@@ -14870,13 +14568,6 @@
   <p:clrMapOvr>
     <a:masterClrMapping/>
   </p:clrMapOvr>
-  <p:timing>
-    <p:tnLst>
-      <p:par>
-        <p:cTn id="1" dur="indefinite" restart="never" nodeType="tmRoot"/>
-      </p:par>
-    </p:tnLst>
-  </p:timing>
 </p:sld>
 </file>
 
@@ -14913,16 +14604,16 @@
           <a:lstStyle/>
           <a:p>
             <a:r>
-              <a:rPr lang="en-US" dirty="0" smtClean="0"/>
-              <a:t>Carbon isotopes</a:t>
-            </a:r>
-            <a:endParaRPr lang="en-US" dirty="0"/>
+              <a:rPr lang="en-US" altLang="ko-KR" dirty="0"/>
+              <a:t>Nuclear/Neutron Matter</a:t>
+            </a:r>
+            <a:endParaRPr lang="ko-KR" altLang="en-US" dirty="0"/>
           </a:p>
         </p:txBody>
       </p:sp>
       <p:pic>
         <p:nvPicPr>
-          <p:cNvPr id="7" name="그림 6"/>
+          <p:cNvPr id="3" name="그림 2"/>
           <p:cNvPicPr>
             <a:picLocks noChangeAspect="1"/>
           </p:cNvPicPr>
@@ -14936,18 +14627,123 @@
         </p:blipFill>
         <p:spPr>
           <a:xfrm>
-            <a:off x="1155570" y="1880324"/>
-            <a:ext cx="7170970" cy="3853726"/>
+            <a:off x="580002" y="1784668"/>
+            <a:ext cx="5227074" cy="4427431"/>
           </a:xfrm>
           <a:prstGeom prst="rect">
             <a:avLst/>
           </a:prstGeom>
         </p:spPr>
       </p:pic>
+      <p:sp>
+        <p:nvSpPr>
+          <p:cNvPr id="4" name="TextBox 3"/>
+          <p:cNvSpPr txBox="1"/>
+          <p:nvPr/>
+        </p:nvSpPr>
+        <p:spPr>
+          <a:xfrm>
+            <a:off x="6354618" y="1948873"/>
+            <a:ext cx="2846532" cy="2122889"/>
+          </a:xfrm>
+          <a:prstGeom prst="rect">
+            <a:avLst/>
+          </a:prstGeom>
+          <a:noFill/>
+        </p:spPr>
+        <p:txBody>
+          <a:bodyPr wrap="square" rtlCol="0">
+            <a:spAutoFit/>
+          </a:bodyPr>
+          <a:lstStyle/>
+          <a:p>
+            <a:r>
+              <a:rPr lang="en-US" altLang="ko-KR" dirty="0"/>
+              <a:t>Neutron matter: </a:t>
+            </a:r>
+          </a:p>
+          <a:p>
+            <a:r>
+              <a:rPr lang="en-US" altLang="ko-KR" dirty="0"/>
+              <a:t>A=4~80</a:t>
+            </a:r>
+          </a:p>
+          <a:p>
+            <a:r>
+              <a:rPr lang="en-US" altLang="ko-KR" dirty="0"/>
+              <a:t>box size 6.6 ~ 13.2  fm. </a:t>
+            </a:r>
+          </a:p>
+          <a:p>
+            <a:endParaRPr lang="en-US" altLang="ko-KR" dirty="0"/>
+          </a:p>
+          <a:p>
+            <a:r>
+              <a:rPr lang="en-US" altLang="ko-KR" dirty="0"/>
+              <a:t>Nuclear matter:</a:t>
+            </a:r>
+          </a:p>
+          <a:p>
+            <a:r>
+              <a:rPr lang="en-US" altLang="ko-KR" dirty="0"/>
+              <a:t>A=4 ~ 160</a:t>
+            </a:r>
+          </a:p>
+          <a:p>
+            <a:r>
+              <a:rPr lang="en-US" altLang="ko-KR" dirty="0"/>
+              <a:t>Box size 7.92~9.24 fm. </a:t>
+            </a:r>
+            <a:endParaRPr lang="ko-KR" altLang="en-US" dirty="0"/>
+          </a:p>
+        </p:txBody>
+      </p:sp>
+      <p:sp>
+        <p:nvSpPr>
+          <p:cNvPr id="5" name="직사각형 4"/>
+          <p:cNvSpPr/>
+          <p:nvPr/>
+        </p:nvSpPr>
+        <p:spPr>
+          <a:xfrm>
+            <a:off x="7136303" y="5559721"/>
+            <a:ext cx="2654243" cy="646331"/>
+          </a:xfrm>
+          <a:prstGeom prst="rect">
+            <a:avLst/>
+          </a:prstGeom>
+          <a:noFill/>
+        </p:spPr>
+        <p:txBody>
+          <a:bodyPr wrap="square" lIns="91440" tIns="45720" rIns="91440" bIns="45720">
+            <a:spAutoFit/>
+          </a:bodyPr>
+          <a:lstStyle/>
+          <a:p>
+            <a:pPr algn="ctr"/>
+            <a:r>
+              <a:rPr lang="en-US" altLang="ko-KR" sz="3600" b="0" cap="none" spc="0" dirty="0">
+                <a:ln w="0"/>
+                <a:solidFill>
+                  <a:srgbClr val="FF0000"/>
+                </a:solidFill>
+                <a:effectLst>
+                  <a:outerShdw blurRad="38100" dist="19050" dir="2700000" algn="tl" rotWithShape="0">
+                    <a:schemeClr val="dk1">
+                      <a:alpha val="40000"/>
+                    </a:schemeClr>
+                  </a:outerShdw>
+                </a:effectLst>
+              </a:rPr>
+              <a:t>Preliminary</a:t>
+            </a:r>
+          </a:p>
+        </p:txBody>
+      </p:sp>
     </p:spTree>
     <p:extLst>
       <p:ext uri="{BB962C8B-B14F-4D97-AF65-F5344CB8AC3E}">
-        <p14:creationId xmlns:p14="http://schemas.microsoft.com/office/powerpoint/2010/main" val="1670543705"/>
+        <p14:creationId xmlns:p14="http://schemas.microsoft.com/office/powerpoint/2010/main" val="994957564"/>
       </p:ext>
     </p:extLst>
   </p:cSld>
@@ -14990,7 +14786,83 @@
           <a:lstStyle/>
           <a:p>
             <a:r>
-              <a:rPr lang="en-US" altLang="ko-KR" dirty="0" smtClean="0"/>
+              <a:rPr lang="en-US" dirty="0"/>
+              <a:t>Carbon isotopes</a:t>
+            </a:r>
+          </a:p>
+        </p:txBody>
+      </p:sp>
+      <p:pic>
+        <p:nvPicPr>
+          <p:cNvPr id="7" name="그림 6"/>
+          <p:cNvPicPr>
+            <a:picLocks noChangeAspect="1"/>
+          </p:cNvPicPr>
+          <p:nvPr/>
+        </p:nvPicPr>
+        <p:blipFill>
+          <a:blip r:embed="rId2"/>
+          <a:stretch>
+            <a:fillRect/>
+          </a:stretch>
+        </p:blipFill>
+        <p:spPr>
+          <a:xfrm>
+            <a:off x="1155570" y="1880324"/>
+            <a:ext cx="7170970" cy="3853726"/>
+          </a:xfrm>
+          <a:prstGeom prst="rect">
+            <a:avLst/>
+          </a:prstGeom>
+        </p:spPr>
+      </p:pic>
+    </p:spTree>
+    <p:extLst>
+      <p:ext uri="{BB962C8B-B14F-4D97-AF65-F5344CB8AC3E}">
+        <p14:creationId xmlns:p14="http://schemas.microsoft.com/office/powerpoint/2010/main" val="1670543705"/>
+      </p:ext>
+    </p:extLst>
+  </p:cSld>
+  <p:clrMapOvr>
+    <a:masterClrMapping/>
+  </p:clrMapOvr>
+</p:sld>
+</file>
+
+<file path=ppt/slides/slide32.xml><?xml version="1.0" encoding="utf-8"?>
+<p:sld xmlns:a="http://schemas.openxmlformats.org/drawingml/2006/main" xmlns:r="http://schemas.openxmlformats.org/officeDocument/2006/relationships" xmlns:p="http://schemas.openxmlformats.org/presentationml/2006/main">
+  <p:cSld>
+    <p:spTree>
+      <p:nvGrpSpPr>
+        <p:cNvPr id="1" name=""/>
+        <p:cNvGrpSpPr/>
+        <p:nvPr/>
+      </p:nvGrpSpPr>
+      <p:grpSpPr>
+        <a:xfrm>
+          <a:off x="0" y="0"/>
+          <a:ext cx="0" cy="0"/>
+          <a:chOff x="0" y="0"/>
+          <a:chExt cx="0" cy="0"/>
+        </a:xfrm>
+      </p:grpSpPr>
+      <p:sp>
+        <p:nvSpPr>
+          <p:cNvPr id="2" name="제목 1"/>
+          <p:cNvSpPr>
+            <a:spLocks noGrp="1"/>
+          </p:cNvSpPr>
+          <p:nvPr>
+            <p:ph type="title"/>
+          </p:nvPr>
+        </p:nvSpPr>
+        <p:spPr/>
+        <p:txBody>
+          <a:bodyPr/>
+          <a:lstStyle/>
+          <a:p>
+            <a:r>
+              <a:rPr lang="en-US" altLang="ko-KR" dirty="0"/>
               <a:t>Summary</a:t>
             </a:r>
             <a:endParaRPr lang="ko-KR" altLang="en-US" dirty="0"/>
@@ -15024,7 +14896,7 @@
               <a:buChar char="•"/>
             </a:pPr>
             <a:r>
-              <a:rPr lang="en-US" altLang="ko-KR" dirty="0" smtClean="0"/>
+              <a:rPr lang="en-US" altLang="ko-KR" dirty="0"/>
               <a:t>Wave function matching method seems to be promising</a:t>
             </a:r>
           </a:p>
@@ -15034,7 +14906,7 @@
               <a:buChar char="•"/>
             </a:pPr>
             <a:r>
-              <a:rPr lang="en-US" altLang="ko-KR" dirty="0" smtClean="0"/>
+              <a:rPr lang="en-US" altLang="ko-KR" dirty="0"/>
               <a:t>New method to improve the N3LO calculation of NLEFT</a:t>
             </a:r>
           </a:p>
@@ -15044,7 +14916,7 @@
               <a:buChar char="•"/>
             </a:pPr>
             <a:r>
-              <a:rPr lang="en-US" altLang="ko-KR" dirty="0" smtClean="0"/>
+              <a:rPr lang="en-US" altLang="ko-KR" dirty="0"/>
               <a:t>Preliminary study shows promising results for wide range of observables</a:t>
             </a:r>
           </a:p>
@@ -15054,7 +14926,7 @@
               <a:buChar char="•"/>
             </a:pPr>
             <a:r>
-              <a:rPr lang="en-US" altLang="ko-KR" dirty="0" smtClean="0"/>
+              <a:rPr lang="en-US" altLang="ko-KR" dirty="0"/>
               <a:t>NN scattering</a:t>
             </a:r>
           </a:p>
@@ -15064,7 +14936,7 @@
               <a:buChar char="•"/>
             </a:pPr>
             <a:r>
-              <a:rPr lang="en-US" altLang="ko-KR" dirty="0" smtClean="0"/>
+              <a:rPr lang="en-US" altLang="ko-KR" dirty="0"/>
               <a:t>Binding energy (from 3H to 40Ca)</a:t>
             </a:r>
           </a:p>
@@ -15074,7 +14946,7 @@
               <a:buChar char="•"/>
             </a:pPr>
             <a:r>
-              <a:rPr lang="en-US" altLang="ko-KR" dirty="0" smtClean="0"/>
+              <a:rPr lang="en-US" altLang="ko-KR" dirty="0"/>
               <a:t>Symmetric Nuclear matter</a:t>
             </a:r>
           </a:p>
@@ -15084,7 +14956,7 @@
               <a:buChar char="•"/>
             </a:pPr>
             <a:r>
-              <a:rPr lang="en-US" altLang="ko-KR" dirty="0" smtClean="0"/>
+              <a:rPr lang="en-US" altLang="ko-KR" dirty="0"/>
               <a:t>Neutron matter</a:t>
             </a:r>
           </a:p>
@@ -15094,7 +14966,7 @@
               <a:buChar char="•"/>
             </a:pPr>
             <a:r>
-              <a:rPr lang="en-US" altLang="ko-KR" dirty="0" smtClean="0"/>
+              <a:rPr lang="en-US" altLang="ko-KR" dirty="0"/>
               <a:t>Dripline of Oxygen isotope.</a:t>
             </a:r>
           </a:p>
@@ -15104,7 +14976,7 @@
               <a:buChar char="•"/>
             </a:pPr>
             <a:r>
-              <a:rPr lang="en-US" altLang="ko-KR" dirty="0" smtClean="0"/>
+              <a:rPr lang="en-US" altLang="ko-KR" dirty="0"/>
               <a:t>Carbon excited states</a:t>
             </a:r>
           </a:p>
@@ -15114,7 +14986,7 @@
               <a:buChar char="•"/>
             </a:pPr>
             <a:r>
-              <a:rPr lang="en-US" altLang="ko-KR" dirty="0" smtClean="0"/>
+              <a:rPr lang="en-US" altLang="ko-KR" dirty="0"/>
               <a:t>Further investigation on the finite volume effects is on-going. </a:t>
             </a:r>
           </a:p>
@@ -15124,7 +14996,7 @@
               <a:buChar char="•"/>
             </a:pPr>
             <a:r>
-              <a:rPr lang="en-US" altLang="ko-KR" dirty="0" smtClean="0"/>
+              <a:rPr lang="en-US" altLang="ko-KR" dirty="0"/>
               <a:t>Also, Carbon isotopes, odd Oxygen isotopes, Cluster structure, excited states will be studied. </a:t>
             </a:r>
             <a:endParaRPr lang="ko-KR" altLang="en-US" dirty="0"/>
@@ -15141,13 +15013,6 @@
   <p:clrMapOvr>
     <a:masterClrMapping/>
   </p:clrMapOvr>
-  <p:timing>
-    <p:tnLst>
-      <p:par>
-        <p:cTn id="1" dur="indefinite" restart="never" nodeType="tmRoot"/>
-      </p:par>
-    </p:tnLst>
-  </p:timing>
 </p:sld>
 </file>
 
@@ -15184,7 +15049,7 @@
           <a:lstStyle/>
           <a:p>
             <a:r>
-              <a:rPr lang="en-US" altLang="ko-KR" dirty="0" smtClean="0"/>
+              <a:rPr lang="en-US" altLang="ko-KR" dirty="0"/>
               <a:t>Ab-initio method</a:t>
             </a:r>
             <a:endParaRPr lang="ko-KR" altLang="en-US" dirty="0"/>
@@ -15209,40 +15074,40 @@
         </p:spPr>
         <p:txBody>
           <a:bodyPr>
-            <a:normAutofit fontScale="92500"/>
+            <a:normAutofit fontScale="92500" lnSpcReduction="10000"/>
           </a:bodyPr>
           <a:lstStyle/>
           <a:p>
             <a:r>
-              <a:rPr lang="en-US" altLang="ko-KR" i="1" dirty="0" smtClean="0"/>
+              <a:rPr lang="en-US" altLang="ko-KR" i="1" dirty="0"/>
               <a:t>Ab-initio</a:t>
             </a:r>
             <a:r>
-              <a:rPr lang="en-US" altLang="ko-KR" dirty="0" smtClean="0"/>
+              <a:rPr lang="en-US" altLang="ko-KR" dirty="0"/>
               <a:t> can mean many different things. </a:t>
             </a:r>
           </a:p>
           <a:p>
             <a:r>
-              <a:rPr lang="en-US" altLang="ko-KR" i="1" dirty="0" smtClean="0"/>
+              <a:rPr lang="en-US" altLang="ko-KR" i="1" dirty="0"/>
               <a:t>ab-initio</a:t>
             </a:r>
             <a:r>
-              <a:rPr lang="en-US" altLang="ko-KR" dirty="0" smtClean="0"/>
+              <a:rPr lang="en-US" altLang="ko-KR" dirty="0"/>
               <a:t> Nuclear Physics</a:t>
             </a:r>
           </a:p>
           <a:p>
             <a:pPr lvl="1"/>
             <a:r>
-              <a:rPr lang="en-US" altLang="ko-KR" dirty="0" smtClean="0"/>
+              <a:rPr lang="en-US" altLang="ko-KR" dirty="0"/>
               <a:t>(1) nucleon degrees of freedom</a:t>
             </a:r>
           </a:p>
           <a:p>
             <a:pPr lvl="1"/>
             <a:r>
-              <a:rPr lang="en-US" altLang="ko-KR" dirty="0" smtClean="0"/>
+              <a:rPr lang="en-US" altLang="ko-KR" dirty="0"/>
               <a:t>(2) nucleon-nucleon interaction</a:t>
             </a:r>
           </a:p>
@@ -15257,53 +15122,40 @@
               <a:buNone/>
             </a:pPr>
             <a:r>
-              <a:rPr lang="en-US" altLang="ko-KR" dirty="0" smtClean="0"/>
-              <a:t>Goal: predict nuclear phenomena (without parameter fitting) from fundamental nuclear interaction. </a:t>
-            </a:r>
-          </a:p>
-          <a:p>
-            <a:pPr marL="0" indent="0">
-              <a:buNone/>
-            </a:pPr>
-            <a:r>
-              <a:rPr lang="en-US" altLang="ko-KR" dirty="0" smtClean="0">
-                <a:sym typeface="Wingdings" panose="05000000000000000000" pitchFamily="2" charset="2"/>
+              <a:rPr lang="en-US" altLang="ko-KR" dirty="0"/>
+              <a:t>Goal: predict </a:t>
+            </a:r>
+            <a:r>
+              <a:rPr lang="en-US" altLang="ko-KR" dirty="0">
+                <a:solidFill>
+                  <a:srgbClr val="FF0000"/>
+                </a:solidFill>
               </a:rPr>
-              <a:t> rare isotopes, dripline,</a:t>
-            </a:r>
-          </a:p>
-          <a:p>
-            <a:pPr marL="0" indent="0">
-              <a:buNone/>
-            </a:pPr>
+              <a:t>wide range(structure, reaction, nuclear matter)</a:t>
+            </a:r>
+            <a:r>
+              <a:rPr lang="en-US" altLang="ko-KR" dirty="0"/>
+              <a:t> of nuclear phenomena (</a:t>
+            </a:r>
             <a:r>
               <a:rPr lang="en-US" altLang="ko-KR" dirty="0">
-                <a:sym typeface="Wingdings" panose="05000000000000000000" pitchFamily="2" charset="2"/>
+                <a:solidFill>
+                  <a:srgbClr val="FF0000"/>
+                </a:solidFill>
               </a:rPr>
-              <a:t> </a:t>
-            </a:r>
-            <a:r>
-              <a:rPr lang="en-US" altLang="ko-KR" dirty="0" smtClean="0">
-                <a:sym typeface="Wingdings" panose="05000000000000000000" pitchFamily="2" charset="2"/>
+              <a:t>without parameter fitting, model assumption</a:t>
+            </a:r>
+            <a:r>
+              <a:rPr lang="en-US" altLang="ko-KR" dirty="0"/>
+              <a:t>) from </a:t>
+            </a:r>
+            <a:r>
+              <a:rPr lang="en-US" altLang="ko-KR" dirty="0">
+                <a:solidFill>
+                  <a:srgbClr val="FF0000"/>
+                </a:solidFill>
               </a:rPr>
-              <a:t>   r-process, </a:t>
-            </a:r>
-          </a:p>
-          <a:p>
-            <a:pPr marL="0" indent="0">
-              <a:buNone/>
-            </a:pPr>
-            <a:r>
-              <a:rPr lang="en-US" altLang="ko-KR" dirty="0">
-                <a:sym typeface="Wingdings" panose="05000000000000000000" pitchFamily="2" charset="2"/>
-              </a:rPr>
-              <a:t> </a:t>
-            </a:r>
-            <a:r>
-              <a:rPr lang="en-US" altLang="ko-KR" dirty="0" smtClean="0">
-                <a:sym typeface="Wingdings" panose="05000000000000000000" pitchFamily="2" charset="2"/>
-              </a:rPr>
-              <a:t>   extreme conditions</a:t>
+              <a:t>nuclear interaction (for 2-body,3-body, many-body, based on QCD)</a:t>
             </a:r>
             <a:endParaRPr lang="ko-KR" altLang="en-US" dirty="0"/>
           </a:p>
@@ -15343,13 +15195,6 @@
   <p:clrMapOvr>
     <a:masterClrMapping/>
   </p:clrMapOvr>
-  <p:timing>
-    <p:tnLst>
-      <p:par>
-        <p:cTn id="1" dur="indefinite" restart="never" nodeType="tmRoot"/>
-      </p:par>
-    </p:tnLst>
-  </p:timing>
 </p:sld>
 </file>
 
@@ -15386,7 +15231,7 @@
           <a:lstStyle/>
           <a:p>
             <a:r>
-              <a:rPr lang="en-US" altLang="ko-KR" dirty="0" smtClean="0"/>
+              <a:rPr lang="en-US" altLang="ko-KR" dirty="0"/>
               <a:t>Ab initio many-body</a:t>
             </a:r>
             <a:endParaRPr lang="ko-KR" altLang="en-US" dirty="0"/>
@@ -15409,7 +15254,7 @@
           <a:lstStyle/>
           <a:p>
             <a:r>
-              <a:rPr lang="en-US" altLang="ko-KR" dirty="0" smtClean="0">
+              <a:rPr lang="en-US" altLang="ko-KR" dirty="0">
                 <a:sym typeface="Wingdings" panose="05000000000000000000" pitchFamily="2" charset="2"/>
               </a:rPr>
               <a:t>(ab initio) Nuclear physics is challenging.</a:t>
@@ -15417,7 +15262,7 @@
           </a:p>
           <a:p>
             <a:r>
-              <a:rPr lang="en-US" altLang="ko-KR" dirty="0" smtClean="0">
+              <a:rPr lang="en-US" altLang="ko-KR" dirty="0">
                 <a:sym typeface="Wingdings" panose="05000000000000000000" pitchFamily="2" charset="2"/>
               </a:rPr>
               <a:t>Nuclear many body problem</a:t>
@@ -15426,7 +15271,7 @@
           <a:p>
             <a:pPr lvl="1"/>
             <a:r>
-              <a:rPr lang="en-US" altLang="ko-KR" dirty="0" smtClean="0">
+              <a:rPr lang="en-US" altLang="ko-KR" dirty="0">
                 <a:sym typeface="Wingdings" panose="05000000000000000000" pitchFamily="2" charset="2"/>
               </a:rPr>
               <a:t>Requires Non-perturbative method.</a:t>
@@ -15435,7 +15280,7 @@
           <a:p>
             <a:pPr lvl="1"/>
             <a:r>
-              <a:rPr lang="en-US" altLang="ko-KR" dirty="0" smtClean="0">
+              <a:rPr lang="en-US" altLang="ko-KR" dirty="0">
                 <a:sym typeface="Wingdings" panose="05000000000000000000" pitchFamily="2" charset="2"/>
               </a:rPr>
               <a:t>Ab-initio nuclear many body methods</a:t>
@@ -15444,7 +15289,7 @@
           <a:p>
             <a:pPr lvl="2"/>
             <a:r>
-              <a:rPr lang="en-US" altLang="ko-KR" dirty="0" smtClean="0">
+              <a:rPr lang="en-US" altLang="ko-KR" dirty="0">
                 <a:sym typeface="Wingdings" panose="05000000000000000000" pitchFamily="2" charset="2"/>
               </a:rPr>
               <a:t>Greens function Monte Carlo(GFMC)</a:t>
@@ -15453,7 +15298,7 @@
           <a:p>
             <a:pPr lvl="2"/>
             <a:r>
-              <a:rPr lang="en-US" altLang="ko-KR" dirty="0" smtClean="0">
+              <a:rPr lang="en-US" altLang="ko-KR" dirty="0">
                 <a:sym typeface="Wingdings" panose="05000000000000000000" pitchFamily="2" charset="2"/>
               </a:rPr>
               <a:t>No-core shell model(NCSM)</a:t>
@@ -15462,7 +15307,7 @@
           <a:p>
             <a:pPr lvl="2"/>
             <a:r>
-              <a:rPr lang="en-US" altLang="ko-KR" dirty="0" smtClean="0">
+              <a:rPr lang="en-US" altLang="ko-KR" dirty="0">
                 <a:sym typeface="Wingdings" panose="05000000000000000000" pitchFamily="2" charset="2"/>
               </a:rPr>
               <a:t>Coupled Cluster (CC)</a:t>
@@ -15471,7 +15316,7 @@
           <a:p>
             <a:pPr lvl="2"/>
             <a:r>
-              <a:rPr lang="en-US" altLang="ko-KR" dirty="0" smtClean="0">
+              <a:rPr lang="en-US" altLang="ko-KR" dirty="0">
                 <a:sym typeface="Wingdings" panose="05000000000000000000" pitchFamily="2" charset="2"/>
               </a:rPr>
               <a:t>IM-SRG, VS-SRG </a:t>
@@ -15480,7 +15325,7 @@
           <a:p>
             <a:pPr lvl="2"/>
             <a:r>
-              <a:rPr lang="en-US" altLang="ko-KR" dirty="0" smtClean="0">
+              <a:rPr lang="en-US" altLang="ko-KR" dirty="0">
                 <a:solidFill>
                   <a:srgbClr val="FF0000"/>
                 </a:solidFill>
@@ -15492,7 +15337,7 @@
           <a:p>
             <a:pPr lvl="2"/>
             <a:r>
-              <a:rPr lang="en-US" altLang="ko-KR" dirty="0" smtClean="0">
+              <a:rPr lang="en-US" altLang="ko-KR" dirty="0">
                 <a:sym typeface="Wingdings" panose="05000000000000000000" pitchFamily="2" charset="2"/>
               </a:rPr>
               <a:t>And more</a:t>
@@ -15501,7 +15346,7 @@
           <a:p>
             <a:pPr lvl="1"/>
             <a:r>
-              <a:rPr lang="en-US" altLang="ko-KR" dirty="0" smtClean="0">
+              <a:rPr lang="en-US" altLang="ko-KR" dirty="0">
                 <a:sym typeface="Wingdings" panose="05000000000000000000" pitchFamily="2" charset="2"/>
               </a:rPr>
               <a:t>With recent progress in ab-initio methods</a:t>
@@ -15510,7 +15355,7 @@
           <a:p>
             <a:pPr lvl="2"/>
             <a:r>
-              <a:rPr lang="en-US" altLang="ko-KR" dirty="0" smtClean="0">
+              <a:rPr lang="en-US" altLang="ko-KR" dirty="0">
                 <a:sym typeface="Wingdings" panose="05000000000000000000" pitchFamily="2" charset="2"/>
               </a:rPr>
               <a:t>Binding energies for wide range of nuclei </a:t>
@@ -15519,7 +15364,7 @@
           <a:p>
             <a:pPr lvl="2"/>
             <a:r>
-              <a:rPr lang="en-US" altLang="ko-KR" dirty="0" smtClean="0">
+              <a:rPr lang="en-US" altLang="ko-KR" dirty="0">
                 <a:sym typeface="Wingdings" panose="05000000000000000000" pitchFamily="2" charset="2"/>
               </a:rPr>
               <a:t>Some reaction calculation for light nuclei.</a:t>
@@ -15538,13 +15383,6 @@
   <p:clrMapOvr>
     <a:masterClrMapping/>
   </p:clrMapOvr>
-  <p:timing>
-    <p:tnLst>
-      <p:par>
-        <p:cTn id="1" dur="indefinite" restart="never" nodeType="tmRoot"/>
-      </p:par>
-    </p:tnLst>
-  </p:timing>
 </p:sld>
 </file>
 
@@ -15581,7 +15419,7 @@
           <a:lstStyle/>
           <a:p>
             <a:r>
-              <a:rPr lang="en-US" altLang="ko-KR" dirty="0" smtClean="0"/>
+              <a:rPr lang="en-US" altLang="ko-KR" dirty="0"/>
               <a:t>Nuclear Lattice Effective Field Theory</a:t>
             </a:r>
             <a:endParaRPr lang="ko-KR" altLang="en-US" dirty="0"/>
@@ -15604,7 +15442,7 @@
           <a:lstStyle/>
           <a:p>
             <a:r>
-              <a:rPr lang="en-US" altLang="ko-KR" dirty="0" smtClean="0"/>
+              <a:rPr lang="en-US" altLang="ko-KR" dirty="0"/>
               <a:t>One of ab initio method for many fermion system</a:t>
             </a:r>
             <a:endParaRPr lang="ko-KR" altLang="en-US" dirty="0"/>
@@ -15783,13 +15621,6 @@
   <p:clrMapOvr>
     <a:masterClrMapping/>
   </p:clrMapOvr>
-  <p:timing>
-    <p:tnLst>
-      <p:par>
-        <p:cTn id="1" dur="indefinite" restart="never" nodeType="tmRoot"/>
-      </p:par>
-    </p:tnLst>
-  </p:timing>
 </p:sld>
 </file>
 
@@ -15826,7 +15657,7 @@
           <a:lstStyle/>
           <a:p>
             <a:r>
-              <a:rPr lang="en-US" altLang="ko-KR" dirty="0" smtClean="0"/>
+              <a:rPr lang="en-US" altLang="ko-KR" dirty="0"/>
               <a:t>Path integral</a:t>
             </a:r>
             <a:endParaRPr lang="ko-KR" altLang="en-US" dirty="0"/>
@@ -15923,13 +15754,6 @@
   <p:clrMapOvr>
     <a:masterClrMapping/>
   </p:clrMapOvr>
-  <p:timing>
-    <p:tnLst>
-      <p:par>
-        <p:cTn id="1" dur="indefinite" restart="never" nodeType="tmRoot"/>
-      </p:par>
-    </p:tnLst>
-  </p:timing>
 </p:sld>
 </file>
 
@@ -15966,7 +15790,7 @@
           <a:lstStyle/>
           <a:p>
             <a:r>
-              <a:rPr lang="en-US" altLang="ko-KR" dirty="0" smtClean="0"/>
+              <a:rPr lang="en-US" altLang="ko-KR" dirty="0"/>
               <a:t>Chiral Effective Field Theory</a:t>
             </a:r>
             <a:endParaRPr lang="ko-KR" altLang="en-US" dirty="0"/>
@@ -16056,13 +15880,6 @@
   <p:clrMapOvr>
     <a:masterClrMapping/>
   </p:clrMapOvr>
-  <p:timing>
-    <p:tnLst>
-      <p:par>
-        <p:cTn id="1" dur="indefinite" restart="never" nodeType="tmRoot"/>
-      </p:par>
-    </p:tnLst>
-  </p:timing>
 </p:sld>
 </file>
 
@@ -16099,7 +15916,7 @@
           <a:lstStyle/>
           <a:p>
             <a:r>
-              <a:rPr lang="en-US" altLang="ko-KR" dirty="0" smtClean="0"/>
+              <a:rPr lang="en-US" altLang="ko-KR" dirty="0"/>
               <a:t>Lattice Hamiltonian</a:t>
             </a:r>
             <a:endParaRPr lang="ko-KR" altLang="en-US" dirty="0"/>
@@ -16129,28 +15946,24 @@
           <a:lstStyle/>
           <a:p>
             <a:r>
-              <a:rPr lang="en-US" altLang="ko-KR" sz="2000" dirty="0" smtClean="0"/>
+              <a:rPr lang="en-US" altLang="ko-KR" sz="2000" dirty="0"/>
               <a:t>We need to introduce a lattice scale in space and time:</a:t>
             </a:r>
           </a:p>
           <a:p>
             <a:r>
-              <a:rPr lang="en-US" altLang="ko-KR" sz="2000" dirty="0" smtClean="0"/>
+              <a:rPr lang="en-US" altLang="ko-KR" sz="2000" dirty="0"/>
               <a:t>momentum space cutoff ~ 150 MeV </a:t>
             </a:r>
             <a:r>
-              <a:rPr lang="en-US" altLang="ko-KR" sz="2000" dirty="0" smtClean="0">
+              <a:rPr lang="en-US" altLang="ko-KR" sz="2000" dirty="0">
                 <a:sym typeface="Wingdings" panose="05000000000000000000" pitchFamily="2" charset="2"/>
               </a:rPr>
               <a:t></a:t>
             </a:r>
             <a:r>
-              <a:rPr lang="en-US" altLang="ko-KR" sz="2000" dirty="0" smtClean="0"/>
-              <a:t> lattice size a= </a:t>
-            </a:r>
-            <a:r>
               <a:rPr lang="en-US" altLang="ko-KR" sz="2000" dirty="0"/>
-              <a:t>1.316 </a:t>
+              <a:t> lattice size a= 1.316 </a:t>
             </a:r>
             <a:r>
               <a:rPr lang="en-US" altLang="ko-KR" sz="2000" dirty="0" err="1"/>
@@ -16158,34 +15971,30 @@
             </a:r>
             <a:r>
               <a:rPr lang="en-US" altLang="ko-KR" sz="2000" dirty="0"/>
-              <a:t> </a:t>
-            </a:r>
-            <a:r>
-              <a:rPr lang="en-US" altLang="ko-KR" sz="2000" dirty="0" smtClean="0"/>
-              <a:t> </a:t>
-            </a:r>
-          </a:p>
-          <a:p>
-            <a:r>
-              <a:rPr lang="en-US" altLang="ko-KR" sz="2000" dirty="0" smtClean="0"/>
+              <a:t>  </a:t>
+            </a:r>
+          </a:p>
+          <a:p>
+            <a:r>
+              <a:rPr lang="en-US" altLang="ko-KR" sz="2000" dirty="0"/>
               <a:t>Time cutoff ~ 1000 MeV </a:t>
             </a:r>
           </a:p>
           <a:p>
             <a:r>
-              <a:rPr lang="en-US" altLang="ko-KR" sz="2000" dirty="0" smtClean="0"/>
+              <a:rPr lang="en-US" altLang="ko-KR" sz="2000" dirty="0"/>
               <a:t>We need to determine coefficients of interaction for the lattice size. (regularization scale.) </a:t>
             </a:r>
           </a:p>
           <a:p>
             <a:r>
-              <a:rPr lang="en-US" altLang="ko-KR" sz="2000" dirty="0" smtClean="0"/>
+              <a:rPr lang="en-US" altLang="ko-KR" sz="2000" dirty="0"/>
               <a:t>Two-body interaction coefficients can be determined from phase shifts of np scattering.  </a:t>
             </a:r>
           </a:p>
           <a:p>
             <a:r>
-              <a:rPr lang="en-US" altLang="ko-KR" sz="2000" dirty="0" smtClean="0"/>
+              <a:rPr lang="en-US" altLang="ko-KR" sz="2000" dirty="0"/>
               <a:t>Three-body interaction can be fixed from binding energy of A&gt;=3. </a:t>
             </a:r>
             <a:endParaRPr lang="ko-KR" altLang="en-US" sz="2000" dirty="0"/>
@@ -16256,13 +16065,6 @@
   <p:clrMapOvr>
     <a:masterClrMapping/>
   </p:clrMapOvr>
-  <p:timing>
-    <p:tnLst>
-      <p:par>
-        <p:cTn id="1" dur="indefinite" restart="never" nodeType="tmRoot"/>
-      </p:par>
-    </p:tnLst>
-  </p:timing>
 </p:sld>
 </file>
 

--- a/20230612_Lattice_intro.pptx
+++ b/20230612_Lattice_intro.pptx
@@ -251,7 +251,7 @@
             <a:srgbClr val="A4A3A4"/>
           </p15:clr>
         </p15:guide>
-        <p15:guide id="28" orient="horz" pos="3067" userDrawn="1">
+        <p15:guide id="28" orient="horz" pos="3045" userDrawn="1">
           <p15:clr>
             <a:srgbClr val="A4A3A4"/>
           </p15:clr>
@@ -11087,7 +11087,7 @@
         <p:spPr>
           <a:xfrm>
             <a:off x="701964" y="1717964"/>
-            <a:ext cx="9079345" cy="2122889"/>
+            <a:ext cx="9079345" cy="2703048"/>
           </a:xfrm>
           <a:prstGeom prst="rect">
             <a:avLst/>
@@ -11201,6 +11201,33 @@
                 <a:sym typeface="Wingdings" panose="05000000000000000000" pitchFamily="2" charset="2"/>
               </a:rPr>
               <a:t>&gt; </a:t>
+            </a:r>
+            <a:endParaRPr lang="en-US" dirty="0" smtClean="0">
+              <a:sym typeface="Wingdings" panose="05000000000000000000" pitchFamily="2" charset="2"/>
+            </a:endParaRPr>
+          </a:p>
+          <a:p>
+            <a:pPr marL="342900" indent="-342900">
+              <a:buFont typeface="Arial" panose="020B0604020202020204" pitchFamily="34" charset="0"/>
+              <a:buChar char="•"/>
+            </a:pPr>
+            <a:r>
+              <a:rPr lang="en-US" dirty="0" smtClean="0">
+                <a:sym typeface="Wingdings" panose="05000000000000000000" pitchFamily="2" charset="2"/>
+              </a:rPr>
+              <a:t>For simplicity, choose up to k=1 approximation. (w_0=1 , w_1=1) </a:t>
+            </a:r>
+          </a:p>
+          <a:p>
+            <a:pPr marL="342900" indent="-342900">
+              <a:buFont typeface="Arial" panose="020B0604020202020204" pitchFamily="34" charset="0"/>
+              <a:buChar char="•"/>
+            </a:pPr>
+            <a:r>
+              <a:rPr lang="en-US" dirty="0" smtClean="0">
+                <a:sym typeface="Wingdings" panose="05000000000000000000" pitchFamily="2" charset="2"/>
+              </a:rPr>
+              <a:t>The Hamiltonian matrix elements are non-zero only up to one hopping.</a:t>
             </a:r>
             <a:endParaRPr lang="en-US" dirty="0"/>
           </a:p>
@@ -11222,7 +11249,7 @@
         </p:blipFill>
         <p:spPr>
           <a:xfrm>
-            <a:off x="918711" y="4034817"/>
+            <a:off x="1001838" y="4614976"/>
             <a:ext cx="7789718" cy="1026374"/>
           </a:xfrm>
           <a:prstGeom prst="rect">
@@ -11238,7 +11265,7 @@
         </p:nvSpPr>
         <p:spPr>
           <a:xfrm>
-            <a:off x="918711" y="5255155"/>
+            <a:off x="1001838" y="5901619"/>
             <a:ext cx="6668655" cy="382412"/>
           </a:xfrm>
           <a:prstGeom prst="rect">
@@ -11386,14 +11413,14 @@
       </p:pic>
       <p:sp>
         <p:nvSpPr>
-          <p:cNvPr id="7" name="TextBox 6"/>
+          <p:cNvPr id="4" name="TextBox 3"/>
           <p:cNvSpPr txBox="1"/>
           <p:nvPr/>
         </p:nvSpPr>
         <p:spPr>
           <a:xfrm>
-            <a:off x="4141933" y="3931889"/>
-            <a:ext cx="5135418" cy="1252651"/>
+            <a:off x="3765550" y="5611539"/>
+            <a:ext cx="4950692" cy="962571"/>
           </a:xfrm>
           <a:prstGeom prst="rect">
             <a:avLst/>
@@ -11406,39 +11433,49 @@
           </a:bodyPr>
           <a:lstStyle/>
           <a:p>
+            <a:pPr marL="342900" indent="-342900">
+              <a:buFont typeface="Arial" panose="020B0604020202020204" pitchFamily="34" charset="0"/>
+              <a:buChar char="•"/>
+            </a:pPr>
             <a:r>
               <a:rPr lang="en-US" dirty="0"/>
-              <a:t>In one-body case, </a:t>
-            </a:r>
-          </a:p>
-          <a:p>
+              <a:t>Note degeneracy in </a:t>
+            </a:r>
+            <a:r>
+              <a:rPr lang="en-US" dirty="0" smtClean="0"/>
+              <a:t>excited </a:t>
+            </a:r>
             <a:r>
               <a:rPr lang="en-US" dirty="0"/>
-              <a:t>Transfer matrix becomes M = 1- </a:t>
-            </a:r>
-            <a:r>
-              <a:rPr lang="en-US" dirty="0" err="1"/>
-              <a:t>alpha_t</a:t>
-            </a:r>
+              <a:t>states.</a:t>
+            </a:r>
+          </a:p>
+          <a:p>
+            <a:pPr marL="342900" indent="-342900">
+              <a:buFont typeface="Arial" panose="020B0604020202020204" pitchFamily="34" charset="0"/>
+              <a:buChar char="•"/>
+            </a:pPr>
             <a:r>
               <a:rPr lang="en-US" dirty="0"/>
-              <a:t> H </a:t>
-            </a:r>
-          </a:p>
-          <a:p>
+              <a:t>states near or </a:t>
+            </a:r>
+            <a:r>
+              <a:rPr lang="en-US" dirty="0" smtClean="0"/>
+              <a:t>above E=0 </a:t>
+            </a:r>
             <a:endParaRPr lang="en-US" dirty="0"/>
           </a:p>
           <a:p>
             <a:r>
               <a:rPr lang="en-US" dirty="0"/>
-              <a:t>Thus, one can also use transfer matrix</a:t>
+              <a:t>     can be sensitive to the lattice size L </a:t>
             </a:r>
           </a:p>
         </p:txBody>
       </p:sp>
       <p:pic>
         <p:nvPicPr>
-          <p:cNvPr id="11" name="그림 10"/>
+          <p:cNvPr id="6" name="그림 5"/>
           <p:cNvPicPr>
             <a:picLocks noChangeAspect="1"/>
           </p:cNvPicPr>
@@ -11452,71 +11489,14 @@
         </p:blipFill>
         <p:spPr>
           <a:xfrm>
-            <a:off x="4246288" y="2973329"/>
-            <a:ext cx="3934374" cy="838317"/>
+            <a:off x="4413250" y="3049989"/>
+            <a:ext cx="2819794" cy="2410161"/>
           </a:xfrm>
           <a:prstGeom prst="rect">
             <a:avLst/>
           </a:prstGeom>
         </p:spPr>
       </p:pic>
-      <p:sp>
-        <p:nvSpPr>
-          <p:cNvPr id="4" name="TextBox 3"/>
-          <p:cNvSpPr txBox="1"/>
-          <p:nvPr/>
-        </p:nvSpPr>
-        <p:spPr>
-          <a:xfrm>
-            <a:off x="3765550" y="5611539"/>
-            <a:ext cx="4950692" cy="962571"/>
-          </a:xfrm>
-          <a:prstGeom prst="rect">
-            <a:avLst/>
-          </a:prstGeom>
-          <a:noFill/>
-        </p:spPr>
-        <p:txBody>
-          <a:bodyPr wrap="square" rtlCol="0">
-            <a:spAutoFit/>
-          </a:bodyPr>
-          <a:lstStyle/>
-          <a:p>
-            <a:pPr marL="342900" indent="-342900">
-              <a:buFont typeface="Arial" panose="020B0604020202020204" pitchFamily="34" charset="0"/>
-              <a:buChar char="•"/>
-            </a:pPr>
-            <a:r>
-              <a:rPr lang="en-US" dirty="0"/>
-              <a:t>Note degeneracy in the 1</a:t>
-            </a:r>
-            <a:r>
-              <a:rPr lang="en-US" baseline="30000" dirty="0"/>
-              <a:t>st</a:t>
-            </a:r>
-            <a:r>
-              <a:rPr lang="en-US" dirty="0"/>
-              <a:t> excited states.</a:t>
-            </a:r>
-          </a:p>
-          <a:p>
-            <a:pPr marL="342900" indent="-342900">
-              <a:buFont typeface="Arial" panose="020B0604020202020204" pitchFamily="34" charset="0"/>
-              <a:buChar char="•"/>
-            </a:pPr>
-            <a:r>
-              <a:rPr lang="en-US" dirty="0"/>
-              <a:t>states near or higher zero </a:t>
-            </a:r>
-          </a:p>
-          <a:p>
-            <a:r>
-              <a:rPr lang="en-US" dirty="0"/>
-              <a:t>     can be sensitive to the lattice size L </a:t>
-            </a:r>
-          </a:p>
-        </p:txBody>
-      </p:sp>
     </p:spTree>
     <p:extLst>
       <p:ext uri="{BB962C8B-B14F-4D97-AF65-F5344CB8AC3E}">
@@ -11578,7 +11558,7 @@
         <p:spPr>
           <a:xfrm>
             <a:off x="764178" y="2430580"/>
-            <a:ext cx="5137857" cy="1252651"/>
+            <a:ext cx="5137857" cy="672492"/>
           </a:xfrm>
           <a:prstGeom prst="rect">
             <a:avLst/>
@@ -11608,15 +11588,6 @@
             <a:r>
               <a:rPr lang="en-US" dirty="0"/>
               <a:t> H </a:t>
-            </a:r>
-          </a:p>
-          <a:p>
-            <a:endParaRPr lang="en-US" dirty="0"/>
-          </a:p>
-          <a:p>
-            <a:r>
-              <a:rPr lang="en-US" dirty="0"/>
-              <a:t>Thus, it is also easy to use transfer matrix </a:t>
             </a:r>
           </a:p>
         </p:txBody>
@@ -11661,7 +11632,7 @@
         </p:blipFill>
         <p:spPr>
           <a:xfrm>
-            <a:off x="764178" y="3753676"/>
+            <a:off x="764178" y="3454032"/>
             <a:ext cx="4839375" cy="2638793"/>
           </a:xfrm>
           <a:prstGeom prst="rect">
@@ -11685,7 +11656,7 @@
         </p:blipFill>
         <p:spPr>
           <a:xfrm>
-            <a:off x="6311324" y="4143950"/>
+            <a:off x="6213475" y="3534350"/>
             <a:ext cx="3096057" cy="743054"/>
           </a:xfrm>
           <a:prstGeom prst="rect">
@@ -11754,7 +11725,7 @@
         <p:spPr>
           <a:xfrm>
             <a:off x="495300" y="1581323"/>
-            <a:ext cx="8705850" cy="3863365"/>
+            <a:ext cx="8705850" cy="3573286"/>
           </a:xfrm>
           <a:prstGeom prst="rect">
             <a:avLst/>
@@ -11887,14 +11858,14 @@
               <a:rPr lang="en-US" dirty="0">
                 <a:sym typeface="Wingdings" panose="05000000000000000000" pitchFamily="2" charset="2"/>
               </a:rPr>
-              <a:t>It would be possible to solve exactly up to 3-body in lattice.</a:t>
-            </a:r>
-          </a:p>
-          <a:p>
-            <a:pPr marL="342900" indent="-342900">
-              <a:buFont typeface="Arial" panose="020B0604020202020204" pitchFamily="34" charset="0"/>
-              <a:buChar char="•"/>
-            </a:pPr>
+              <a:t>It would be possible to solve exactly up to 3-body in lattice</a:t>
+            </a:r>
+            <a:r>
+              <a:rPr lang="en-US" dirty="0" smtClean="0">
+                <a:sym typeface="Wingdings" panose="05000000000000000000" pitchFamily="2" charset="2"/>
+              </a:rPr>
+              <a:t>.</a:t>
+            </a:r>
             <a:endParaRPr lang="en-US" dirty="0">
               <a:sym typeface="Wingdings" panose="05000000000000000000" pitchFamily="2" charset="2"/>
             </a:endParaRPr>
@@ -14205,7 +14176,11 @@
           <a:p>
             <a:r>
               <a:rPr lang="en-US" altLang="ko-KR" dirty="0"/>
-              <a:t>BE/A from WFM</a:t>
+              <a:t>BE/A from </a:t>
+            </a:r>
+            <a:r>
+              <a:rPr lang="en-US" altLang="ko-KR" dirty="0" smtClean="0"/>
+              <a:t>WFM up to N3LO</a:t>
             </a:r>
             <a:endParaRPr lang="ko-KR" altLang="en-US" dirty="0"/>
           </a:p>
@@ -14324,7 +14299,19 @@
           <a:p>
             <a:r>
               <a:rPr lang="en-US" altLang="ko-KR" dirty="0"/>
-              <a:t>Charge Radius</a:t>
+              <a:t>Charge </a:t>
+            </a:r>
+            <a:r>
+              <a:rPr lang="en-US" altLang="ko-KR" dirty="0" smtClean="0"/>
+              <a:t>Radius in WFM </a:t>
+            </a:r>
+            <a:r>
+              <a:rPr lang="en-US" altLang="ko-KR" dirty="0" err="1" smtClean="0"/>
+              <a:t>upto</a:t>
+            </a:r>
+            <a:r>
+              <a:rPr lang="en-US" altLang="ko-KR" dirty="0" smtClean="0"/>
+              <a:t> N3LO</a:t>
             </a:r>
             <a:endParaRPr lang="ko-KR" altLang="en-US" dirty="0"/>
           </a:p>
@@ -14605,7 +14592,11 @@
           <a:p>
             <a:r>
               <a:rPr lang="en-US" altLang="ko-KR" dirty="0"/>
-              <a:t>Nuclear/Neutron Matter</a:t>
+              <a:t>Nuclear/Neutron </a:t>
+            </a:r>
+            <a:r>
+              <a:rPr lang="en-US" altLang="ko-KR" dirty="0" smtClean="0"/>
+              <a:t>Matter in WFM (N3LO)</a:t>
             </a:r>
             <a:endParaRPr lang="ko-KR" altLang="en-US" dirty="0"/>
           </a:p>

--- a/20230612_Lattice_intro.pptx
+++ b/20230612_Lattice_intro.pptx
@@ -10193,7 +10193,7 @@
         <p:spPr>
           <a:xfrm>
             <a:off x="691977" y="2501122"/>
-            <a:ext cx="8553036" cy="646331"/>
+            <a:ext cx="8553036" cy="1200329"/>
           </a:xfrm>
           <a:prstGeom prst="rect">
             <a:avLst/>
@@ -10205,6 +10205,51 @@
             <a:spAutoFit/>
           </a:bodyPr>
           <a:lstStyle/>
+          <a:p>
+            <a:pPr algn="ctr"/>
+            <a:r>
+              <a:rPr lang="en-US" altLang="ko-KR" sz="3600" b="1" dirty="0">
+                <a:solidFill>
+                  <a:schemeClr val="bg1"/>
+                </a:solidFill>
+                <a:latin typeface="+mn-ea"/>
+              </a:rPr>
+              <a:t>(Practical) Introduction</a:t>
+            </a:r>
+            <a:r>
+              <a:rPr lang="ko-KR" altLang="en-US" sz="3600" b="1" dirty="0">
+                <a:solidFill>
+                  <a:schemeClr val="bg1"/>
+                </a:solidFill>
+                <a:latin typeface="+mn-ea"/>
+              </a:rPr>
+              <a:t> </a:t>
+            </a:r>
+            <a:r>
+              <a:rPr lang="en-US" altLang="ko-KR" sz="3600" b="1" dirty="0">
+                <a:solidFill>
+                  <a:schemeClr val="bg1"/>
+                </a:solidFill>
+                <a:latin typeface="+mn-ea"/>
+              </a:rPr>
+              <a:t>to</a:t>
+            </a:r>
+            <a:r>
+              <a:rPr lang="ko-KR" altLang="en-US" sz="3600" b="1" dirty="0">
+                <a:solidFill>
+                  <a:schemeClr val="bg1"/>
+                </a:solidFill>
+                <a:latin typeface="+mn-ea"/>
+              </a:rPr>
+              <a:t> </a:t>
+            </a:r>
+            <a:endParaRPr lang="en-US" altLang="ko-KR" sz="3600" b="1" dirty="0">
+              <a:solidFill>
+                <a:schemeClr val="bg1"/>
+              </a:solidFill>
+              <a:latin typeface="+mn-ea"/>
+            </a:endParaRPr>
+          </a:p>
           <a:p>
             <a:pPr algn="ctr"/>
             <a:r>
@@ -11202,9 +11247,6 @@
               </a:rPr>
               <a:t>&gt; </a:t>
             </a:r>
-            <a:endParaRPr lang="en-US" dirty="0" smtClean="0">
-              <a:sym typeface="Wingdings" panose="05000000000000000000" pitchFamily="2" charset="2"/>
-            </a:endParaRPr>
           </a:p>
           <a:p>
             <a:pPr marL="342900" indent="-342900">
@@ -11212,7 +11254,7 @@
               <a:buChar char="•"/>
             </a:pPr>
             <a:r>
-              <a:rPr lang="en-US" dirty="0" smtClean="0">
+              <a:rPr lang="en-US" dirty="0">
                 <a:sym typeface="Wingdings" panose="05000000000000000000" pitchFamily="2" charset="2"/>
               </a:rPr>
               <a:t>For simplicity, choose up to k=1 approximation. (w_0=1 , w_1=1) </a:t>
@@ -11224,7 +11266,7 @@
               <a:buChar char="•"/>
             </a:pPr>
             <a:r>
-              <a:rPr lang="en-US" dirty="0" smtClean="0">
+              <a:rPr lang="en-US" dirty="0">
                 <a:sym typeface="Wingdings" panose="05000000000000000000" pitchFamily="2" charset="2"/>
               </a:rPr>
               <a:t>The Hamiltonian matrix elements are non-zero only up to one hopping.</a:t>
@@ -11439,15 +11481,7 @@
             </a:pPr>
             <a:r>
               <a:rPr lang="en-US" dirty="0"/>
-              <a:t>Note degeneracy in </a:t>
-            </a:r>
-            <a:r>
-              <a:rPr lang="en-US" dirty="0" smtClean="0"/>
-              <a:t>excited </a:t>
-            </a:r>
-            <a:r>
-              <a:rPr lang="en-US" dirty="0"/>
-              <a:t>states.</a:t>
+              <a:t>Note degeneracy in excited states.</a:t>
             </a:r>
           </a:p>
           <a:p>
@@ -11457,13 +11491,8 @@
             </a:pPr>
             <a:r>
               <a:rPr lang="en-US" dirty="0"/>
-              <a:t>states near or </a:t>
-            </a:r>
-            <a:r>
-              <a:rPr lang="en-US" dirty="0" smtClean="0"/>
-              <a:t>above E=0 </a:t>
-            </a:r>
-            <a:endParaRPr lang="en-US" dirty="0"/>
+              <a:t>states near or above E=0 </a:t>
+            </a:r>
           </a:p>
           <a:p>
             <a:r>
@@ -11858,17 +11887,8 @@
               <a:rPr lang="en-US" dirty="0">
                 <a:sym typeface="Wingdings" panose="05000000000000000000" pitchFamily="2" charset="2"/>
               </a:rPr>
-              <a:t>It would be possible to solve exactly up to 3-body in lattice</a:t>
-            </a:r>
-            <a:r>
-              <a:rPr lang="en-US" dirty="0" smtClean="0">
-                <a:sym typeface="Wingdings" panose="05000000000000000000" pitchFamily="2" charset="2"/>
-              </a:rPr>
-              <a:t>.</a:t>
-            </a:r>
-            <a:endParaRPr lang="en-US" dirty="0">
-              <a:sym typeface="Wingdings" panose="05000000000000000000" pitchFamily="2" charset="2"/>
-            </a:endParaRPr>
+              <a:t>It would be possible to solve exactly up to 3-body in lattice.</a:t>
+            </a:r>
           </a:p>
           <a:p>
             <a:pPr marL="342900" indent="-342900">
@@ -14176,11 +14196,7 @@
           <a:p>
             <a:r>
               <a:rPr lang="en-US" altLang="ko-KR" dirty="0"/>
-              <a:t>BE/A from </a:t>
-            </a:r>
-            <a:r>
-              <a:rPr lang="en-US" altLang="ko-KR" dirty="0" smtClean="0"/>
-              <a:t>WFM up to N3LO</a:t>
+              <a:t>BE/A from WFM up to N3LO</a:t>
             </a:r>
             <a:endParaRPr lang="ko-KR" altLang="en-US" dirty="0"/>
           </a:p>
@@ -14299,18 +14315,14 @@
           <a:p>
             <a:r>
               <a:rPr lang="en-US" altLang="ko-KR" dirty="0"/>
-              <a:t>Charge </a:t>
-            </a:r>
-            <a:r>
-              <a:rPr lang="en-US" altLang="ko-KR" dirty="0" smtClean="0"/>
-              <a:t>Radius in WFM </a:t>
-            </a:r>
-            <a:r>
-              <a:rPr lang="en-US" altLang="ko-KR" dirty="0" err="1" smtClean="0"/>
+              <a:t>Charge Radius in WFM </a:t>
+            </a:r>
+            <a:r>
+              <a:rPr lang="en-US" altLang="ko-KR" dirty="0" err="1"/>
               <a:t>upto</a:t>
             </a:r>
             <a:r>
-              <a:rPr lang="en-US" altLang="ko-KR" dirty="0" smtClean="0"/>
+              <a:rPr lang="en-US" altLang="ko-KR" dirty="0"/>
               <a:t> N3LO</a:t>
             </a:r>
             <a:endParaRPr lang="ko-KR" altLang="en-US" dirty="0"/>
@@ -14592,11 +14604,7 @@
           <a:p>
             <a:r>
               <a:rPr lang="en-US" altLang="ko-KR" dirty="0"/>
-              <a:t>Nuclear/Neutron </a:t>
-            </a:r>
-            <a:r>
-              <a:rPr lang="en-US" altLang="ko-KR" dirty="0" smtClean="0"/>
-              <a:t>Matter in WFM (N3LO)</a:t>
+              <a:t>Nuclear/Neutron Matter in WFM (N3LO)</a:t>
             </a:r>
             <a:endParaRPr lang="ko-KR" altLang="en-US" dirty="0"/>
           </a:p>
